--- a/profile_ERD.pptx
+++ b/profile_ERD.pptx
@@ -1,6 +1,6 @@
 
 <file path=ppt/presentation.xml><?xml version="1.0" encoding="utf-8"?>
-<p:presentation xmlns:a="http://schemas.openxmlformats.org/drawingml/2006/main" xmlns:r="http://schemas.openxmlformats.org/officeDocument/2006/relationships" xmlns:p="http://schemas.openxmlformats.org/presentationml/2006/main" saveSubsetFonts="1" autoCompressPictures="0">
+<p:presentation xmlns:a="http://schemas.openxmlformats.org/drawingml/2006/main" xmlns:r="http://schemas.openxmlformats.org/officeDocument/2006/relationships" xmlns:mc="http://schemas.openxmlformats.org/markup-compatibility/2006" xmlns:mv="urn:schemas-microsoft-com:mac:vml" xmlns:p="http://schemas.openxmlformats.org/presentationml/2006/main" mc:Ignorable="mv" mc:PreserveAttributes="mv:*" saveSubsetFonts="1" autoCompressPictures="0">
   <p:sldMasterIdLst>
     <p:sldMasterId id="2147483648" r:id="rId1"/>
   </p:sldMasterIdLst>
@@ -4278,10 +4278,24 @@
         </dgm:presLayoutVars>
       </dgm:prSet>
       <dgm:spPr/>
+      <dgm:t>
+        <a:bodyPr/>
+        <a:lstStyle/>
+        <a:p>
+          <a:endParaRPr lang="en-US"/>
+        </a:p>
+      </dgm:t>
     </dgm:pt>
     <dgm:pt modelId="{7379E456-43C9-BB4E-8370-A5BCA370F176}" type="pres">
       <dgm:prSet presAssocID="{E7BFA685-6A56-1747-8762-BB65F784FEDC}" presName="textCenter" presStyleLbl="node1" presStyleIdx="0" presStyleCnt="11"/>
       <dgm:spPr/>
+      <dgm:t>
+        <a:bodyPr/>
+        <a:lstStyle/>
+        <a:p>
+          <a:endParaRPr lang="en-US"/>
+        </a:p>
+      </dgm:t>
     </dgm:pt>
     <dgm:pt modelId="{CEAC4506-47A3-C943-8BF5-17EEC7A931FE}" type="pres">
       <dgm:prSet presAssocID="{E7BFA685-6A56-1747-8762-BB65F784FEDC}" presName="cycle_1" presStyleCnt="0"/>
@@ -4290,10 +4304,24 @@
     <dgm:pt modelId="{B847BC99-AE4E-7749-B2AB-AB7FAA49B089}" type="pres">
       <dgm:prSet presAssocID="{9C09DAE7-4EA8-ED43-B0AC-F4C8610A8A1E}" presName="childCenter1" presStyleLbl="node1" presStyleIdx="1" presStyleCnt="11"/>
       <dgm:spPr/>
+      <dgm:t>
+        <a:bodyPr/>
+        <a:lstStyle/>
+        <a:p>
+          <a:endParaRPr lang="en-US"/>
+        </a:p>
+      </dgm:t>
     </dgm:pt>
     <dgm:pt modelId="{575BCAA7-B0BA-7445-8920-72976032322C}" type="pres">
       <dgm:prSet presAssocID="{AFBC49D1-885A-8A4C-8D08-090736051A13}" presName="Name141" presStyleLbl="parChTrans1D3" presStyleIdx="0" presStyleCnt="8"/>
       <dgm:spPr/>
+      <dgm:t>
+        <a:bodyPr/>
+        <a:lstStyle/>
+        <a:p>
+          <a:endParaRPr lang="en-US"/>
+        </a:p>
+      </dgm:t>
     </dgm:pt>
     <dgm:pt modelId="{E53C7DBD-C183-0B4B-9F68-E09203C858EE}" type="pres">
       <dgm:prSet presAssocID="{92106302-18B4-7149-ACA7-AD8FCDE7CD4B}" presName="text1" presStyleLbl="node1" presStyleIdx="2" presStyleCnt="11">
@@ -4302,10 +4330,24 @@
         </dgm:presLayoutVars>
       </dgm:prSet>
       <dgm:spPr/>
+      <dgm:t>
+        <a:bodyPr/>
+        <a:lstStyle/>
+        <a:p>
+          <a:endParaRPr lang="en-US"/>
+        </a:p>
+      </dgm:t>
     </dgm:pt>
     <dgm:pt modelId="{A68A745A-D64C-894D-BB0B-96442A82AD38}" type="pres">
       <dgm:prSet presAssocID="{6D756936-9E2B-FA4D-A94F-F95A6241C9B5}" presName="Name141" presStyleLbl="parChTrans1D3" presStyleIdx="1" presStyleCnt="8"/>
       <dgm:spPr/>
+      <dgm:t>
+        <a:bodyPr/>
+        <a:lstStyle/>
+        <a:p>
+          <a:endParaRPr lang="en-US"/>
+        </a:p>
+      </dgm:t>
     </dgm:pt>
     <dgm:pt modelId="{A3514D67-0845-B241-9650-051DC2876BC2}" type="pres">
       <dgm:prSet presAssocID="{A933ED5A-4BC8-414F-A5CD-26E0A25CBE19}" presName="text1" presStyleLbl="node1" presStyleIdx="3" presStyleCnt="11">
@@ -4325,6 +4367,13 @@
     <dgm:pt modelId="{BE980DF6-0D56-764C-A9E3-E5F4456AB94F}" type="pres">
       <dgm:prSet presAssocID="{C9E66C3E-CDDF-1043-93CC-700CAAD57093}" presName="Name141" presStyleLbl="parChTrans1D3" presStyleIdx="2" presStyleCnt="8"/>
       <dgm:spPr/>
+      <dgm:t>
+        <a:bodyPr/>
+        <a:lstStyle/>
+        <a:p>
+          <a:endParaRPr lang="en-US"/>
+        </a:p>
+      </dgm:t>
     </dgm:pt>
     <dgm:pt modelId="{9C4F1EDA-1DFD-3741-B486-D5796EF12299}" type="pres">
       <dgm:prSet presAssocID="{1EB3C4D8-54CD-0442-84AE-A03E778C78C7}" presName="text1" presStyleLbl="node1" presStyleIdx="4" presStyleCnt="11">
@@ -4344,6 +4393,13 @@
     <dgm:pt modelId="{FCB88455-4788-E346-B57E-7CB3AB5A2933}" type="pres">
       <dgm:prSet presAssocID="{4E24ACD1-4B07-B949-9F5D-549EF77BC103}" presName="Name141" presStyleLbl="parChTrans1D3" presStyleIdx="3" presStyleCnt="8"/>
       <dgm:spPr/>
+      <dgm:t>
+        <a:bodyPr/>
+        <a:lstStyle/>
+        <a:p>
+          <a:endParaRPr lang="en-US"/>
+        </a:p>
+      </dgm:t>
     </dgm:pt>
     <dgm:pt modelId="{D6BC758B-E965-6745-A8E4-661DD1822C62}" type="pres">
       <dgm:prSet presAssocID="{695C4DED-6B07-8842-BFFC-E4DAB41BABAE}" presName="text1" presStyleLbl="node1" presStyleIdx="5" presStyleCnt="11">
@@ -4352,10 +4408,24 @@
         </dgm:presLayoutVars>
       </dgm:prSet>
       <dgm:spPr/>
+      <dgm:t>
+        <a:bodyPr/>
+        <a:lstStyle/>
+        <a:p>
+          <a:endParaRPr lang="en-US"/>
+        </a:p>
+      </dgm:t>
     </dgm:pt>
     <dgm:pt modelId="{FCE2DCC2-284A-CE48-BF28-DCF3D75D6EA3}" type="pres">
       <dgm:prSet presAssocID="{5A2A0F85-7CF1-6641-852E-2C28E39A2816}" presName="Name141" presStyleLbl="parChTrans1D3" presStyleIdx="4" presStyleCnt="8"/>
       <dgm:spPr/>
+      <dgm:t>
+        <a:bodyPr/>
+        <a:lstStyle/>
+        <a:p>
+          <a:endParaRPr lang="en-US"/>
+        </a:p>
+      </dgm:t>
     </dgm:pt>
     <dgm:pt modelId="{1848E8FD-AA14-4C47-860C-D17D7AB71904}" type="pres">
       <dgm:prSet presAssocID="{16396E06-1E3A-1A4B-B928-77C292055271}" presName="text1" presStyleLbl="node1" presStyleIdx="6" presStyleCnt="11">
@@ -4364,10 +4434,24 @@
         </dgm:presLayoutVars>
       </dgm:prSet>
       <dgm:spPr/>
+      <dgm:t>
+        <a:bodyPr/>
+        <a:lstStyle/>
+        <a:p>
+          <a:endParaRPr lang="en-US"/>
+        </a:p>
+      </dgm:t>
     </dgm:pt>
     <dgm:pt modelId="{9BDA7D2F-5F0A-FE48-8970-12AF8E701DD5}" type="pres">
       <dgm:prSet presAssocID="{7D7A15F9-425B-5649-8AC4-CA6BCC3D3CEF}" presName="Name144" presStyleLbl="parChTrans1D2" presStyleIdx="0" presStyleCnt="2"/>
       <dgm:spPr/>
+      <dgm:t>
+        <a:bodyPr/>
+        <a:lstStyle/>
+        <a:p>
+          <a:endParaRPr lang="en-US"/>
+        </a:p>
+      </dgm:t>
     </dgm:pt>
     <dgm:pt modelId="{2AC6C86D-8AC6-264E-B2E1-A3A07E79D2BC}" type="pres">
       <dgm:prSet presAssocID="{E7BFA685-6A56-1747-8762-BB65F784FEDC}" presName="cycle_2" presStyleCnt="0"/>
@@ -4376,10 +4460,24 @@
     <dgm:pt modelId="{DC062DCD-9F3C-9F4C-89EF-19B48CEC369B}" type="pres">
       <dgm:prSet presAssocID="{83849BAB-3D95-1F48-BA54-6F99D3D51242}" presName="childCenter2" presStyleLbl="node1" presStyleIdx="7" presStyleCnt="11"/>
       <dgm:spPr/>
+      <dgm:t>
+        <a:bodyPr/>
+        <a:lstStyle/>
+        <a:p>
+          <a:endParaRPr lang="en-US"/>
+        </a:p>
+      </dgm:t>
     </dgm:pt>
     <dgm:pt modelId="{B04834EC-F2FA-DE49-B9D4-9E68366FCD73}" type="pres">
       <dgm:prSet presAssocID="{F693B6A6-EB9A-9540-A507-1FC17077340B}" presName="Name218" presStyleLbl="parChTrans1D3" presStyleIdx="5" presStyleCnt="8"/>
       <dgm:spPr/>
+      <dgm:t>
+        <a:bodyPr/>
+        <a:lstStyle/>
+        <a:p>
+          <a:endParaRPr lang="en-US"/>
+        </a:p>
+      </dgm:t>
     </dgm:pt>
     <dgm:pt modelId="{43A57A41-D75A-ED44-8763-8C6748DF2883}" type="pres">
       <dgm:prSet presAssocID="{BE630A25-CCB8-224C-B684-682318EDEEC7}" presName="text2" presStyleLbl="node1" presStyleIdx="8" presStyleCnt="11">
@@ -4388,10 +4486,24 @@
         </dgm:presLayoutVars>
       </dgm:prSet>
       <dgm:spPr/>
+      <dgm:t>
+        <a:bodyPr/>
+        <a:lstStyle/>
+        <a:p>
+          <a:endParaRPr lang="en-US"/>
+        </a:p>
+      </dgm:t>
     </dgm:pt>
     <dgm:pt modelId="{908B7130-5BC2-4D47-B7A4-AB715C747E9A}" type="pres">
       <dgm:prSet presAssocID="{9EC156C4-BB54-FE44-ACA8-26CA37782A50}" presName="Name218" presStyleLbl="parChTrans1D3" presStyleIdx="6" presStyleCnt="8"/>
       <dgm:spPr/>
+      <dgm:t>
+        <a:bodyPr/>
+        <a:lstStyle/>
+        <a:p>
+          <a:endParaRPr lang="en-US"/>
+        </a:p>
+      </dgm:t>
     </dgm:pt>
     <dgm:pt modelId="{CF73B841-8DE4-6E46-98DB-DF25AF130F15}" type="pres">
       <dgm:prSet presAssocID="{9EE78E67-996D-9B48-99B4-2EC7C4CBBA17}" presName="text2" presStyleLbl="node1" presStyleIdx="9" presStyleCnt="11">
@@ -4400,10 +4512,24 @@
         </dgm:presLayoutVars>
       </dgm:prSet>
       <dgm:spPr/>
+      <dgm:t>
+        <a:bodyPr/>
+        <a:lstStyle/>
+        <a:p>
+          <a:endParaRPr lang="en-US"/>
+        </a:p>
+      </dgm:t>
     </dgm:pt>
     <dgm:pt modelId="{E156451F-E821-4F41-B37D-C228EB11997E}" type="pres">
       <dgm:prSet presAssocID="{595CD055-6916-8B43-BEC1-A4C58DEA6C5C}" presName="Name218" presStyleLbl="parChTrans1D3" presStyleIdx="7" presStyleCnt="8"/>
       <dgm:spPr/>
+      <dgm:t>
+        <a:bodyPr/>
+        <a:lstStyle/>
+        <a:p>
+          <a:endParaRPr lang="en-US"/>
+        </a:p>
+      </dgm:t>
     </dgm:pt>
     <dgm:pt modelId="{4EAB4547-45C8-294F-947E-67EFD414143C}" type="pres">
       <dgm:prSet presAssocID="{E103039F-18AD-FB43-893C-ACF0BB5B2E59}" presName="text2" presStyleLbl="node1" presStyleIdx="10" presStyleCnt="11">
@@ -4412,46 +4538,60 @@
         </dgm:presLayoutVars>
       </dgm:prSet>
       <dgm:spPr/>
+      <dgm:t>
+        <a:bodyPr/>
+        <a:lstStyle/>
+        <a:p>
+          <a:endParaRPr lang="en-US"/>
+        </a:p>
+      </dgm:t>
     </dgm:pt>
     <dgm:pt modelId="{FFCC7DA5-B6F5-BE43-955C-BE126590FE51}" type="pres">
       <dgm:prSet presAssocID="{EE6B5771-2045-4E4E-B1F0-D6294047ECFF}" presName="Name221" presStyleLbl="parChTrans1D2" presStyleIdx="1" presStyleCnt="2"/>
       <dgm:spPr/>
+      <dgm:t>
+        <a:bodyPr/>
+        <a:lstStyle/>
+        <a:p>
+          <a:endParaRPr lang="en-US"/>
+        </a:p>
+      </dgm:t>
     </dgm:pt>
   </dgm:ptLst>
   <dgm:cxnLst>
+    <dgm:cxn modelId="{F456639C-6AD5-1549-A97D-98AF8E4C2041}" srcId="{9C09DAE7-4EA8-ED43-B0AC-F4C8610A8A1E}" destId="{92106302-18B4-7149-ACA7-AD8FCDE7CD4B}" srcOrd="0" destOrd="0" parTransId="{AFBC49D1-885A-8A4C-8D08-090736051A13}" sibTransId="{113E2DE7-F55F-A846-9896-0CB9017FA973}"/>
+    <dgm:cxn modelId="{ADE80AB9-150E-E24D-99A3-DD3BF7B91408}" srcId="{83849BAB-3D95-1F48-BA54-6F99D3D51242}" destId="{9EE78E67-996D-9B48-99B4-2EC7C4CBBA17}" srcOrd="1" destOrd="0" parTransId="{9EC156C4-BB54-FE44-ACA8-26CA37782A50}" sibTransId="{A874C56E-AA9A-B548-85D6-0F77B6B250D1}"/>
+    <dgm:cxn modelId="{EE70AC0E-D491-FD45-B88C-F33D8BDF5288}" type="presOf" srcId="{83849BAB-3D95-1F48-BA54-6F99D3D51242}" destId="{DC062DCD-9F3C-9F4C-89EF-19B48CEC369B}" srcOrd="0" destOrd="0" presId="urn:microsoft.com/office/officeart/2008/layout/RadialCluster"/>
+    <dgm:cxn modelId="{1F5A4807-D0D4-2244-B2EB-3CF160FAF7E1}" srcId="{9C09DAE7-4EA8-ED43-B0AC-F4C8610A8A1E}" destId="{16396E06-1E3A-1A4B-B928-77C292055271}" srcOrd="4" destOrd="0" parTransId="{5A2A0F85-7CF1-6641-852E-2C28E39A2816}" sibTransId="{5DBE7902-A8C9-C34D-AAD2-E76BD3EF684F}"/>
+    <dgm:cxn modelId="{2F443E46-BEDB-5D48-94B8-902E6EF3E981}" type="presOf" srcId="{92106302-18B4-7149-ACA7-AD8FCDE7CD4B}" destId="{E53C7DBD-C183-0B4B-9F68-E09203C858EE}" srcOrd="0" destOrd="0" presId="urn:microsoft.com/office/officeart/2008/layout/RadialCluster"/>
+    <dgm:cxn modelId="{39BC72F2-83C3-1149-A086-BFAF38C1A559}" type="presOf" srcId="{AFBC49D1-885A-8A4C-8D08-090736051A13}" destId="{575BCAA7-B0BA-7445-8920-72976032322C}" srcOrd="0" destOrd="0" presId="urn:microsoft.com/office/officeart/2008/layout/RadialCluster"/>
+    <dgm:cxn modelId="{64599922-BB52-894B-805E-E49E22E5E42D}" type="presOf" srcId="{F693B6A6-EB9A-9540-A507-1FC17077340B}" destId="{B04834EC-F2FA-DE49-B9D4-9E68366FCD73}" srcOrd="0" destOrd="0" presId="urn:microsoft.com/office/officeart/2008/layout/RadialCluster"/>
+    <dgm:cxn modelId="{9368C27C-B0AF-534D-8383-EBBFA4D43D03}" srcId="{E7BFA685-6A56-1747-8762-BB65F784FEDC}" destId="{9C09DAE7-4EA8-ED43-B0AC-F4C8610A8A1E}" srcOrd="0" destOrd="0" parTransId="{7D7A15F9-425B-5649-8AC4-CA6BCC3D3CEF}" sibTransId="{4BEE998A-8F08-8B47-966E-D2FBB32A3737}"/>
+    <dgm:cxn modelId="{4C6AF7A0-9F81-B84B-9823-ED2423EFF47E}" type="presOf" srcId="{6D756936-9E2B-FA4D-A94F-F95A6241C9B5}" destId="{A68A745A-D64C-894D-BB0B-96442A82AD38}" srcOrd="0" destOrd="0" presId="urn:microsoft.com/office/officeart/2008/layout/RadialCluster"/>
+    <dgm:cxn modelId="{00F2573E-920F-4040-AA1F-F6D07ED56F04}" type="presOf" srcId="{C9E66C3E-CDDF-1043-93CC-700CAAD57093}" destId="{BE980DF6-0D56-764C-A9E3-E5F4456AB94F}" srcOrd="0" destOrd="0" presId="urn:microsoft.com/office/officeart/2008/layout/RadialCluster"/>
+    <dgm:cxn modelId="{036AF26A-F27A-8841-A6E7-1E0CACD0F96C}" type="presOf" srcId="{EE6B5771-2045-4E4E-B1F0-D6294047ECFF}" destId="{FFCC7DA5-B6F5-BE43-955C-BE126590FE51}" srcOrd="0" destOrd="0" presId="urn:microsoft.com/office/officeart/2008/layout/RadialCluster"/>
+    <dgm:cxn modelId="{0015FF58-09C8-D444-9265-B1510AA0B335}" srcId="{8C1AA20E-21E2-724B-90B2-DE5FA02F9B7C}" destId="{E7BFA685-6A56-1747-8762-BB65F784FEDC}" srcOrd="0" destOrd="0" parTransId="{FA980317-4472-5A4E-BBCF-A466B48FF529}" sibTransId="{2973B765-A828-1946-9EEC-6EC2DDA2E8ED}"/>
+    <dgm:cxn modelId="{08A643CF-4587-1B4B-BD6F-A6470B87B376}" type="presOf" srcId="{9C09DAE7-4EA8-ED43-B0AC-F4C8610A8A1E}" destId="{B847BC99-AE4E-7749-B2AB-AB7FAA49B089}" srcOrd="0" destOrd="0" presId="urn:microsoft.com/office/officeart/2008/layout/RadialCluster"/>
+    <dgm:cxn modelId="{36D975CF-B091-D84D-A3BE-46C95F284641}" srcId="{83849BAB-3D95-1F48-BA54-6F99D3D51242}" destId="{E103039F-18AD-FB43-893C-ACF0BB5B2E59}" srcOrd="2" destOrd="0" parTransId="{595CD055-6916-8B43-BEC1-A4C58DEA6C5C}" sibTransId="{2CCFFA45-72CD-0140-ADFE-061904C40B00}"/>
+    <dgm:cxn modelId="{0360B008-E876-DA4D-A5A4-BAB644C9344B}" type="presOf" srcId="{16396E06-1E3A-1A4B-B928-77C292055271}" destId="{1848E8FD-AA14-4C47-860C-D17D7AB71904}" srcOrd="0" destOrd="0" presId="urn:microsoft.com/office/officeart/2008/layout/RadialCluster"/>
+    <dgm:cxn modelId="{FC1D44FC-E645-B74E-A76C-953AE6A0054A}" srcId="{9C09DAE7-4EA8-ED43-B0AC-F4C8610A8A1E}" destId="{695C4DED-6B07-8842-BFFC-E4DAB41BABAE}" srcOrd="3" destOrd="0" parTransId="{4E24ACD1-4B07-B949-9F5D-549EF77BC103}" sibTransId="{1ED2D4C1-331B-DC4A-882D-03F524654BD9}"/>
+    <dgm:cxn modelId="{68C4FDF9-D404-B54A-9B8B-9D80949474A2}" type="presOf" srcId="{A933ED5A-4BC8-414F-A5CD-26E0A25CBE19}" destId="{A3514D67-0845-B241-9650-051DC2876BC2}" srcOrd="0" destOrd="0" presId="urn:microsoft.com/office/officeart/2008/layout/RadialCluster"/>
+    <dgm:cxn modelId="{36F5DB49-78FA-4542-BF18-15376D02E02F}" type="presOf" srcId="{5A2A0F85-7CF1-6641-852E-2C28E39A2816}" destId="{FCE2DCC2-284A-CE48-BF28-DCF3D75D6EA3}" srcOrd="0" destOrd="0" presId="urn:microsoft.com/office/officeart/2008/layout/RadialCluster"/>
     <dgm:cxn modelId="{7BF6D299-0A59-1D4A-AB0B-8E5E6E0337B1}" type="presOf" srcId="{595CD055-6916-8B43-BEC1-A4C58DEA6C5C}" destId="{E156451F-E821-4F41-B37D-C228EB11997E}" srcOrd="0" destOrd="0" presId="urn:microsoft.com/office/officeart/2008/layout/RadialCluster"/>
-    <dgm:cxn modelId="{0360B008-E876-DA4D-A5A4-BAB644C9344B}" type="presOf" srcId="{16396E06-1E3A-1A4B-B928-77C292055271}" destId="{1848E8FD-AA14-4C47-860C-D17D7AB71904}" srcOrd="0" destOrd="0" presId="urn:microsoft.com/office/officeart/2008/layout/RadialCluster"/>
+    <dgm:cxn modelId="{78816D6E-FE34-1D48-BC4A-0B612163DC28}" srcId="{E7BFA685-6A56-1747-8762-BB65F784FEDC}" destId="{83849BAB-3D95-1F48-BA54-6F99D3D51242}" srcOrd="1" destOrd="0" parTransId="{EE6B5771-2045-4E4E-B1F0-D6294047ECFF}" sibTransId="{1ED4F174-E9CF-264F-A64F-AC6C128EA8C2}"/>
+    <dgm:cxn modelId="{DB7966DE-5598-9649-8B86-27BDFAABE804}" type="presOf" srcId="{7D7A15F9-425B-5649-8AC4-CA6BCC3D3CEF}" destId="{9BDA7D2F-5F0A-FE48-8970-12AF8E701DD5}" srcOrd="0" destOrd="0" presId="urn:microsoft.com/office/officeart/2008/layout/RadialCluster"/>
     <dgm:cxn modelId="{7795DDB2-FFA2-CE4C-8348-DE741255353A}" srcId="{83849BAB-3D95-1F48-BA54-6F99D3D51242}" destId="{BE630A25-CCB8-224C-B684-682318EDEEC7}" srcOrd="0" destOrd="0" parTransId="{F693B6A6-EB9A-9540-A507-1FC17077340B}" sibTransId="{AA4A61C3-4E4A-0447-A1B3-BDF5C066A7CD}"/>
+    <dgm:cxn modelId="{8AB4BEB8-0B75-294C-92E9-E076042224EE}" srcId="{9C09DAE7-4EA8-ED43-B0AC-F4C8610A8A1E}" destId="{A933ED5A-4BC8-414F-A5CD-26E0A25CBE19}" srcOrd="1" destOrd="0" parTransId="{6D756936-9E2B-FA4D-A94F-F95A6241C9B5}" sibTransId="{546E097D-9AF0-3845-B73F-760E37B94308}"/>
+    <dgm:cxn modelId="{1220EF40-EE24-364D-9798-5BF71FAE09A3}" type="presOf" srcId="{BE630A25-CCB8-224C-B684-682318EDEEC7}" destId="{43A57A41-D75A-ED44-8763-8C6748DF2883}" srcOrd="0" destOrd="0" presId="urn:microsoft.com/office/officeart/2008/layout/RadialCluster"/>
+    <dgm:cxn modelId="{A8F0C8F7-C474-CB49-A8C5-AFF613DEECE8}" type="presOf" srcId="{1EB3C4D8-54CD-0442-84AE-A03E778C78C7}" destId="{9C4F1EDA-1DFD-3741-B486-D5796EF12299}" srcOrd="0" destOrd="0" presId="urn:microsoft.com/office/officeart/2008/layout/RadialCluster"/>
+    <dgm:cxn modelId="{F572EF5B-11A5-1546-AAE9-39FB507D9C96}" type="presOf" srcId="{695C4DED-6B07-8842-BFFC-E4DAB41BABAE}" destId="{D6BC758B-E965-6745-A8E4-661DD1822C62}" srcOrd="0" destOrd="0" presId="urn:microsoft.com/office/officeart/2008/layout/RadialCluster"/>
     <dgm:cxn modelId="{FEE00E66-3792-6541-876C-F8437EAE0136}" type="presOf" srcId="{9EE78E67-996D-9B48-99B4-2EC7C4CBBA17}" destId="{CF73B841-8DE4-6E46-98DB-DF25AF130F15}" srcOrd="0" destOrd="0" presId="urn:microsoft.com/office/officeart/2008/layout/RadialCluster"/>
-    <dgm:cxn modelId="{36F5DB49-78FA-4542-BF18-15376D02E02F}" type="presOf" srcId="{5A2A0F85-7CF1-6641-852E-2C28E39A2816}" destId="{FCE2DCC2-284A-CE48-BF28-DCF3D75D6EA3}" srcOrd="0" destOrd="0" presId="urn:microsoft.com/office/officeart/2008/layout/RadialCluster"/>
-    <dgm:cxn modelId="{036AF26A-F27A-8841-A6E7-1E0CACD0F96C}" type="presOf" srcId="{EE6B5771-2045-4E4E-B1F0-D6294047ECFF}" destId="{FFCC7DA5-B6F5-BE43-955C-BE126590FE51}" srcOrd="0" destOrd="0" presId="urn:microsoft.com/office/officeart/2008/layout/RadialCluster"/>
-    <dgm:cxn modelId="{78816D6E-FE34-1D48-BC4A-0B612163DC28}" srcId="{E7BFA685-6A56-1747-8762-BB65F784FEDC}" destId="{83849BAB-3D95-1F48-BA54-6F99D3D51242}" srcOrd="1" destOrd="0" parTransId="{EE6B5771-2045-4E4E-B1F0-D6294047ECFF}" sibTransId="{1ED4F174-E9CF-264F-A64F-AC6C128EA8C2}"/>
-    <dgm:cxn modelId="{39BC72F2-83C3-1149-A086-BFAF38C1A559}" type="presOf" srcId="{AFBC49D1-885A-8A4C-8D08-090736051A13}" destId="{575BCAA7-B0BA-7445-8920-72976032322C}" srcOrd="0" destOrd="0" presId="urn:microsoft.com/office/officeart/2008/layout/RadialCluster"/>
-    <dgm:cxn modelId="{A8F0C8F7-C474-CB49-A8C5-AFF613DEECE8}" type="presOf" srcId="{1EB3C4D8-54CD-0442-84AE-A03E778C78C7}" destId="{9C4F1EDA-1DFD-3741-B486-D5796EF12299}" srcOrd="0" destOrd="0" presId="urn:microsoft.com/office/officeart/2008/layout/RadialCluster"/>
-    <dgm:cxn modelId="{4C6AF7A0-9F81-B84B-9823-ED2423EFF47E}" type="presOf" srcId="{6D756936-9E2B-FA4D-A94F-F95A6241C9B5}" destId="{A68A745A-D64C-894D-BB0B-96442A82AD38}" srcOrd="0" destOrd="0" presId="urn:microsoft.com/office/officeart/2008/layout/RadialCluster"/>
+    <dgm:cxn modelId="{C764057D-4832-E14E-B759-7DC579E2FB3E}" type="presOf" srcId="{E103039F-18AD-FB43-893C-ACF0BB5B2E59}" destId="{4EAB4547-45C8-294F-947E-67EFD414143C}" srcOrd="0" destOrd="0" presId="urn:microsoft.com/office/officeart/2008/layout/RadialCluster"/>
+    <dgm:cxn modelId="{4AD5B297-EC3C-F847-A310-D318BD3FB341}" type="presOf" srcId="{9EC156C4-BB54-FE44-ACA8-26CA37782A50}" destId="{908B7130-5BC2-4D47-B7A4-AB715C747E9A}" srcOrd="0" destOrd="0" presId="urn:microsoft.com/office/officeart/2008/layout/RadialCluster"/>
+    <dgm:cxn modelId="{91675093-EC7A-8944-9CAE-8E8C36BE6AF9}" type="presOf" srcId="{8C1AA20E-21E2-724B-90B2-DE5FA02F9B7C}" destId="{5047AFBA-64E7-F246-9C45-C6DB37C77F9F}" srcOrd="0" destOrd="0" presId="urn:microsoft.com/office/officeart/2008/layout/RadialCluster"/>
     <dgm:cxn modelId="{B5BE25AB-69F7-B04C-98F8-8DE4919D6A77}" srcId="{9C09DAE7-4EA8-ED43-B0AC-F4C8610A8A1E}" destId="{1EB3C4D8-54CD-0442-84AE-A03E778C78C7}" srcOrd="2" destOrd="0" parTransId="{C9E66C3E-CDDF-1043-93CC-700CAAD57093}" sibTransId="{1338E542-9431-B34E-96D0-E6EC1BC07D27}"/>
-    <dgm:cxn modelId="{EE70AC0E-D491-FD45-B88C-F33D8BDF5288}" type="presOf" srcId="{83849BAB-3D95-1F48-BA54-6F99D3D51242}" destId="{DC062DCD-9F3C-9F4C-89EF-19B48CEC369B}" srcOrd="0" destOrd="0" presId="urn:microsoft.com/office/officeart/2008/layout/RadialCluster"/>
-    <dgm:cxn modelId="{4AD5B297-EC3C-F847-A310-D318BD3FB341}" type="presOf" srcId="{9EC156C4-BB54-FE44-ACA8-26CA37782A50}" destId="{908B7130-5BC2-4D47-B7A4-AB715C747E9A}" srcOrd="0" destOrd="0" presId="urn:microsoft.com/office/officeart/2008/layout/RadialCluster"/>
-    <dgm:cxn modelId="{0015FF58-09C8-D444-9265-B1510AA0B335}" srcId="{8C1AA20E-21E2-724B-90B2-DE5FA02F9B7C}" destId="{E7BFA685-6A56-1747-8762-BB65F784FEDC}" srcOrd="0" destOrd="0" parTransId="{FA980317-4472-5A4E-BBCF-A466B48FF529}" sibTransId="{2973B765-A828-1946-9EEC-6EC2DDA2E8ED}"/>
-    <dgm:cxn modelId="{1220EF40-EE24-364D-9798-5BF71FAE09A3}" type="presOf" srcId="{BE630A25-CCB8-224C-B684-682318EDEEC7}" destId="{43A57A41-D75A-ED44-8763-8C6748DF2883}" srcOrd="0" destOrd="0" presId="urn:microsoft.com/office/officeart/2008/layout/RadialCluster"/>
-    <dgm:cxn modelId="{08A643CF-4587-1B4B-BD6F-A6470B87B376}" type="presOf" srcId="{9C09DAE7-4EA8-ED43-B0AC-F4C8610A8A1E}" destId="{B847BC99-AE4E-7749-B2AB-AB7FAA49B089}" srcOrd="0" destOrd="0" presId="urn:microsoft.com/office/officeart/2008/layout/RadialCluster"/>
-    <dgm:cxn modelId="{00F2573E-920F-4040-AA1F-F6D07ED56F04}" type="presOf" srcId="{C9E66C3E-CDDF-1043-93CC-700CAAD57093}" destId="{BE980DF6-0D56-764C-A9E3-E5F4456AB94F}" srcOrd="0" destOrd="0" presId="urn:microsoft.com/office/officeart/2008/layout/RadialCluster"/>
-    <dgm:cxn modelId="{F572EF5B-11A5-1546-AAE9-39FB507D9C96}" type="presOf" srcId="{695C4DED-6B07-8842-BFFC-E4DAB41BABAE}" destId="{D6BC758B-E965-6745-A8E4-661DD1822C62}" srcOrd="0" destOrd="0" presId="urn:microsoft.com/office/officeart/2008/layout/RadialCluster"/>
-    <dgm:cxn modelId="{9368C27C-B0AF-534D-8383-EBBFA4D43D03}" srcId="{E7BFA685-6A56-1747-8762-BB65F784FEDC}" destId="{9C09DAE7-4EA8-ED43-B0AC-F4C8610A8A1E}" srcOrd="0" destOrd="0" parTransId="{7D7A15F9-425B-5649-8AC4-CA6BCC3D3CEF}" sibTransId="{4BEE998A-8F08-8B47-966E-D2FBB32A3737}"/>
-    <dgm:cxn modelId="{2F443E46-BEDB-5D48-94B8-902E6EF3E981}" type="presOf" srcId="{92106302-18B4-7149-ACA7-AD8FCDE7CD4B}" destId="{E53C7DBD-C183-0B4B-9F68-E09203C858EE}" srcOrd="0" destOrd="0" presId="urn:microsoft.com/office/officeart/2008/layout/RadialCluster"/>
-    <dgm:cxn modelId="{68C4FDF9-D404-B54A-9B8B-9D80949474A2}" type="presOf" srcId="{A933ED5A-4BC8-414F-A5CD-26E0A25CBE19}" destId="{A3514D67-0845-B241-9650-051DC2876BC2}" srcOrd="0" destOrd="0" presId="urn:microsoft.com/office/officeart/2008/layout/RadialCluster"/>
-    <dgm:cxn modelId="{36D975CF-B091-D84D-A3BE-46C95F284641}" srcId="{83849BAB-3D95-1F48-BA54-6F99D3D51242}" destId="{E103039F-18AD-FB43-893C-ACF0BB5B2E59}" srcOrd="2" destOrd="0" parTransId="{595CD055-6916-8B43-BEC1-A4C58DEA6C5C}" sibTransId="{2CCFFA45-72CD-0140-ADFE-061904C40B00}"/>
-    <dgm:cxn modelId="{C764057D-4832-E14E-B759-7DC579E2FB3E}" type="presOf" srcId="{E103039F-18AD-FB43-893C-ACF0BB5B2E59}" destId="{4EAB4547-45C8-294F-947E-67EFD414143C}" srcOrd="0" destOrd="0" presId="urn:microsoft.com/office/officeart/2008/layout/RadialCluster"/>
-    <dgm:cxn modelId="{64599922-BB52-894B-805E-E49E22E5E42D}" type="presOf" srcId="{F693B6A6-EB9A-9540-A507-1FC17077340B}" destId="{B04834EC-F2FA-DE49-B9D4-9E68366FCD73}" srcOrd="0" destOrd="0" presId="urn:microsoft.com/office/officeart/2008/layout/RadialCluster"/>
-    <dgm:cxn modelId="{91675093-EC7A-8944-9CAE-8E8C36BE6AF9}" type="presOf" srcId="{8C1AA20E-21E2-724B-90B2-DE5FA02F9B7C}" destId="{5047AFBA-64E7-F246-9C45-C6DB37C77F9F}" srcOrd="0" destOrd="0" presId="urn:microsoft.com/office/officeart/2008/layout/RadialCluster"/>
-    <dgm:cxn modelId="{8AB4BEB8-0B75-294C-92E9-E076042224EE}" srcId="{9C09DAE7-4EA8-ED43-B0AC-F4C8610A8A1E}" destId="{A933ED5A-4BC8-414F-A5CD-26E0A25CBE19}" srcOrd="1" destOrd="0" parTransId="{6D756936-9E2B-FA4D-A94F-F95A6241C9B5}" sibTransId="{546E097D-9AF0-3845-B73F-760E37B94308}"/>
-    <dgm:cxn modelId="{ADE80AB9-150E-E24D-99A3-DD3BF7B91408}" srcId="{83849BAB-3D95-1F48-BA54-6F99D3D51242}" destId="{9EE78E67-996D-9B48-99B4-2EC7C4CBBA17}" srcOrd="1" destOrd="0" parTransId="{9EC156C4-BB54-FE44-ACA8-26CA37782A50}" sibTransId="{A874C56E-AA9A-B548-85D6-0F77B6B250D1}"/>
-    <dgm:cxn modelId="{FC1D44FC-E645-B74E-A76C-953AE6A0054A}" srcId="{9C09DAE7-4EA8-ED43-B0AC-F4C8610A8A1E}" destId="{695C4DED-6B07-8842-BFFC-E4DAB41BABAE}" srcOrd="3" destOrd="0" parTransId="{4E24ACD1-4B07-B949-9F5D-549EF77BC103}" sibTransId="{1ED2D4C1-331B-DC4A-882D-03F524654BD9}"/>
+    <dgm:cxn modelId="{8A6628B1-E62B-7448-95D9-8D126926EB06}" type="presOf" srcId="{4E24ACD1-4B07-B949-9F5D-549EF77BC103}" destId="{FCB88455-4788-E346-B57E-7CB3AB5A2933}" srcOrd="0" destOrd="0" presId="urn:microsoft.com/office/officeart/2008/layout/RadialCluster"/>
     <dgm:cxn modelId="{37C8F49F-8F64-FC49-BE08-9D47A5C2F7C1}" type="presOf" srcId="{E7BFA685-6A56-1747-8762-BB65F784FEDC}" destId="{7379E456-43C9-BB4E-8370-A5BCA370F176}" srcOrd="0" destOrd="0" presId="urn:microsoft.com/office/officeart/2008/layout/RadialCluster"/>
-    <dgm:cxn modelId="{F456639C-6AD5-1549-A97D-98AF8E4C2041}" srcId="{9C09DAE7-4EA8-ED43-B0AC-F4C8610A8A1E}" destId="{92106302-18B4-7149-ACA7-AD8FCDE7CD4B}" srcOrd="0" destOrd="0" parTransId="{AFBC49D1-885A-8A4C-8D08-090736051A13}" sibTransId="{113E2DE7-F55F-A846-9896-0CB9017FA973}"/>
-    <dgm:cxn modelId="{8A6628B1-E62B-7448-95D9-8D126926EB06}" type="presOf" srcId="{4E24ACD1-4B07-B949-9F5D-549EF77BC103}" destId="{FCB88455-4788-E346-B57E-7CB3AB5A2933}" srcOrd="0" destOrd="0" presId="urn:microsoft.com/office/officeart/2008/layout/RadialCluster"/>
-    <dgm:cxn modelId="{DB7966DE-5598-9649-8B86-27BDFAABE804}" type="presOf" srcId="{7D7A15F9-425B-5649-8AC4-CA6BCC3D3CEF}" destId="{9BDA7D2F-5F0A-FE48-8970-12AF8E701DD5}" srcOrd="0" destOrd="0" presId="urn:microsoft.com/office/officeart/2008/layout/RadialCluster"/>
-    <dgm:cxn modelId="{1F5A4807-D0D4-2244-B2EB-3CF160FAF7E1}" srcId="{9C09DAE7-4EA8-ED43-B0AC-F4C8610A8A1E}" destId="{16396E06-1E3A-1A4B-B928-77C292055271}" srcOrd="4" destOrd="0" parTransId="{5A2A0F85-7CF1-6641-852E-2C28E39A2816}" sibTransId="{5DBE7902-A8C9-C34D-AAD2-E76BD3EF684F}"/>
     <dgm:cxn modelId="{2E14EDFD-6C90-4F41-98C7-2C14D58C5BD8}" type="presParOf" srcId="{5047AFBA-64E7-F246-9C45-C6DB37C77F9F}" destId="{7379E456-43C9-BB4E-8370-A5BCA370F176}" srcOrd="0" destOrd="0" presId="urn:microsoft.com/office/officeart/2008/layout/RadialCluster"/>
     <dgm:cxn modelId="{98FC4D41-4FD5-7B4E-9A2C-469A8BD4C8FD}" type="presParOf" srcId="{5047AFBA-64E7-F246-9C45-C6DB37C77F9F}" destId="{CEAC4506-47A3-C943-8BF5-17EEC7A931FE}" srcOrd="1" destOrd="0" presId="urn:microsoft.com/office/officeart/2008/layout/RadialCluster"/>
     <dgm:cxn modelId="{AADC1BCE-2815-2A46-81C9-091FD7365292}" type="presParOf" srcId="{CEAC4506-47A3-C943-8BF5-17EEC7A931FE}" destId="{B847BC99-AE4E-7749-B2AB-AB7FAA49B089}" srcOrd="0" destOrd="0" presId="urn:microsoft.com/office/officeart/2008/layout/RadialCluster"/>
@@ -4480,7 +4620,7 @@
   <dgm:whole/>
   <dgm:extLst>
     <a:ext uri="http://schemas.microsoft.com/office/drawing/2008/diagram">
-      <dsp:dataModelExt xmlns:dsp="http://schemas.microsoft.com/office/drawing/2008/diagram" relId="rId6" minVer="http://schemas.openxmlformats.org/drawingml/2006/diagram"/>
+      <dsp:dataModelExt xmlns:dsp="http://schemas.microsoft.com/office/drawing/2008/diagram" xmlns="" relId="rId6" minVer="http://schemas.openxmlformats.org/drawingml/2006/diagram"/>
     </a:ext>
   </dgm:extLst>
 </dgm:dataModel>
@@ -4759,6 +4899,29 @@
         </a:p>
       </dgm:t>
     </dgm:pt>
+    <dgm:pt modelId="{CEBF83DE-3F83-FF4A-8CD1-18AB6F270BF4}">
+      <dgm:prSet phldrT="[Text]"/>
+      <dgm:spPr/>
+      <dgm:t>
+        <a:bodyPr/>
+        <a:lstStyle/>
+        <a:p>
+          <a:r>
+            <a:rPr lang="en-US" dirty="0" smtClean="0"/>
+            <a:t>Comments</a:t>
+          </a:r>
+          <a:endParaRPr lang="en-US" dirty="0"/>
+        </a:p>
+      </dgm:t>
+    </dgm:pt>
+    <dgm:pt modelId="{B5E6BE34-5F25-9D42-93F6-A7C445E01704}" type="parTrans" cxnId="{AE728DE3-9A96-CB45-AE26-02CE92CD3431}">
+      <dgm:prSet/>
+      <dgm:spPr/>
+    </dgm:pt>
+    <dgm:pt modelId="{FB406A4E-9D9A-DD4C-8C64-B6A8CAF0415E}" type="sibTrans" cxnId="{AE728DE3-9A96-CB45-AE26-02CE92CD3431}">
+      <dgm:prSet/>
+      <dgm:spPr/>
+    </dgm:pt>
     <dgm:pt modelId="{5047AFBA-64E7-F246-9C45-C6DB37C77F9F}" type="pres">
       <dgm:prSet presAssocID="{8C1AA20E-21E2-724B-90B2-DE5FA02F9B7C}" presName="Name0" presStyleCnt="0">
         <dgm:presLayoutVars>
@@ -4770,9 +4933,16 @@
         </dgm:presLayoutVars>
       </dgm:prSet>
       <dgm:spPr/>
+      <dgm:t>
+        <a:bodyPr/>
+        <a:lstStyle/>
+        <a:p>
+          <a:endParaRPr lang="en-US"/>
+        </a:p>
+      </dgm:t>
     </dgm:pt>
     <dgm:pt modelId="{7379E456-43C9-BB4E-8370-A5BCA370F176}" type="pres">
-      <dgm:prSet presAssocID="{E7BFA685-6A56-1747-8762-BB65F784FEDC}" presName="textCenter" presStyleLbl="node1" presStyleIdx="0" presStyleCnt="7"/>
+      <dgm:prSet presAssocID="{E7BFA685-6A56-1747-8762-BB65F784FEDC}" presName="textCenter" presStyleLbl="node1" presStyleIdx="0" presStyleCnt="8"/>
       <dgm:spPr/>
       <dgm:t>
         <a:bodyPr/>
@@ -4787,63 +4957,152 @@
       <dgm:spPr/>
     </dgm:pt>
     <dgm:pt modelId="{B847BC99-AE4E-7749-B2AB-AB7FAA49B089}" type="pres">
-      <dgm:prSet presAssocID="{9C09DAE7-4EA8-ED43-B0AC-F4C8610A8A1E}" presName="childCenter1" presStyleLbl="node1" presStyleIdx="1" presStyleCnt="7"/>
+      <dgm:prSet presAssocID="{9C09DAE7-4EA8-ED43-B0AC-F4C8610A8A1E}" presName="childCenter1" presStyleLbl="node1" presStyleIdx="1" presStyleCnt="8"/>
       <dgm:spPr/>
+      <dgm:t>
+        <a:bodyPr/>
+        <a:lstStyle/>
+        <a:p>
+          <a:endParaRPr lang="en-US"/>
+        </a:p>
+      </dgm:t>
     </dgm:pt>
     <dgm:pt modelId="{575BCAA7-B0BA-7445-8920-72976032322C}" type="pres">
-      <dgm:prSet presAssocID="{AFBC49D1-885A-8A4C-8D08-090736051A13}" presName="Name141" presStyleLbl="parChTrans1D3" presStyleIdx="0" presStyleCnt="4"/>
+      <dgm:prSet presAssocID="{AFBC49D1-885A-8A4C-8D08-090736051A13}" presName="Name141" presStyleLbl="parChTrans1D3" presStyleIdx="0" presStyleCnt="5"/>
       <dgm:spPr/>
+      <dgm:t>
+        <a:bodyPr/>
+        <a:lstStyle/>
+        <a:p>
+          <a:endParaRPr lang="en-US"/>
+        </a:p>
+      </dgm:t>
     </dgm:pt>
     <dgm:pt modelId="{E53C7DBD-C183-0B4B-9F68-E09203C858EE}" type="pres">
-      <dgm:prSet presAssocID="{92106302-18B4-7149-ACA7-AD8FCDE7CD4B}" presName="text1" presStyleLbl="node1" presStyleIdx="2" presStyleCnt="7">
+      <dgm:prSet presAssocID="{92106302-18B4-7149-ACA7-AD8FCDE7CD4B}" presName="text1" presStyleLbl="node1" presStyleIdx="2" presStyleCnt="8">
         <dgm:presLayoutVars>
           <dgm:bulletEnabled val="1"/>
         </dgm:presLayoutVars>
       </dgm:prSet>
       <dgm:spPr/>
+      <dgm:t>
+        <a:bodyPr/>
+        <a:lstStyle/>
+        <a:p>
+          <a:endParaRPr lang="en-US"/>
+        </a:p>
+      </dgm:t>
     </dgm:pt>
     <dgm:pt modelId="{9BDA7D2F-5F0A-FE48-8970-12AF8E701DD5}" type="pres">
       <dgm:prSet presAssocID="{7D7A15F9-425B-5649-8AC4-CA6BCC3D3CEF}" presName="Name144" presStyleLbl="parChTrans1D2" presStyleIdx="0" presStyleCnt="2"/>
       <dgm:spPr/>
+      <dgm:t>
+        <a:bodyPr/>
+        <a:lstStyle/>
+        <a:p>
+          <a:endParaRPr lang="en-US"/>
+        </a:p>
+      </dgm:t>
     </dgm:pt>
     <dgm:pt modelId="{2AC6C86D-8AC6-264E-B2E1-A3A07E79D2BC}" type="pres">
       <dgm:prSet presAssocID="{E7BFA685-6A56-1747-8762-BB65F784FEDC}" presName="cycle_2" presStyleCnt="0"/>
       <dgm:spPr/>
     </dgm:pt>
     <dgm:pt modelId="{CD66C230-DF88-A049-9498-22A12FA2B874}" type="pres">
-      <dgm:prSet presAssocID="{EC4C91FD-5A04-D54C-8CAF-775A5DA918AF}" presName="childCenter2" presStyleLbl="node1" presStyleIdx="3" presStyleCnt="7"/>
+      <dgm:prSet presAssocID="{EC4C91FD-5A04-D54C-8CAF-775A5DA918AF}" presName="childCenter2" presStyleLbl="node1" presStyleIdx="3" presStyleCnt="8"/>
       <dgm:spPr/>
+      <dgm:t>
+        <a:bodyPr/>
+        <a:lstStyle/>
+        <a:p>
+          <a:endParaRPr lang="en-US"/>
+        </a:p>
+      </dgm:t>
     </dgm:pt>
     <dgm:pt modelId="{56932D2F-71A2-7B4D-AF70-A477B1B87E3C}" type="pres">
-      <dgm:prSet presAssocID="{6A163497-E9AC-AD43-9D90-90383A07A09F}" presName="Name218" presStyleLbl="parChTrans1D3" presStyleIdx="1" presStyleCnt="4"/>
+      <dgm:prSet presAssocID="{6A163497-E9AC-AD43-9D90-90383A07A09F}" presName="Name218" presStyleLbl="parChTrans1D3" presStyleIdx="1" presStyleCnt="5"/>
       <dgm:spPr/>
+      <dgm:t>
+        <a:bodyPr/>
+        <a:lstStyle/>
+        <a:p>
+          <a:endParaRPr lang="en-US"/>
+        </a:p>
+      </dgm:t>
     </dgm:pt>
     <dgm:pt modelId="{9A5A83C2-8339-5243-845D-A6C2329DE46C}" type="pres">
-      <dgm:prSet presAssocID="{1F6B7065-43F8-D543-89C9-B4D95209DD97}" presName="text2" presStyleLbl="node1" presStyleIdx="4" presStyleCnt="7">
+      <dgm:prSet presAssocID="{1F6B7065-43F8-D543-89C9-B4D95209DD97}" presName="text2" presStyleLbl="node1" presStyleIdx="4" presStyleCnt="8">
         <dgm:presLayoutVars>
           <dgm:bulletEnabled val="1"/>
         </dgm:presLayoutVars>
       </dgm:prSet>
       <dgm:spPr/>
+      <dgm:t>
+        <a:bodyPr/>
+        <a:lstStyle/>
+        <a:p>
+          <a:endParaRPr lang="en-US"/>
+        </a:p>
+      </dgm:t>
     </dgm:pt>
     <dgm:pt modelId="{3831525B-F5B3-7A42-BD95-62EA3BFB457F}" type="pres">
-      <dgm:prSet presAssocID="{1D23E15B-4337-8E45-9D1D-24C533B5A920}" presName="Name218" presStyleLbl="parChTrans1D3" presStyleIdx="2" presStyleCnt="4"/>
+      <dgm:prSet presAssocID="{1D23E15B-4337-8E45-9D1D-24C533B5A920}" presName="Name218" presStyleLbl="parChTrans1D3" presStyleIdx="2" presStyleCnt="5"/>
       <dgm:spPr/>
+      <dgm:t>
+        <a:bodyPr/>
+        <a:lstStyle/>
+        <a:p>
+          <a:endParaRPr lang="en-US"/>
+        </a:p>
+      </dgm:t>
     </dgm:pt>
     <dgm:pt modelId="{8615AE58-A899-5F40-8857-294C5B19FC13}" type="pres">
-      <dgm:prSet presAssocID="{B50E0742-E585-3341-BA5C-DA4988A87D37}" presName="text2" presStyleLbl="node1" presStyleIdx="5" presStyleCnt="7">
+      <dgm:prSet presAssocID="{B50E0742-E585-3341-BA5C-DA4988A87D37}" presName="text2" presStyleLbl="node1" presStyleIdx="5" presStyleCnt="8">
         <dgm:presLayoutVars>
           <dgm:bulletEnabled val="1"/>
         </dgm:presLayoutVars>
       </dgm:prSet>
       <dgm:spPr/>
+      <dgm:t>
+        <a:bodyPr/>
+        <a:lstStyle/>
+        <a:p>
+          <a:endParaRPr lang="en-US"/>
+        </a:p>
+      </dgm:t>
     </dgm:pt>
     <dgm:pt modelId="{CF221D90-7FA4-B44C-ACA5-EE4B37407315}" type="pres">
-      <dgm:prSet presAssocID="{6AFE7F91-C018-8E41-9DED-2DF032B29653}" presName="Name218" presStyleLbl="parChTrans1D3" presStyleIdx="3" presStyleCnt="4"/>
+      <dgm:prSet presAssocID="{6AFE7F91-C018-8E41-9DED-2DF032B29653}" presName="Name218" presStyleLbl="parChTrans1D3" presStyleIdx="3" presStyleCnt="5"/>
+      <dgm:spPr/>
+      <dgm:t>
+        <a:bodyPr/>
+        <a:lstStyle/>
+        <a:p>
+          <a:endParaRPr lang="en-US"/>
+        </a:p>
+      </dgm:t>
+    </dgm:pt>
+    <dgm:pt modelId="{C4399A2D-47E4-794A-8DA9-6382C88C679B}" type="pres">
+      <dgm:prSet presAssocID="{85552129-76CB-894B-AE6A-BDEEF82846FA}" presName="text2" presStyleLbl="node1" presStyleIdx="6" presStyleCnt="8">
+        <dgm:presLayoutVars>
+          <dgm:bulletEnabled val="1"/>
+        </dgm:presLayoutVars>
+      </dgm:prSet>
+      <dgm:spPr/>
+      <dgm:t>
+        <a:bodyPr/>
+        <a:lstStyle/>
+        <a:p>
+          <a:endParaRPr lang="en-US"/>
+        </a:p>
+      </dgm:t>
+    </dgm:pt>
+    <dgm:pt modelId="{CED4B1E1-EBCF-5443-9886-FE931FDBA8FC}" type="pres">
+      <dgm:prSet presAssocID="{B5E6BE34-5F25-9D42-93F6-A7C445E01704}" presName="Name218" presStyleLbl="parChTrans1D3" presStyleIdx="4" presStyleCnt="5"/>
       <dgm:spPr/>
     </dgm:pt>
-    <dgm:pt modelId="{C4399A2D-47E4-794A-8DA9-6382C88C679B}" type="pres">
-      <dgm:prSet presAssocID="{85552129-76CB-894B-AE6A-BDEEF82846FA}" presName="text2" presStyleLbl="node1" presStyleIdx="6" presStyleCnt="7">
+    <dgm:pt modelId="{5B49BCF4-700E-FA45-A303-4179371CA121}" type="pres">
+      <dgm:prSet presAssocID="{CEBF83DE-3F83-FF4A-8CD1-18AB6F270BF4}" presName="text2" presStyleLbl="node1" presStyleIdx="7" presStyleCnt="8">
         <dgm:presLayoutVars>
           <dgm:bulletEnabled val="1"/>
         </dgm:presLayoutVars>
@@ -4860,30 +5119,40 @@
     <dgm:pt modelId="{8A1D0DE4-E202-934D-89C2-F9028F6090CD}" type="pres">
       <dgm:prSet presAssocID="{761C5B45-9707-E84E-BB66-9FB99B744B55}" presName="Name221" presStyleLbl="parChTrans1D2" presStyleIdx="1" presStyleCnt="2"/>
       <dgm:spPr/>
+      <dgm:t>
+        <a:bodyPr/>
+        <a:lstStyle/>
+        <a:p>
+          <a:endParaRPr lang="en-US"/>
+        </a:p>
+      </dgm:t>
     </dgm:pt>
   </dgm:ptLst>
   <dgm:cxnLst>
     <dgm:cxn modelId="{9AD4CC7E-B242-1D48-96BB-22B96232AD52}" type="presOf" srcId="{92106302-18B4-7149-ACA7-AD8FCDE7CD4B}" destId="{E53C7DBD-C183-0B4B-9F68-E09203C858EE}" srcOrd="0" destOrd="0" presId="urn:microsoft.com/office/officeart/2008/layout/RadialCluster"/>
+    <dgm:cxn modelId="{B52F2C7C-268E-F34E-9EB1-4636F6E726DA}" type="presOf" srcId="{B5E6BE34-5F25-9D42-93F6-A7C445E01704}" destId="{CED4B1E1-EBCF-5443-9886-FE931FDBA8FC}" srcOrd="0" destOrd="0" presId="urn:microsoft.com/office/officeart/2008/layout/RadialCluster"/>
+    <dgm:cxn modelId="{6552CD6C-742D-C642-8194-FFACB8FF0ADA}" srcId="{EC4C91FD-5A04-D54C-8CAF-775A5DA918AF}" destId="{85552129-76CB-894B-AE6A-BDEEF82846FA}" srcOrd="2" destOrd="0" parTransId="{6AFE7F91-C018-8E41-9DED-2DF032B29653}" sibTransId="{DE86C78B-1353-6B46-9BBD-46A3AD0309EE}"/>
+    <dgm:cxn modelId="{29AD534C-6D6D-D54D-8641-597CA293F315}" type="presOf" srcId="{E7BFA685-6A56-1747-8762-BB65F784FEDC}" destId="{7379E456-43C9-BB4E-8370-A5BCA370F176}" srcOrd="0" destOrd="0" presId="urn:microsoft.com/office/officeart/2008/layout/RadialCluster"/>
+    <dgm:cxn modelId="{427101E2-1595-BA4A-9A3D-47CD04F9CCF7}" type="presOf" srcId="{EC4C91FD-5A04-D54C-8CAF-775A5DA918AF}" destId="{CD66C230-DF88-A049-9498-22A12FA2B874}" srcOrd="0" destOrd="0" presId="urn:microsoft.com/office/officeart/2008/layout/RadialCluster"/>
+    <dgm:cxn modelId="{301F02E0-1325-044B-8968-2460A103DAA6}" type="presOf" srcId="{761C5B45-9707-E84E-BB66-9FB99B744B55}" destId="{8A1D0DE4-E202-934D-89C2-F9028F6090CD}" srcOrd="0" destOrd="0" presId="urn:microsoft.com/office/officeart/2008/layout/RadialCluster"/>
+    <dgm:cxn modelId="{F7C49353-C3FF-204B-BDD9-AEC58BE1744A}" type="presOf" srcId="{1D23E15B-4337-8E45-9D1D-24C533B5A920}" destId="{3831525B-F5B3-7A42-BD95-62EA3BFB457F}" srcOrd="0" destOrd="0" presId="urn:microsoft.com/office/officeart/2008/layout/RadialCluster"/>
+    <dgm:cxn modelId="{923E7637-BA21-7C46-A3FC-9159120A65FA}" type="presOf" srcId="{1F6B7065-43F8-D543-89C9-B4D95209DD97}" destId="{9A5A83C2-8339-5243-845D-A6C2329DE46C}" srcOrd="0" destOrd="0" presId="urn:microsoft.com/office/officeart/2008/layout/RadialCluster"/>
+    <dgm:cxn modelId="{DDDB77A2-EB87-A041-BEEB-C0D8897028F7}" type="presOf" srcId="{B50E0742-E585-3341-BA5C-DA4988A87D37}" destId="{8615AE58-A899-5F40-8857-294C5B19FC13}" srcOrd="0" destOrd="0" presId="urn:microsoft.com/office/officeart/2008/layout/RadialCluster"/>
+    <dgm:cxn modelId="{9368C27C-B0AF-534D-8383-EBBFA4D43D03}" srcId="{E7BFA685-6A56-1747-8762-BB65F784FEDC}" destId="{9C09DAE7-4EA8-ED43-B0AC-F4C8610A8A1E}" srcOrd="0" destOrd="0" parTransId="{7D7A15F9-425B-5649-8AC4-CA6BCC3D3CEF}" sibTransId="{4BEE998A-8F08-8B47-966E-D2FBB32A3737}"/>
+    <dgm:cxn modelId="{11E6F45D-DA9E-0B42-AFEC-43E0E69921E5}" type="presOf" srcId="{6AFE7F91-C018-8E41-9DED-2DF032B29653}" destId="{CF221D90-7FA4-B44C-ACA5-EE4B37407315}" srcOrd="0" destOrd="0" presId="urn:microsoft.com/office/officeart/2008/layout/RadialCluster"/>
     <dgm:cxn modelId="{99CDCB86-0591-A94D-BFFC-9E2434716A68}" type="presOf" srcId="{AFBC49D1-885A-8A4C-8D08-090736051A13}" destId="{575BCAA7-B0BA-7445-8920-72976032322C}" srcOrd="0" destOrd="0" presId="urn:microsoft.com/office/officeart/2008/layout/RadialCluster"/>
-    <dgm:cxn modelId="{29AD534C-6D6D-D54D-8641-597CA293F315}" type="presOf" srcId="{E7BFA685-6A56-1747-8762-BB65F784FEDC}" destId="{7379E456-43C9-BB4E-8370-A5BCA370F176}" srcOrd="0" destOrd="0" presId="urn:microsoft.com/office/officeart/2008/layout/RadialCluster"/>
+    <dgm:cxn modelId="{4567171E-60FC-2649-BED9-6EFE6D7FFD32}" type="presOf" srcId="{6A163497-E9AC-AD43-9D90-90383A07A09F}" destId="{56932D2F-71A2-7B4D-AF70-A477B1B87E3C}" srcOrd="0" destOrd="0" presId="urn:microsoft.com/office/officeart/2008/layout/RadialCluster"/>
+    <dgm:cxn modelId="{0015FF58-09C8-D444-9265-B1510AA0B335}" srcId="{8C1AA20E-21E2-724B-90B2-DE5FA02F9B7C}" destId="{E7BFA685-6A56-1747-8762-BB65F784FEDC}" srcOrd="0" destOrd="0" parTransId="{FA980317-4472-5A4E-BBCF-A466B48FF529}" sibTransId="{2973B765-A828-1946-9EEC-6EC2DDA2E8ED}"/>
+    <dgm:cxn modelId="{A265D393-DBFF-F949-8386-5E1E8DC289BC}" type="presOf" srcId="{9C09DAE7-4EA8-ED43-B0AC-F4C8610A8A1E}" destId="{B847BC99-AE4E-7749-B2AB-AB7FAA49B089}" srcOrd="0" destOrd="0" presId="urn:microsoft.com/office/officeart/2008/layout/RadialCluster"/>
+    <dgm:cxn modelId="{81B8FEE3-3D20-3A48-8AF1-6919068337AC}" type="presOf" srcId="{85552129-76CB-894B-AE6A-BDEEF82846FA}" destId="{C4399A2D-47E4-794A-8DA9-6382C88C679B}" srcOrd="0" destOrd="0" presId="urn:microsoft.com/office/officeart/2008/layout/RadialCluster"/>
+    <dgm:cxn modelId="{FE3E12CD-AD73-E846-BC6E-3F569665F51B}" srcId="{EC4C91FD-5A04-D54C-8CAF-775A5DA918AF}" destId="{B50E0742-E585-3341-BA5C-DA4988A87D37}" srcOrd="1" destOrd="0" parTransId="{1D23E15B-4337-8E45-9D1D-24C533B5A920}" sibTransId="{85779B08-A110-B84F-BBEE-824FDC9C904C}"/>
+    <dgm:cxn modelId="{8ECAE42A-746A-8C42-A5AC-EC1597F3FCB4}" type="presOf" srcId="{CEBF83DE-3F83-FF4A-8CD1-18AB6F270BF4}" destId="{5B49BCF4-700E-FA45-A303-4179371CA121}" srcOrd="0" destOrd="0" presId="urn:microsoft.com/office/officeart/2008/layout/RadialCluster"/>
     <dgm:cxn modelId="{C658BB5E-FD63-FA4B-9210-1ACB7B020615}" type="presOf" srcId="{8C1AA20E-21E2-724B-90B2-DE5FA02F9B7C}" destId="{5047AFBA-64E7-F246-9C45-C6DB37C77F9F}" srcOrd="0" destOrd="0" presId="urn:microsoft.com/office/officeart/2008/layout/RadialCluster"/>
-    <dgm:cxn modelId="{FE3E12CD-AD73-E846-BC6E-3F569665F51B}" srcId="{EC4C91FD-5A04-D54C-8CAF-775A5DA918AF}" destId="{B50E0742-E585-3341-BA5C-DA4988A87D37}" srcOrd="1" destOrd="0" parTransId="{1D23E15B-4337-8E45-9D1D-24C533B5A920}" sibTransId="{85779B08-A110-B84F-BBEE-824FDC9C904C}"/>
-    <dgm:cxn modelId="{DDDB77A2-EB87-A041-BEEB-C0D8897028F7}" type="presOf" srcId="{B50E0742-E585-3341-BA5C-DA4988A87D37}" destId="{8615AE58-A899-5F40-8857-294C5B19FC13}" srcOrd="0" destOrd="0" presId="urn:microsoft.com/office/officeart/2008/layout/RadialCluster"/>
-    <dgm:cxn modelId="{F7C49353-C3FF-204B-BDD9-AEC58BE1744A}" type="presOf" srcId="{1D23E15B-4337-8E45-9D1D-24C533B5A920}" destId="{3831525B-F5B3-7A42-BD95-62EA3BFB457F}" srcOrd="0" destOrd="0" presId="urn:microsoft.com/office/officeart/2008/layout/RadialCluster"/>
-    <dgm:cxn modelId="{4567171E-60FC-2649-BED9-6EFE6D7FFD32}" type="presOf" srcId="{6A163497-E9AC-AD43-9D90-90383A07A09F}" destId="{56932D2F-71A2-7B4D-AF70-A477B1B87E3C}" srcOrd="0" destOrd="0" presId="urn:microsoft.com/office/officeart/2008/layout/RadialCluster"/>
+    <dgm:cxn modelId="{AE728DE3-9A96-CB45-AE26-02CE92CD3431}" srcId="{EC4C91FD-5A04-D54C-8CAF-775A5DA918AF}" destId="{CEBF83DE-3F83-FF4A-8CD1-18AB6F270BF4}" srcOrd="3" destOrd="0" parTransId="{B5E6BE34-5F25-9D42-93F6-A7C445E01704}" sibTransId="{FB406A4E-9D9A-DD4C-8C64-B6A8CAF0415E}"/>
+    <dgm:cxn modelId="{F75D499F-0240-BA41-8E9E-21929034EF29}" srcId="{E7BFA685-6A56-1747-8762-BB65F784FEDC}" destId="{EC4C91FD-5A04-D54C-8CAF-775A5DA918AF}" srcOrd="1" destOrd="0" parTransId="{761C5B45-9707-E84E-BB66-9FB99B744B55}" sibTransId="{E2B480E4-0E9C-5B43-B8F3-DA0D97D18FC9}"/>
+    <dgm:cxn modelId="{F456639C-6AD5-1549-A97D-98AF8E4C2041}" srcId="{9C09DAE7-4EA8-ED43-B0AC-F4C8610A8A1E}" destId="{92106302-18B4-7149-ACA7-AD8FCDE7CD4B}" srcOrd="0" destOrd="0" parTransId="{AFBC49D1-885A-8A4C-8D08-090736051A13}" sibTransId="{113E2DE7-F55F-A846-9896-0CB9017FA973}"/>
+    <dgm:cxn modelId="{B9F29507-66A0-514C-BD4A-7594AB04E8F8}" srcId="{EC4C91FD-5A04-D54C-8CAF-775A5DA918AF}" destId="{1F6B7065-43F8-D543-89C9-B4D95209DD97}" srcOrd="0" destOrd="0" parTransId="{6A163497-E9AC-AD43-9D90-90383A07A09F}" sibTransId="{BFFBE021-0D07-E143-9D51-3200FE75EC67}"/>
     <dgm:cxn modelId="{C7AF5214-2467-2942-943B-2824AF47047C}" type="presOf" srcId="{7D7A15F9-425B-5649-8AC4-CA6BCC3D3CEF}" destId="{9BDA7D2F-5F0A-FE48-8970-12AF8E701DD5}" srcOrd="0" destOrd="0" presId="urn:microsoft.com/office/officeart/2008/layout/RadialCluster"/>
-    <dgm:cxn modelId="{0015FF58-09C8-D444-9265-B1510AA0B335}" srcId="{8C1AA20E-21E2-724B-90B2-DE5FA02F9B7C}" destId="{E7BFA685-6A56-1747-8762-BB65F784FEDC}" srcOrd="0" destOrd="0" parTransId="{FA980317-4472-5A4E-BBCF-A466B48FF529}" sibTransId="{2973B765-A828-1946-9EEC-6EC2DDA2E8ED}"/>
-    <dgm:cxn modelId="{9368C27C-B0AF-534D-8383-EBBFA4D43D03}" srcId="{E7BFA685-6A56-1747-8762-BB65F784FEDC}" destId="{9C09DAE7-4EA8-ED43-B0AC-F4C8610A8A1E}" srcOrd="0" destOrd="0" parTransId="{7D7A15F9-425B-5649-8AC4-CA6BCC3D3CEF}" sibTransId="{4BEE998A-8F08-8B47-966E-D2FBB32A3737}"/>
-    <dgm:cxn modelId="{A265D393-DBFF-F949-8386-5E1E8DC289BC}" type="presOf" srcId="{9C09DAE7-4EA8-ED43-B0AC-F4C8610A8A1E}" destId="{B847BC99-AE4E-7749-B2AB-AB7FAA49B089}" srcOrd="0" destOrd="0" presId="urn:microsoft.com/office/officeart/2008/layout/RadialCluster"/>
-    <dgm:cxn modelId="{301F02E0-1325-044B-8968-2460A103DAA6}" type="presOf" srcId="{761C5B45-9707-E84E-BB66-9FB99B744B55}" destId="{8A1D0DE4-E202-934D-89C2-F9028F6090CD}" srcOrd="0" destOrd="0" presId="urn:microsoft.com/office/officeart/2008/layout/RadialCluster"/>
-    <dgm:cxn modelId="{6552CD6C-742D-C642-8194-FFACB8FF0ADA}" srcId="{EC4C91FD-5A04-D54C-8CAF-775A5DA918AF}" destId="{85552129-76CB-894B-AE6A-BDEEF82846FA}" srcOrd="2" destOrd="0" parTransId="{6AFE7F91-C018-8E41-9DED-2DF032B29653}" sibTransId="{DE86C78B-1353-6B46-9BBD-46A3AD0309EE}"/>
-    <dgm:cxn modelId="{923E7637-BA21-7C46-A3FC-9159120A65FA}" type="presOf" srcId="{1F6B7065-43F8-D543-89C9-B4D95209DD97}" destId="{9A5A83C2-8339-5243-845D-A6C2329DE46C}" srcOrd="0" destOrd="0" presId="urn:microsoft.com/office/officeart/2008/layout/RadialCluster"/>
-    <dgm:cxn modelId="{F456639C-6AD5-1549-A97D-98AF8E4C2041}" srcId="{9C09DAE7-4EA8-ED43-B0AC-F4C8610A8A1E}" destId="{92106302-18B4-7149-ACA7-AD8FCDE7CD4B}" srcOrd="0" destOrd="0" parTransId="{AFBC49D1-885A-8A4C-8D08-090736051A13}" sibTransId="{113E2DE7-F55F-A846-9896-0CB9017FA973}"/>
-    <dgm:cxn modelId="{F75D499F-0240-BA41-8E9E-21929034EF29}" srcId="{E7BFA685-6A56-1747-8762-BB65F784FEDC}" destId="{EC4C91FD-5A04-D54C-8CAF-775A5DA918AF}" srcOrd="1" destOrd="0" parTransId="{761C5B45-9707-E84E-BB66-9FB99B744B55}" sibTransId="{E2B480E4-0E9C-5B43-B8F3-DA0D97D18FC9}"/>
-    <dgm:cxn modelId="{427101E2-1595-BA4A-9A3D-47CD04F9CCF7}" type="presOf" srcId="{EC4C91FD-5A04-D54C-8CAF-775A5DA918AF}" destId="{CD66C230-DF88-A049-9498-22A12FA2B874}" srcOrd="0" destOrd="0" presId="urn:microsoft.com/office/officeart/2008/layout/RadialCluster"/>
-    <dgm:cxn modelId="{F9CF15ED-7CFE-3342-987F-FC57AC36689B}" type="presOf" srcId="{6AFE7F91-C018-8E41-9DED-2DF032B29653}" destId="{CF221D90-7FA4-B44C-ACA5-EE4B37407315}" srcOrd="0" destOrd="0" presId="urn:microsoft.com/office/officeart/2008/layout/RadialCluster"/>
-    <dgm:cxn modelId="{A1D2DB5A-D11A-574D-98B3-443823BBE33B}" type="presOf" srcId="{85552129-76CB-894B-AE6A-BDEEF82846FA}" destId="{C4399A2D-47E4-794A-8DA9-6382C88C679B}" srcOrd="0" destOrd="0" presId="urn:microsoft.com/office/officeart/2008/layout/RadialCluster"/>
-    <dgm:cxn modelId="{B9F29507-66A0-514C-BD4A-7594AB04E8F8}" srcId="{EC4C91FD-5A04-D54C-8CAF-775A5DA918AF}" destId="{1F6B7065-43F8-D543-89C9-B4D95209DD97}" srcOrd="0" destOrd="0" parTransId="{6A163497-E9AC-AD43-9D90-90383A07A09F}" sibTransId="{BFFBE021-0D07-E143-9D51-3200FE75EC67}"/>
     <dgm:cxn modelId="{4D317235-3C02-9041-8185-1AA25311C3DF}" type="presParOf" srcId="{5047AFBA-64E7-F246-9C45-C6DB37C77F9F}" destId="{7379E456-43C9-BB4E-8370-A5BCA370F176}" srcOrd="0" destOrd="0" presId="urn:microsoft.com/office/officeart/2008/layout/RadialCluster"/>
     <dgm:cxn modelId="{0395B6DF-FF4E-0143-AA6C-8A851D823934}" type="presParOf" srcId="{5047AFBA-64E7-F246-9C45-C6DB37C77F9F}" destId="{CEAC4506-47A3-C943-8BF5-17EEC7A931FE}" srcOrd="1" destOrd="0" presId="urn:microsoft.com/office/officeart/2008/layout/RadialCluster"/>
     <dgm:cxn modelId="{91934D6A-C61F-4C41-B250-A7AB762E62C3}" type="presParOf" srcId="{CEAC4506-47A3-C943-8BF5-17EEC7A931FE}" destId="{B847BC99-AE4E-7749-B2AB-AB7FAA49B089}" srcOrd="0" destOrd="0" presId="urn:microsoft.com/office/officeart/2008/layout/RadialCluster"/>
@@ -4896,15 +5165,17 @@
     <dgm:cxn modelId="{12B5F912-6E5C-CA4B-8A55-7F1122182049}" type="presParOf" srcId="{2AC6C86D-8AC6-264E-B2E1-A3A07E79D2BC}" destId="{9A5A83C2-8339-5243-845D-A6C2329DE46C}" srcOrd="2" destOrd="0" presId="urn:microsoft.com/office/officeart/2008/layout/RadialCluster"/>
     <dgm:cxn modelId="{DC68E24A-9D76-5F4B-9CC6-6010457E11DC}" type="presParOf" srcId="{2AC6C86D-8AC6-264E-B2E1-A3A07E79D2BC}" destId="{3831525B-F5B3-7A42-BD95-62EA3BFB457F}" srcOrd="3" destOrd="0" presId="urn:microsoft.com/office/officeart/2008/layout/RadialCluster"/>
     <dgm:cxn modelId="{2BCDC3A0-3EBA-B647-9D50-C5CFDE6415A6}" type="presParOf" srcId="{2AC6C86D-8AC6-264E-B2E1-A3A07E79D2BC}" destId="{8615AE58-A899-5F40-8857-294C5B19FC13}" srcOrd="4" destOrd="0" presId="urn:microsoft.com/office/officeart/2008/layout/RadialCluster"/>
-    <dgm:cxn modelId="{08284588-6CD2-634E-B4A7-E9E36543DE9D}" type="presParOf" srcId="{2AC6C86D-8AC6-264E-B2E1-A3A07E79D2BC}" destId="{CF221D90-7FA4-B44C-ACA5-EE4B37407315}" srcOrd="5" destOrd="0" presId="urn:microsoft.com/office/officeart/2008/layout/RadialCluster"/>
-    <dgm:cxn modelId="{30D2C87B-474B-E14F-B480-CB33FDF4A463}" type="presParOf" srcId="{2AC6C86D-8AC6-264E-B2E1-A3A07E79D2BC}" destId="{C4399A2D-47E4-794A-8DA9-6382C88C679B}" srcOrd="6" destOrd="0" presId="urn:microsoft.com/office/officeart/2008/layout/RadialCluster"/>
+    <dgm:cxn modelId="{DAF8D433-4B4E-E745-B50A-4EA1A20845F4}" type="presParOf" srcId="{2AC6C86D-8AC6-264E-B2E1-A3A07E79D2BC}" destId="{CF221D90-7FA4-B44C-ACA5-EE4B37407315}" srcOrd="5" destOrd="0" presId="urn:microsoft.com/office/officeart/2008/layout/RadialCluster"/>
+    <dgm:cxn modelId="{951B9000-6F6B-1642-9240-9D505A5EF9F3}" type="presParOf" srcId="{2AC6C86D-8AC6-264E-B2E1-A3A07E79D2BC}" destId="{C4399A2D-47E4-794A-8DA9-6382C88C679B}" srcOrd="6" destOrd="0" presId="urn:microsoft.com/office/officeart/2008/layout/RadialCluster"/>
+    <dgm:cxn modelId="{E6093A5E-D1C2-5A4D-8EC8-4DB4AD587D8D}" type="presParOf" srcId="{2AC6C86D-8AC6-264E-B2E1-A3A07E79D2BC}" destId="{CED4B1E1-EBCF-5443-9886-FE931FDBA8FC}" srcOrd="7" destOrd="0" presId="urn:microsoft.com/office/officeart/2008/layout/RadialCluster"/>
+    <dgm:cxn modelId="{428410EB-5CFC-B34B-A14F-A3272C9C4757}" type="presParOf" srcId="{2AC6C86D-8AC6-264E-B2E1-A3A07E79D2BC}" destId="{5B49BCF4-700E-FA45-A303-4179371CA121}" srcOrd="8" destOrd="0" presId="urn:microsoft.com/office/officeart/2008/layout/RadialCluster"/>
     <dgm:cxn modelId="{9DECBEF4-6A32-6F42-9EFE-E4B16BD1BEE3}" type="presParOf" srcId="{5047AFBA-64E7-F246-9C45-C6DB37C77F9F}" destId="{8A1D0DE4-E202-934D-89C2-F9028F6090CD}" srcOrd="4" destOrd="0" presId="urn:microsoft.com/office/officeart/2008/layout/RadialCluster"/>
   </dgm:cxnLst>
   <dgm:bg/>
   <dgm:whole/>
   <dgm:extLst>
     <a:ext uri="http://schemas.microsoft.com/office/drawing/2008/diagram">
-      <dsp:dataModelExt xmlns:dsp="http://schemas.microsoft.com/office/drawing/2008/diagram" relId="rId6" minVer="http://schemas.openxmlformats.org/drawingml/2006/diagram"/>
+      <dsp:dataModelExt xmlns:dsp="http://schemas.microsoft.com/office/drawing/2008/diagram" xmlns="" relId="rId6" minVer="http://schemas.openxmlformats.org/drawingml/2006/diagram"/>
     </a:ext>
   </dgm:extLst>
 </dgm:dataModel>
@@ -5183,6 +5454,43 @@
         </a:p>
       </dgm:t>
     </dgm:pt>
+    <dgm:pt modelId="{4FC90D50-5794-8E43-934D-F97E8081924E}">
+      <dgm:prSet phldrT="[Text]"/>
+      <dgm:spPr/>
+      <dgm:t>
+        <a:bodyPr/>
+        <a:lstStyle/>
+        <a:p>
+          <a:r>
+            <a:rPr lang="en-US" dirty="0" smtClean="0"/>
+            <a:t>Comments</a:t>
+          </a:r>
+          <a:endParaRPr lang="en-US" dirty="0"/>
+        </a:p>
+      </dgm:t>
+    </dgm:pt>
+    <dgm:pt modelId="{C6C30C29-D242-6B40-AEA4-04F69862A5CA}" type="parTrans" cxnId="{620B3B0F-CEDA-1247-8871-FBB88AAB20FB}">
+      <dgm:prSet/>
+      <dgm:spPr/>
+      <dgm:t>
+        <a:bodyPr/>
+        <a:lstStyle/>
+        <a:p>
+          <a:endParaRPr lang="en-US"/>
+        </a:p>
+      </dgm:t>
+    </dgm:pt>
+    <dgm:pt modelId="{925FA71F-3766-0847-9936-307D85F3AA6D}" type="sibTrans" cxnId="{620B3B0F-CEDA-1247-8871-FBB88AAB20FB}">
+      <dgm:prSet/>
+      <dgm:spPr/>
+      <dgm:t>
+        <a:bodyPr/>
+        <a:lstStyle/>
+        <a:p>
+          <a:endParaRPr lang="en-US"/>
+        </a:p>
+      </dgm:t>
+    </dgm:pt>
     <dgm:pt modelId="{5047AFBA-64E7-F246-9C45-C6DB37C77F9F}" type="pres">
       <dgm:prSet presAssocID="{8C1AA20E-21E2-724B-90B2-DE5FA02F9B7C}" presName="Name0" presStyleCnt="0">
         <dgm:presLayoutVars>
@@ -5194,9 +5502,16 @@
         </dgm:presLayoutVars>
       </dgm:prSet>
       <dgm:spPr/>
+      <dgm:t>
+        <a:bodyPr/>
+        <a:lstStyle/>
+        <a:p>
+          <a:endParaRPr lang="en-US"/>
+        </a:p>
+      </dgm:t>
     </dgm:pt>
     <dgm:pt modelId="{7379E456-43C9-BB4E-8370-A5BCA370F176}" type="pres">
-      <dgm:prSet presAssocID="{E7BFA685-6A56-1747-8762-BB65F784FEDC}" presName="textCenter" presStyleLbl="node1" presStyleIdx="0" presStyleCnt="7"/>
+      <dgm:prSet presAssocID="{E7BFA685-6A56-1747-8762-BB65F784FEDC}" presName="textCenter" presStyleLbl="node1" presStyleIdx="0" presStyleCnt="8"/>
       <dgm:spPr/>
       <dgm:t>
         <a:bodyPr/>
@@ -5211,27 +5526,55 @@
       <dgm:spPr/>
     </dgm:pt>
     <dgm:pt modelId="{B847BC99-AE4E-7749-B2AB-AB7FAA49B089}" type="pres">
-      <dgm:prSet presAssocID="{9C09DAE7-4EA8-ED43-B0AC-F4C8610A8A1E}" presName="childCenter1" presStyleLbl="node1" presStyleIdx="1" presStyleCnt="7"/>
+      <dgm:prSet presAssocID="{9C09DAE7-4EA8-ED43-B0AC-F4C8610A8A1E}" presName="childCenter1" presStyleLbl="node1" presStyleIdx="1" presStyleCnt="8"/>
       <dgm:spPr/>
+      <dgm:t>
+        <a:bodyPr/>
+        <a:lstStyle/>
+        <a:p>
+          <a:endParaRPr lang="en-US"/>
+        </a:p>
+      </dgm:t>
     </dgm:pt>
     <dgm:pt modelId="{575BCAA7-B0BA-7445-8920-72976032322C}" type="pres">
-      <dgm:prSet presAssocID="{AFBC49D1-885A-8A4C-8D08-090736051A13}" presName="Name141" presStyleLbl="parChTrans1D3" presStyleIdx="0" presStyleCnt="4"/>
+      <dgm:prSet presAssocID="{AFBC49D1-885A-8A4C-8D08-090736051A13}" presName="Name141" presStyleLbl="parChTrans1D3" presStyleIdx="0" presStyleCnt="5"/>
       <dgm:spPr/>
+      <dgm:t>
+        <a:bodyPr/>
+        <a:lstStyle/>
+        <a:p>
+          <a:endParaRPr lang="en-US"/>
+        </a:p>
+      </dgm:t>
     </dgm:pt>
     <dgm:pt modelId="{E53C7DBD-C183-0B4B-9F68-E09203C858EE}" type="pres">
-      <dgm:prSet presAssocID="{92106302-18B4-7149-ACA7-AD8FCDE7CD4B}" presName="text1" presStyleLbl="node1" presStyleIdx="2" presStyleCnt="7">
+      <dgm:prSet presAssocID="{92106302-18B4-7149-ACA7-AD8FCDE7CD4B}" presName="text1" presStyleLbl="node1" presStyleIdx="2" presStyleCnt="8">
         <dgm:presLayoutVars>
           <dgm:bulletEnabled val="1"/>
         </dgm:presLayoutVars>
       </dgm:prSet>
       <dgm:spPr/>
+      <dgm:t>
+        <a:bodyPr/>
+        <a:lstStyle/>
+        <a:p>
+          <a:endParaRPr lang="en-US"/>
+        </a:p>
+      </dgm:t>
     </dgm:pt>
     <dgm:pt modelId="{E1CEDD9D-7C45-874F-85F2-DF1855464782}" type="pres">
-      <dgm:prSet presAssocID="{88FE0371-6BE8-7342-AC64-AA755D8EA805}" presName="Name141" presStyleLbl="parChTrans1D3" presStyleIdx="1" presStyleCnt="4"/>
+      <dgm:prSet presAssocID="{88FE0371-6BE8-7342-AC64-AA755D8EA805}" presName="Name141" presStyleLbl="parChTrans1D3" presStyleIdx="1" presStyleCnt="5"/>
       <dgm:spPr/>
+      <dgm:t>
+        <a:bodyPr/>
+        <a:lstStyle/>
+        <a:p>
+          <a:endParaRPr lang="en-US"/>
+        </a:p>
+      </dgm:t>
     </dgm:pt>
     <dgm:pt modelId="{47775162-3C0E-6E4A-B65D-86ABC99C0893}" type="pres">
-      <dgm:prSet presAssocID="{0BED3009-5E4A-DE41-A8DF-8AC5EA0A3AE1}" presName="text1" presStyleLbl="node1" presStyleIdx="3" presStyleCnt="7">
+      <dgm:prSet presAssocID="{0BED3009-5E4A-DE41-A8DF-8AC5EA0A3AE1}" presName="text1" presStyleLbl="node1" presStyleIdx="3" presStyleCnt="8">
         <dgm:presLayoutVars>
           <dgm:bulletEnabled val="1"/>
         </dgm:presLayoutVars>
@@ -5248,13 +5591,20 @@
     <dgm:pt modelId="{9BDA7D2F-5F0A-FE48-8970-12AF8E701DD5}" type="pres">
       <dgm:prSet presAssocID="{7D7A15F9-425B-5649-8AC4-CA6BCC3D3CEF}" presName="Name144" presStyleLbl="parChTrans1D2" presStyleIdx="0" presStyleCnt="2"/>
       <dgm:spPr/>
+      <dgm:t>
+        <a:bodyPr/>
+        <a:lstStyle/>
+        <a:p>
+          <a:endParaRPr lang="en-US"/>
+        </a:p>
+      </dgm:t>
     </dgm:pt>
     <dgm:pt modelId="{2AC6C86D-8AC6-264E-B2E1-A3A07E79D2BC}" type="pres">
       <dgm:prSet presAssocID="{E7BFA685-6A56-1747-8762-BB65F784FEDC}" presName="cycle_2" presStyleCnt="0"/>
       <dgm:spPr/>
     </dgm:pt>
     <dgm:pt modelId="{E26F4F6B-E901-1045-9753-6A8AF5AB89E1}" type="pres">
-      <dgm:prSet presAssocID="{22C4B48B-FF82-9445-940E-CE0F5DB96391}" presName="childCenter2" presStyleLbl="node1" presStyleIdx="4" presStyleCnt="7"/>
+      <dgm:prSet presAssocID="{22C4B48B-FF82-9445-940E-CE0F5DB96391}" presName="childCenter2" presStyleLbl="node1" presStyleIdx="4" presStyleCnt="8"/>
       <dgm:spPr/>
       <dgm:t>
         <a:bodyPr/>
@@ -5265,11 +5615,18 @@
       </dgm:t>
     </dgm:pt>
     <dgm:pt modelId="{CF221D90-7FA4-B44C-ACA5-EE4B37407315}" type="pres">
-      <dgm:prSet presAssocID="{6AFE7F91-C018-8E41-9DED-2DF032B29653}" presName="Name218" presStyleLbl="parChTrans1D3" presStyleIdx="2" presStyleCnt="4"/>
+      <dgm:prSet presAssocID="{6AFE7F91-C018-8E41-9DED-2DF032B29653}" presName="Name218" presStyleLbl="parChTrans1D3" presStyleIdx="2" presStyleCnt="5"/>
       <dgm:spPr/>
+      <dgm:t>
+        <a:bodyPr/>
+        <a:lstStyle/>
+        <a:p>
+          <a:endParaRPr lang="en-US"/>
+        </a:p>
+      </dgm:t>
     </dgm:pt>
     <dgm:pt modelId="{C4399A2D-47E4-794A-8DA9-6382C88C679B}" type="pres">
-      <dgm:prSet presAssocID="{85552129-76CB-894B-AE6A-BDEEF82846FA}" presName="text2" presStyleLbl="node1" presStyleIdx="5" presStyleCnt="7">
+      <dgm:prSet presAssocID="{85552129-76CB-894B-AE6A-BDEEF82846FA}" presName="text2" presStyleLbl="node1" presStyleIdx="5" presStyleCnt="8">
         <dgm:presLayoutVars>
           <dgm:bulletEnabled val="1"/>
         </dgm:presLayoutVars>
@@ -5284,44 +5641,87 @@
       </dgm:t>
     </dgm:pt>
     <dgm:pt modelId="{B17AFA01-E452-4A41-8AFF-07EBBC458641}" type="pres">
-      <dgm:prSet presAssocID="{9F27FFB1-E782-7041-ADC0-795A7A5614D6}" presName="Name218" presStyleLbl="parChTrans1D3" presStyleIdx="3" presStyleCnt="4"/>
+      <dgm:prSet presAssocID="{9F27FFB1-E782-7041-ADC0-795A7A5614D6}" presName="Name218" presStyleLbl="parChTrans1D3" presStyleIdx="3" presStyleCnt="5"/>
       <dgm:spPr/>
+      <dgm:t>
+        <a:bodyPr/>
+        <a:lstStyle/>
+        <a:p>
+          <a:endParaRPr lang="en-US"/>
+        </a:p>
+      </dgm:t>
     </dgm:pt>
     <dgm:pt modelId="{D18D9CE1-1028-394A-8BA9-FA1997999945}" type="pres">
-      <dgm:prSet presAssocID="{E19288D8-B7E1-D341-9E7C-DA7D1AFDC35C}" presName="text2" presStyleLbl="node1" presStyleIdx="6" presStyleCnt="7">
+      <dgm:prSet presAssocID="{E19288D8-B7E1-D341-9E7C-DA7D1AFDC35C}" presName="text2" presStyleLbl="node1" presStyleIdx="6" presStyleCnt="8">
         <dgm:presLayoutVars>
           <dgm:bulletEnabled val="1"/>
         </dgm:presLayoutVars>
       </dgm:prSet>
       <dgm:spPr/>
+      <dgm:t>
+        <a:bodyPr/>
+        <a:lstStyle/>
+        <a:p>
+          <a:endParaRPr lang="en-US"/>
+        </a:p>
+      </dgm:t>
+    </dgm:pt>
+    <dgm:pt modelId="{FE3D729D-FA90-8244-8312-F9618497E6F5}" type="pres">
+      <dgm:prSet presAssocID="{C6C30C29-D242-6B40-AEA4-04F69862A5CA}" presName="Name218" presStyleLbl="parChTrans1D3" presStyleIdx="4" presStyleCnt="5"/>
+      <dgm:spPr/>
+    </dgm:pt>
+    <dgm:pt modelId="{811C2062-AEA0-ED4E-AC09-3633BBDAE728}" type="pres">
+      <dgm:prSet presAssocID="{4FC90D50-5794-8E43-934D-F97E8081924E}" presName="text2" presStyleLbl="node1" presStyleIdx="7" presStyleCnt="8">
+        <dgm:presLayoutVars>
+          <dgm:bulletEnabled val="1"/>
+        </dgm:presLayoutVars>
+      </dgm:prSet>
+      <dgm:spPr/>
+      <dgm:t>
+        <a:bodyPr/>
+        <a:lstStyle/>
+        <a:p>
+          <a:endParaRPr lang="en-US"/>
+        </a:p>
+      </dgm:t>
     </dgm:pt>
     <dgm:pt modelId="{B52CD578-AEA7-3546-AD86-1AFACDC73797}" type="pres">
       <dgm:prSet presAssocID="{A3DB8C6D-4435-2144-8BCC-010FE80C705C}" presName="Name221" presStyleLbl="parChTrans1D2" presStyleIdx="1" presStyleCnt="2"/>
       <dgm:spPr/>
+      <dgm:t>
+        <a:bodyPr/>
+        <a:lstStyle/>
+        <a:p>
+          <a:endParaRPr lang="en-US"/>
+        </a:p>
+      </dgm:t>
     </dgm:pt>
   </dgm:ptLst>
   <dgm:cxnLst>
+    <dgm:cxn modelId="{6552CD6C-742D-C642-8194-FFACB8FF0ADA}" srcId="{22C4B48B-FF82-9445-940E-CE0F5DB96391}" destId="{85552129-76CB-894B-AE6A-BDEEF82846FA}" srcOrd="0" destOrd="0" parTransId="{6AFE7F91-C018-8E41-9DED-2DF032B29653}" sibTransId="{DE86C78B-1353-6B46-9BBD-46A3AD0309EE}"/>
+    <dgm:cxn modelId="{8EE39971-1041-2943-9697-BE6B86D9CFDD}" srcId="{9C09DAE7-4EA8-ED43-B0AC-F4C8610A8A1E}" destId="{0BED3009-5E4A-DE41-A8DF-8AC5EA0A3AE1}" srcOrd="1" destOrd="0" parTransId="{88FE0371-6BE8-7342-AC64-AA755D8EA805}" sibTransId="{F9887147-D75E-ED4C-8157-4EF55C77B4D1}"/>
+    <dgm:cxn modelId="{C6EEB08E-FDD3-4244-811C-C9120EED5DE1}" type="presOf" srcId="{6AFE7F91-C018-8E41-9DED-2DF032B29653}" destId="{CF221D90-7FA4-B44C-ACA5-EE4B37407315}" srcOrd="0" destOrd="0" presId="urn:microsoft.com/office/officeart/2008/layout/RadialCluster"/>
+    <dgm:cxn modelId="{8838EA3B-0D60-D642-868B-A3E415C42EDE}" type="presOf" srcId="{E19288D8-B7E1-D341-9E7C-DA7D1AFDC35C}" destId="{D18D9CE1-1028-394A-8BA9-FA1997999945}" srcOrd="0" destOrd="0" presId="urn:microsoft.com/office/officeart/2008/layout/RadialCluster"/>
+    <dgm:cxn modelId="{4C707006-8CEA-E94B-8C2A-272023E2354E}" srcId="{E7BFA685-6A56-1747-8762-BB65F784FEDC}" destId="{22C4B48B-FF82-9445-940E-CE0F5DB96391}" srcOrd="1" destOrd="0" parTransId="{A3DB8C6D-4435-2144-8BCC-010FE80C705C}" sibTransId="{CB58839D-A8B3-7846-B7A0-5355FE2319E0}"/>
+    <dgm:cxn modelId="{5DCCB86A-B680-0C40-B5DA-86C991976127}" type="presOf" srcId="{E7BFA685-6A56-1747-8762-BB65F784FEDC}" destId="{7379E456-43C9-BB4E-8370-A5BCA370F176}" srcOrd="0" destOrd="0" presId="urn:microsoft.com/office/officeart/2008/layout/RadialCluster"/>
+    <dgm:cxn modelId="{5BDE7AE5-6FF4-FA43-ABB0-20793BE5AC6F}" type="presOf" srcId="{C6C30C29-D242-6B40-AEA4-04F69862A5CA}" destId="{FE3D729D-FA90-8244-8312-F9618497E6F5}" srcOrd="0" destOrd="0" presId="urn:microsoft.com/office/officeart/2008/layout/RadialCluster"/>
+    <dgm:cxn modelId="{FCF09E56-9CD3-0B43-A2A5-F6568E859526}" type="presOf" srcId="{7D7A15F9-425B-5649-8AC4-CA6BCC3D3CEF}" destId="{9BDA7D2F-5F0A-FE48-8970-12AF8E701DD5}" srcOrd="0" destOrd="0" presId="urn:microsoft.com/office/officeart/2008/layout/RadialCluster"/>
+    <dgm:cxn modelId="{9A4FE784-42C1-9746-9D99-E7387BC0D1DC}" type="presOf" srcId="{8C1AA20E-21E2-724B-90B2-DE5FA02F9B7C}" destId="{5047AFBA-64E7-F246-9C45-C6DB37C77F9F}" srcOrd="0" destOrd="0" presId="urn:microsoft.com/office/officeart/2008/layout/RadialCluster"/>
     <dgm:cxn modelId="{BC53BC98-6F17-6943-9AC5-01AD108E82B5}" type="presOf" srcId="{22C4B48B-FF82-9445-940E-CE0F5DB96391}" destId="{E26F4F6B-E901-1045-9753-6A8AF5AB89E1}" srcOrd="0" destOrd="0" presId="urn:microsoft.com/office/officeart/2008/layout/RadialCluster"/>
-    <dgm:cxn modelId="{FCF09E56-9CD3-0B43-A2A5-F6568E859526}" type="presOf" srcId="{7D7A15F9-425B-5649-8AC4-CA6BCC3D3CEF}" destId="{9BDA7D2F-5F0A-FE48-8970-12AF8E701DD5}" srcOrd="0" destOrd="0" presId="urn:microsoft.com/office/officeart/2008/layout/RadialCluster"/>
+    <dgm:cxn modelId="{9368C27C-B0AF-534D-8383-EBBFA4D43D03}" srcId="{E7BFA685-6A56-1747-8762-BB65F784FEDC}" destId="{9C09DAE7-4EA8-ED43-B0AC-F4C8610A8A1E}" srcOrd="0" destOrd="0" parTransId="{7D7A15F9-425B-5649-8AC4-CA6BCC3D3CEF}" sibTransId="{4BEE998A-8F08-8B47-966E-D2FBB32A3737}"/>
+    <dgm:cxn modelId="{C4644ACA-36A0-9143-9B07-43D712A47AFF}" type="presOf" srcId="{9C09DAE7-4EA8-ED43-B0AC-F4C8610A8A1E}" destId="{B847BC99-AE4E-7749-B2AB-AB7FAA49B089}" srcOrd="0" destOrd="0" presId="urn:microsoft.com/office/officeart/2008/layout/RadialCluster"/>
+    <dgm:cxn modelId="{FCCEEA67-A325-8D4F-B937-ABDCE833C5E9}" type="presOf" srcId="{9F27FFB1-E782-7041-ADC0-795A7A5614D6}" destId="{B17AFA01-E452-4A41-8AFF-07EBBC458641}" srcOrd="0" destOrd="0" presId="urn:microsoft.com/office/officeart/2008/layout/RadialCluster"/>
+    <dgm:cxn modelId="{1ECF1EE1-1C45-EE4A-9566-24F38D98A393}" type="presOf" srcId="{A3DB8C6D-4435-2144-8BCC-010FE80C705C}" destId="{B52CD578-AEA7-3546-AD86-1AFACDC73797}" srcOrd="0" destOrd="0" presId="urn:microsoft.com/office/officeart/2008/layout/RadialCluster"/>
+    <dgm:cxn modelId="{9D97247F-1516-5E43-BC20-A7FFE4BF0152}" type="presOf" srcId="{92106302-18B4-7149-ACA7-AD8FCDE7CD4B}" destId="{E53C7DBD-C183-0B4B-9F68-E09203C858EE}" srcOrd="0" destOrd="0" presId="urn:microsoft.com/office/officeart/2008/layout/RadialCluster"/>
+    <dgm:cxn modelId="{BFABA943-6FD5-4540-9C71-7F999D0803F1}" type="presOf" srcId="{4FC90D50-5794-8E43-934D-F97E8081924E}" destId="{811C2062-AEA0-ED4E-AC09-3633BBDAE728}" srcOrd="0" destOrd="0" presId="urn:microsoft.com/office/officeart/2008/layout/RadialCluster"/>
+    <dgm:cxn modelId="{0015FF58-09C8-D444-9265-B1510AA0B335}" srcId="{8C1AA20E-21E2-724B-90B2-DE5FA02F9B7C}" destId="{E7BFA685-6A56-1747-8762-BB65F784FEDC}" srcOrd="0" destOrd="0" parTransId="{FA980317-4472-5A4E-BBCF-A466B48FF529}" sibTransId="{2973B765-A828-1946-9EEC-6EC2DDA2E8ED}"/>
+    <dgm:cxn modelId="{3ECBBD2F-98FE-CF45-B344-EDB403F5405B}" type="presOf" srcId="{85552129-76CB-894B-AE6A-BDEEF82846FA}" destId="{C4399A2D-47E4-794A-8DA9-6382C88C679B}" srcOrd="0" destOrd="0" presId="urn:microsoft.com/office/officeart/2008/layout/RadialCluster"/>
+    <dgm:cxn modelId="{1C318A14-2BD8-2C4D-A3E0-A12B23A2272E}" type="presOf" srcId="{AFBC49D1-885A-8A4C-8D08-090736051A13}" destId="{575BCAA7-B0BA-7445-8920-72976032322C}" srcOrd="0" destOrd="0" presId="urn:microsoft.com/office/officeart/2008/layout/RadialCluster"/>
     <dgm:cxn modelId="{9B43B5ED-F59B-1148-8866-2C3885F67C29}" type="presOf" srcId="{88FE0371-6BE8-7342-AC64-AA755D8EA805}" destId="{E1CEDD9D-7C45-874F-85F2-DF1855464782}" srcOrd="0" destOrd="0" presId="urn:microsoft.com/office/officeart/2008/layout/RadialCluster"/>
-    <dgm:cxn modelId="{FCCEEA67-A325-8D4F-B937-ABDCE833C5E9}" type="presOf" srcId="{9F27FFB1-E782-7041-ADC0-795A7A5614D6}" destId="{B17AFA01-E452-4A41-8AFF-07EBBC458641}" srcOrd="0" destOrd="0" presId="urn:microsoft.com/office/officeart/2008/layout/RadialCluster"/>
-    <dgm:cxn modelId="{5DCCB86A-B680-0C40-B5DA-86C991976127}" type="presOf" srcId="{E7BFA685-6A56-1747-8762-BB65F784FEDC}" destId="{7379E456-43C9-BB4E-8370-A5BCA370F176}" srcOrd="0" destOrd="0" presId="urn:microsoft.com/office/officeart/2008/layout/RadialCluster"/>
-    <dgm:cxn modelId="{4C707006-8CEA-E94B-8C2A-272023E2354E}" srcId="{E7BFA685-6A56-1747-8762-BB65F784FEDC}" destId="{22C4B48B-FF82-9445-940E-CE0F5DB96391}" srcOrd="1" destOrd="0" parTransId="{A3DB8C6D-4435-2144-8BCC-010FE80C705C}" sibTransId="{CB58839D-A8B3-7846-B7A0-5355FE2319E0}"/>
-    <dgm:cxn modelId="{8EE39971-1041-2943-9697-BE6B86D9CFDD}" srcId="{9C09DAE7-4EA8-ED43-B0AC-F4C8610A8A1E}" destId="{0BED3009-5E4A-DE41-A8DF-8AC5EA0A3AE1}" srcOrd="1" destOrd="0" parTransId="{88FE0371-6BE8-7342-AC64-AA755D8EA805}" sibTransId="{F9887147-D75E-ED4C-8157-4EF55C77B4D1}"/>
-    <dgm:cxn modelId="{1C318A14-2BD8-2C4D-A3E0-A12B23A2272E}" type="presOf" srcId="{AFBC49D1-885A-8A4C-8D08-090736051A13}" destId="{575BCAA7-B0BA-7445-8920-72976032322C}" srcOrd="0" destOrd="0" presId="urn:microsoft.com/office/officeart/2008/layout/RadialCluster"/>
-    <dgm:cxn modelId="{0015FF58-09C8-D444-9265-B1510AA0B335}" srcId="{8C1AA20E-21E2-724B-90B2-DE5FA02F9B7C}" destId="{E7BFA685-6A56-1747-8762-BB65F784FEDC}" srcOrd="0" destOrd="0" parTransId="{FA980317-4472-5A4E-BBCF-A466B48FF529}" sibTransId="{2973B765-A828-1946-9EEC-6EC2DDA2E8ED}"/>
-    <dgm:cxn modelId="{9368C27C-B0AF-534D-8383-EBBFA4D43D03}" srcId="{E7BFA685-6A56-1747-8762-BB65F784FEDC}" destId="{9C09DAE7-4EA8-ED43-B0AC-F4C8610A8A1E}" srcOrd="0" destOrd="0" parTransId="{7D7A15F9-425B-5649-8AC4-CA6BCC3D3CEF}" sibTransId="{4BEE998A-8F08-8B47-966E-D2FBB32A3737}"/>
-    <dgm:cxn modelId="{9D97247F-1516-5E43-BC20-A7FFE4BF0152}" type="presOf" srcId="{92106302-18B4-7149-ACA7-AD8FCDE7CD4B}" destId="{E53C7DBD-C183-0B4B-9F68-E09203C858EE}" srcOrd="0" destOrd="0" presId="urn:microsoft.com/office/officeart/2008/layout/RadialCluster"/>
-    <dgm:cxn modelId="{6552CD6C-742D-C642-8194-FFACB8FF0ADA}" srcId="{22C4B48B-FF82-9445-940E-CE0F5DB96391}" destId="{85552129-76CB-894B-AE6A-BDEEF82846FA}" srcOrd="0" destOrd="0" parTransId="{6AFE7F91-C018-8E41-9DED-2DF032B29653}" sibTransId="{DE86C78B-1353-6B46-9BBD-46A3AD0309EE}"/>
+    <dgm:cxn modelId="{620B3B0F-CEDA-1247-8871-FBB88AAB20FB}" srcId="{22C4B48B-FF82-9445-940E-CE0F5DB96391}" destId="{4FC90D50-5794-8E43-934D-F97E8081924E}" srcOrd="2" destOrd="0" parTransId="{C6C30C29-D242-6B40-AEA4-04F69862A5CA}" sibTransId="{925FA71F-3766-0847-9936-307D85F3AA6D}"/>
+    <dgm:cxn modelId="{7B0E06B1-3A82-674A-BA29-86D94A94B95D}" type="presOf" srcId="{0BED3009-5E4A-DE41-A8DF-8AC5EA0A3AE1}" destId="{47775162-3C0E-6E4A-B65D-86ABC99C0893}" srcOrd="0" destOrd="0" presId="urn:microsoft.com/office/officeart/2008/layout/RadialCluster"/>
     <dgm:cxn modelId="{F456639C-6AD5-1549-A97D-98AF8E4C2041}" srcId="{9C09DAE7-4EA8-ED43-B0AC-F4C8610A8A1E}" destId="{92106302-18B4-7149-ACA7-AD8FCDE7CD4B}" srcOrd="0" destOrd="0" parTransId="{AFBC49D1-885A-8A4C-8D08-090736051A13}" sibTransId="{113E2DE7-F55F-A846-9896-0CB9017FA973}"/>
-    <dgm:cxn modelId="{C4644ACA-36A0-9143-9B07-43D712A47AFF}" type="presOf" srcId="{9C09DAE7-4EA8-ED43-B0AC-F4C8610A8A1E}" destId="{B847BC99-AE4E-7749-B2AB-AB7FAA49B089}" srcOrd="0" destOrd="0" presId="urn:microsoft.com/office/officeart/2008/layout/RadialCluster"/>
-    <dgm:cxn modelId="{C6EEB08E-FDD3-4244-811C-C9120EED5DE1}" type="presOf" srcId="{6AFE7F91-C018-8E41-9DED-2DF032B29653}" destId="{CF221D90-7FA4-B44C-ACA5-EE4B37407315}" srcOrd="0" destOrd="0" presId="urn:microsoft.com/office/officeart/2008/layout/RadialCluster"/>
     <dgm:cxn modelId="{B44532AD-9E15-5D40-97D3-62645D21619A}" srcId="{22C4B48B-FF82-9445-940E-CE0F5DB96391}" destId="{E19288D8-B7E1-D341-9E7C-DA7D1AFDC35C}" srcOrd="1" destOrd="0" parTransId="{9F27FFB1-E782-7041-ADC0-795A7A5614D6}" sibTransId="{D8FBE861-0FDA-964A-8752-A6907CADB5BB}"/>
-    <dgm:cxn modelId="{1ECF1EE1-1C45-EE4A-9566-24F38D98A393}" type="presOf" srcId="{A3DB8C6D-4435-2144-8BCC-010FE80C705C}" destId="{B52CD578-AEA7-3546-AD86-1AFACDC73797}" srcOrd="0" destOrd="0" presId="urn:microsoft.com/office/officeart/2008/layout/RadialCluster"/>
-    <dgm:cxn modelId="{3ECBBD2F-98FE-CF45-B344-EDB403F5405B}" type="presOf" srcId="{85552129-76CB-894B-AE6A-BDEEF82846FA}" destId="{C4399A2D-47E4-794A-8DA9-6382C88C679B}" srcOrd="0" destOrd="0" presId="urn:microsoft.com/office/officeart/2008/layout/RadialCluster"/>
-    <dgm:cxn modelId="{8838EA3B-0D60-D642-868B-A3E415C42EDE}" type="presOf" srcId="{E19288D8-B7E1-D341-9E7C-DA7D1AFDC35C}" destId="{D18D9CE1-1028-394A-8BA9-FA1997999945}" srcOrd="0" destOrd="0" presId="urn:microsoft.com/office/officeart/2008/layout/RadialCluster"/>
-    <dgm:cxn modelId="{7B0E06B1-3A82-674A-BA29-86D94A94B95D}" type="presOf" srcId="{0BED3009-5E4A-DE41-A8DF-8AC5EA0A3AE1}" destId="{47775162-3C0E-6E4A-B65D-86ABC99C0893}" srcOrd="0" destOrd="0" presId="urn:microsoft.com/office/officeart/2008/layout/RadialCluster"/>
-    <dgm:cxn modelId="{9A4FE784-42C1-9746-9D99-E7387BC0D1DC}" type="presOf" srcId="{8C1AA20E-21E2-724B-90B2-DE5FA02F9B7C}" destId="{5047AFBA-64E7-F246-9C45-C6DB37C77F9F}" srcOrd="0" destOrd="0" presId="urn:microsoft.com/office/officeart/2008/layout/RadialCluster"/>
     <dgm:cxn modelId="{85B1BAE8-44E7-E44C-88DC-F13797FF8B97}" type="presParOf" srcId="{5047AFBA-64E7-F246-9C45-C6DB37C77F9F}" destId="{7379E456-43C9-BB4E-8370-A5BCA370F176}" srcOrd="0" destOrd="0" presId="urn:microsoft.com/office/officeart/2008/layout/RadialCluster"/>
     <dgm:cxn modelId="{1B0813A6-EC59-2B4C-B840-D96D739C049C}" type="presParOf" srcId="{5047AFBA-64E7-F246-9C45-C6DB37C77F9F}" destId="{CEAC4506-47A3-C943-8BF5-17EEC7A931FE}" srcOrd="1" destOrd="0" presId="urn:microsoft.com/office/officeart/2008/layout/RadialCluster"/>
     <dgm:cxn modelId="{AC9771E2-D0D3-C747-86F9-4BE648B5D2FE}" type="presParOf" srcId="{CEAC4506-47A3-C943-8BF5-17EEC7A931FE}" destId="{B847BC99-AE4E-7749-B2AB-AB7FAA49B089}" srcOrd="0" destOrd="0" presId="urn:microsoft.com/office/officeart/2008/layout/RadialCluster"/>
@@ -5336,13 +5736,15 @@
     <dgm:cxn modelId="{D1917055-87E6-E54E-8317-23F023BA8E32}" type="presParOf" srcId="{2AC6C86D-8AC6-264E-B2E1-A3A07E79D2BC}" destId="{C4399A2D-47E4-794A-8DA9-6382C88C679B}" srcOrd="2" destOrd="0" presId="urn:microsoft.com/office/officeart/2008/layout/RadialCluster"/>
     <dgm:cxn modelId="{EA91CD3C-8130-F84B-9B87-2A773FCDA6F6}" type="presParOf" srcId="{2AC6C86D-8AC6-264E-B2E1-A3A07E79D2BC}" destId="{B17AFA01-E452-4A41-8AFF-07EBBC458641}" srcOrd="3" destOrd="0" presId="urn:microsoft.com/office/officeart/2008/layout/RadialCluster"/>
     <dgm:cxn modelId="{15C5DA4F-517D-D241-8DB7-6F9B466B0B83}" type="presParOf" srcId="{2AC6C86D-8AC6-264E-B2E1-A3A07E79D2BC}" destId="{D18D9CE1-1028-394A-8BA9-FA1997999945}" srcOrd="4" destOrd="0" presId="urn:microsoft.com/office/officeart/2008/layout/RadialCluster"/>
+    <dgm:cxn modelId="{80637F79-4193-5E4C-B5A9-17D04118D6C4}" type="presParOf" srcId="{2AC6C86D-8AC6-264E-B2E1-A3A07E79D2BC}" destId="{FE3D729D-FA90-8244-8312-F9618497E6F5}" srcOrd="5" destOrd="0" presId="urn:microsoft.com/office/officeart/2008/layout/RadialCluster"/>
+    <dgm:cxn modelId="{BAA5E445-4EBD-444C-BB94-CF20282786EB}" type="presParOf" srcId="{2AC6C86D-8AC6-264E-B2E1-A3A07E79D2BC}" destId="{811C2062-AEA0-ED4E-AC09-3633BBDAE728}" srcOrd="6" destOrd="0" presId="urn:microsoft.com/office/officeart/2008/layout/RadialCluster"/>
     <dgm:cxn modelId="{F1B8B917-4768-934B-B7D9-5F5660073664}" type="presParOf" srcId="{5047AFBA-64E7-F246-9C45-C6DB37C77F9F}" destId="{B52CD578-AEA7-3546-AD86-1AFACDC73797}" srcOrd="4" destOrd="0" presId="urn:microsoft.com/office/officeart/2008/layout/RadialCluster"/>
   </dgm:cxnLst>
   <dgm:bg/>
   <dgm:whole/>
   <dgm:extLst>
     <a:ext uri="http://schemas.microsoft.com/office/drawing/2008/diagram">
-      <dsp:dataModelExt xmlns:dsp="http://schemas.microsoft.com/office/drawing/2008/diagram" relId="rId6" minVer="http://schemas.openxmlformats.org/drawingml/2006/diagram"/>
+      <dsp:dataModelExt xmlns:dsp="http://schemas.microsoft.com/office/drawing/2008/diagram" xmlns="" relId="rId6" minVer="http://schemas.openxmlformats.org/drawingml/2006/diagram"/>
     </a:ext>
   </dgm:extLst>
 </dgm:dataModel>
@@ -5743,6 +6145,13 @@
         </dgm:presLayoutVars>
       </dgm:prSet>
       <dgm:spPr/>
+      <dgm:t>
+        <a:bodyPr/>
+        <a:lstStyle/>
+        <a:p>
+          <a:endParaRPr lang="en-US"/>
+        </a:p>
+      </dgm:t>
     </dgm:pt>
     <dgm:pt modelId="{7379E456-43C9-BB4E-8370-A5BCA370F176}" type="pres">
       <dgm:prSet presAssocID="{E7BFA685-6A56-1747-8762-BB65F784FEDC}" presName="textCenter" presStyleLbl="node1" presStyleIdx="0" presStyleCnt="10"/>
@@ -5762,10 +6171,24 @@
     <dgm:pt modelId="{B847BC99-AE4E-7749-B2AB-AB7FAA49B089}" type="pres">
       <dgm:prSet presAssocID="{9C09DAE7-4EA8-ED43-B0AC-F4C8610A8A1E}" presName="childCenter1" presStyleLbl="node1" presStyleIdx="1" presStyleCnt="10"/>
       <dgm:spPr/>
+      <dgm:t>
+        <a:bodyPr/>
+        <a:lstStyle/>
+        <a:p>
+          <a:endParaRPr lang="en-US"/>
+        </a:p>
+      </dgm:t>
     </dgm:pt>
     <dgm:pt modelId="{575BCAA7-B0BA-7445-8920-72976032322C}" type="pres">
       <dgm:prSet presAssocID="{AFBC49D1-885A-8A4C-8D08-090736051A13}" presName="Name141" presStyleLbl="parChTrans1D3" presStyleIdx="0" presStyleCnt="7"/>
       <dgm:spPr/>
+      <dgm:t>
+        <a:bodyPr/>
+        <a:lstStyle/>
+        <a:p>
+          <a:endParaRPr lang="en-US"/>
+        </a:p>
+      </dgm:t>
     </dgm:pt>
     <dgm:pt modelId="{E53C7DBD-C183-0B4B-9F68-E09203C858EE}" type="pres">
       <dgm:prSet presAssocID="{92106302-18B4-7149-ACA7-AD8FCDE7CD4B}" presName="text1" presStyleLbl="node1" presStyleIdx="2" presStyleCnt="10">
@@ -5774,10 +6197,24 @@
         </dgm:presLayoutVars>
       </dgm:prSet>
       <dgm:spPr/>
+      <dgm:t>
+        <a:bodyPr/>
+        <a:lstStyle/>
+        <a:p>
+          <a:endParaRPr lang="en-US"/>
+        </a:p>
+      </dgm:t>
     </dgm:pt>
     <dgm:pt modelId="{95FAD1DB-CA59-6C48-B45C-CE224C27F2D6}" type="pres">
       <dgm:prSet presAssocID="{96F43CB1-5E5E-0A4A-972A-A2814DED6BDD}" presName="Name141" presStyleLbl="parChTrans1D3" presStyleIdx="1" presStyleCnt="7"/>
       <dgm:spPr/>
+      <dgm:t>
+        <a:bodyPr/>
+        <a:lstStyle/>
+        <a:p>
+          <a:endParaRPr lang="en-US"/>
+        </a:p>
+      </dgm:t>
     </dgm:pt>
     <dgm:pt modelId="{47BE3FAF-8956-5240-B78F-3EB64D304857}" type="pres">
       <dgm:prSet presAssocID="{87B3A149-598F-6B45-B597-5D7E1A1BA00D}" presName="text1" presStyleLbl="node1" presStyleIdx="3" presStyleCnt="10">
@@ -5797,6 +6234,13 @@
     <dgm:pt modelId="{9BDA7D2F-5F0A-FE48-8970-12AF8E701DD5}" type="pres">
       <dgm:prSet presAssocID="{7D7A15F9-425B-5649-8AC4-CA6BCC3D3CEF}" presName="Name144" presStyleLbl="parChTrans1D2" presStyleIdx="0" presStyleCnt="2"/>
       <dgm:spPr/>
+      <dgm:t>
+        <a:bodyPr/>
+        <a:lstStyle/>
+        <a:p>
+          <a:endParaRPr lang="en-US"/>
+        </a:p>
+      </dgm:t>
     </dgm:pt>
     <dgm:pt modelId="{2AC6C86D-8AC6-264E-B2E1-A3A07E79D2BC}" type="pres">
       <dgm:prSet presAssocID="{E7BFA685-6A56-1747-8762-BB65F784FEDC}" presName="cycle_2" presStyleCnt="0"/>
@@ -5805,10 +6249,24 @@
     <dgm:pt modelId="{CD66C230-DF88-A049-9498-22A12FA2B874}" type="pres">
       <dgm:prSet presAssocID="{EC4C91FD-5A04-D54C-8CAF-775A5DA918AF}" presName="childCenter2" presStyleLbl="node1" presStyleIdx="4" presStyleCnt="10"/>
       <dgm:spPr/>
+      <dgm:t>
+        <a:bodyPr/>
+        <a:lstStyle/>
+        <a:p>
+          <a:endParaRPr lang="en-US"/>
+        </a:p>
+      </dgm:t>
     </dgm:pt>
     <dgm:pt modelId="{56932D2F-71A2-7B4D-AF70-A477B1B87E3C}" type="pres">
       <dgm:prSet presAssocID="{6A163497-E9AC-AD43-9D90-90383A07A09F}" presName="Name218" presStyleLbl="parChTrans1D3" presStyleIdx="2" presStyleCnt="7"/>
       <dgm:spPr/>
+      <dgm:t>
+        <a:bodyPr/>
+        <a:lstStyle/>
+        <a:p>
+          <a:endParaRPr lang="en-US"/>
+        </a:p>
+      </dgm:t>
     </dgm:pt>
     <dgm:pt modelId="{9A5A83C2-8339-5243-845D-A6C2329DE46C}" type="pres">
       <dgm:prSet presAssocID="{1F6B7065-43F8-D543-89C9-B4D95209DD97}" presName="text2" presStyleLbl="node1" presStyleIdx="5" presStyleCnt="10">
@@ -5828,6 +6286,13 @@
     <dgm:pt modelId="{A2BC737A-F4BD-794C-8F92-3A0E2805AC7F}" type="pres">
       <dgm:prSet presAssocID="{75124C14-C6F7-654D-97CE-90B1B88A9E5F}" presName="Name218" presStyleLbl="parChTrans1D3" presStyleIdx="3" presStyleCnt="7"/>
       <dgm:spPr/>
+      <dgm:t>
+        <a:bodyPr/>
+        <a:lstStyle/>
+        <a:p>
+          <a:endParaRPr lang="en-US"/>
+        </a:p>
+      </dgm:t>
     </dgm:pt>
     <dgm:pt modelId="{8F04BA1E-AF31-FA47-AEF1-60FA3000BC13}" type="pres">
       <dgm:prSet presAssocID="{B3A8F0DE-549D-9D4E-B979-A3809A05E768}" presName="text2" presStyleLbl="node1" presStyleIdx="6" presStyleCnt="10">
@@ -5847,6 +6312,13 @@
     <dgm:pt modelId="{9ED0B837-A7BC-AD4D-A978-27CC5484E2DF}" type="pres">
       <dgm:prSet presAssocID="{362B21AA-AB8D-3E44-95E1-CFED4FED180F}" presName="Name218" presStyleLbl="parChTrans1D3" presStyleIdx="4" presStyleCnt="7"/>
       <dgm:spPr/>
+      <dgm:t>
+        <a:bodyPr/>
+        <a:lstStyle/>
+        <a:p>
+          <a:endParaRPr lang="en-US"/>
+        </a:p>
+      </dgm:t>
     </dgm:pt>
     <dgm:pt modelId="{993706C4-BA98-7545-8DC1-25B628AAA2D7}" type="pres">
       <dgm:prSet presAssocID="{93AC805A-4854-6847-8A92-A6E25FE06FCE}" presName="text2" presStyleLbl="node1" presStyleIdx="7" presStyleCnt="10">
@@ -5866,6 +6338,13 @@
     <dgm:pt modelId="{DA97C1B7-7BB5-3E41-8203-995325924572}" type="pres">
       <dgm:prSet presAssocID="{BFE54243-36B7-FB42-8E79-94FE71FF21FF}" presName="Name218" presStyleLbl="parChTrans1D3" presStyleIdx="5" presStyleCnt="7"/>
       <dgm:spPr/>
+      <dgm:t>
+        <a:bodyPr/>
+        <a:lstStyle/>
+        <a:p>
+          <a:endParaRPr lang="en-US"/>
+        </a:p>
+      </dgm:t>
     </dgm:pt>
     <dgm:pt modelId="{97A66DFC-52A2-3949-96A7-40B912F8A965}" type="pres">
       <dgm:prSet presAssocID="{4EDF8BFB-9417-5547-BD9D-8186085B91BA}" presName="text2" presStyleLbl="node1" presStyleIdx="8" presStyleCnt="10">
@@ -5885,6 +6364,13 @@
     <dgm:pt modelId="{511C30A0-DBE2-BD46-BF11-60088812213F}" type="pres">
       <dgm:prSet presAssocID="{D6233FAB-7906-774B-8C3C-67BBBA584C3C}" presName="Name218" presStyleLbl="parChTrans1D3" presStyleIdx="6" presStyleCnt="7"/>
       <dgm:spPr/>
+      <dgm:t>
+        <a:bodyPr/>
+        <a:lstStyle/>
+        <a:p>
+          <a:endParaRPr lang="en-US"/>
+        </a:p>
+      </dgm:t>
     </dgm:pt>
     <dgm:pt modelId="{9557C560-6C02-3841-967A-F10A66C9BAD3}" type="pres">
       <dgm:prSet presAssocID="{D01FEC74-6A83-DD4E-9DD2-F7D9C1D8F5E1}" presName="text2" presStyleLbl="node1" presStyleIdx="9" presStyleCnt="10">
@@ -5904,39 +6390,46 @@
     <dgm:pt modelId="{8A1D0DE4-E202-934D-89C2-F9028F6090CD}" type="pres">
       <dgm:prSet presAssocID="{761C5B45-9707-E84E-BB66-9FB99B744B55}" presName="Name221" presStyleLbl="parChTrans1D2" presStyleIdx="1" presStyleCnt="2"/>
       <dgm:spPr/>
+      <dgm:t>
+        <a:bodyPr/>
+        <a:lstStyle/>
+        <a:p>
+          <a:endParaRPr lang="en-US"/>
+        </a:p>
+      </dgm:t>
     </dgm:pt>
   </dgm:ptLst>
   <dgm:cxnLst>
-    <dgm:cxn modelId="{B7A44792-4940-2B47-97CF-D4302DEBC986}" srcId="{EC4C91FD-5A04-D54C-8CAF-775A5DA918AF}" destId="{B3A8F0DE-549D-9D4E-B979-A3809A05E768}" srcOrd="1" destOrd="0" parTransId="{75124C14-C6F7-654D-97CE-90B1B88A9E5F}" sibTransId="{70165E02-5AF7-6949-88F3-C9BD4C8B8A57}"/>
+    <dgm:cxn modelId="{F456639C-6AD5-1549-A97D-98AF8E4C2041}" srcId="{9C09DAE7-4EA8-ED43-B0AC-F4C8610A8A1E}" destId="{92106302-18B4-7149-ACA7-AD8FCDE7CD4B}" srcOrd="0" destOrd="0" parTransId="{AFBC49D1-885A-8A4C-8D08-090736051A13}" sibTransId="{113E2DE7-F55F-A846-9896-0CB9017FA973}"/>
+    <dgm:cxn modelId="{B9F29507-66A0-514C-BD4A-7594AB04E8F8}" srcId="{EC4C91FD-5A04-D54C-8CAF-775A5DA918AF}" destId="{1F6B7065-43F8-D543-89C9-B4D95209DD97}" srcOrd="0" destOrd="0" parTransId="{6A163497-E9AC-AD43-9D90-90383A07A09F}" sibTransId="{BFFBE021-0D07-E143-9D51-3200FE75EC67}"/>
+    <dgm:cxn modelId="{BF3F4C35-68E7-D64B-BC1A-8C6B6E83F40A}" type="presOf" srcId="{AFBC49D1-885A-8A4C-8D08-090736051A13}" destId="{575BCAA7-B0BA-7445-8920-72976032322C}" srcOrd="0" destOrd="0" presId="urn:microsoft.com/office/officeart/2008/layout/RadialCluster"/>
+    <dgm:cxn modelId="{9368C27C-B0AF-534D-8383-EBBFA4D43D03}" srcId="{E7BFA685-6A56-1747-8762-BB65F784FEDC}" destId="{9C09DAE7-4EA8-ED43-B0AC-F4C8610A8A1E}" srcOrd="0" destOrd="0" parTransId="{7D7A15F9-425B-5649-8AC4-CA6BCC3D3CEF}" sibTransId="{4BEE998A-8F08-8B47-966E-D2FBB32A3737}"/>
+    <dgm:cxn modelId="{B7A8C182-9AF6-854A-9C4A-254D2DC93A73}" type="presOf" srcId="{362B21AA-AB8D-3E44-95E1-CFED4FED180F}" destId="{9ED0B837-A7BC-AD4D-A978-27CC5484E2DF}" srcOrd="0" destOrd="0" presId="urn:microsoft.com/office/officeart/2008/layout/RadialCluster"/>
+    <dgm:cxn modelId="{CC74FE2A-ACF2-E548-998A-F6E758C705D3}" type="presOf" srcId="{7D7A15F9-425B-5649-8AC4-CA6BCC3D3CEF}" destId="{9BDA7D2F-5F0A-FE48-8970-12AF8E701DD5}" srcOrd="0" destOrd="0" presId="urn:microsoft.com/office/officeart/2008/layout/RadialCluster"/>
+    <dgm:cxn modelId="{0015FF58-09C8-D444-9265-B1510AA0B335}" srcId="{8C1AA20E-21E2-724B-90B2-DE5FA02F9B7C}" destId="{E7BFA685-6A56-1747-8762-BB65F784FEDC}" srcOrd="0" destOrd="0" parTransId="{FA980317-4472-5A4E-BBCF-A466B48FF529}" sibTransId="{2973B765-A828-1946-9EEC-6EC2DDA2E8ED}"/>
+    <dgm:cxn modelId="{47662125-1DA4-2648-A58F-CB2247443533}" type="presOf" srcId="{4EDF8BFB-9417-5547-BD9D-8186085B91BA}" destId="{97A66DFC-52A2-3949-96A7-40B912F8A965}" srcOrd="0" destOrd="0" presId="urn:microsoft.com/office/officeart/2008/layout/RadialCluster"/>
+    <dgm:cxn modelId="{F75D499F-0240-BA41-8E9E-21929034EF29}" srcId="{E7BFA685-6A56-1747-8762-BB65F784FEDC}" destId="{EC4C91FD-5A04-D54C-8CAF-775A5DA918AF}" srcOrd="1" destOrd="0" parTransId="{761C5B45-9707-E84E-BB66-9FB99B744B55}" sibTransId="{E2B480E4-0E9C-5B43-B8F3-DA0D97D18FC9}"/>
+    <dgm:cxn modelId="{AB9A1D80-4CC7-DD49-96A3-8925B214779A}" srcId="{EC4C91FD-5A04-D54C-8CAF-775A5DA918AF}" destId="{4EDF8BFB-9417-5547-BD9D-8186085B91BA}" srcOrd="3" destOrd="0" parTransId="{BFE54243-36B7-FB42-8E79-94FE71FF21FF}" sibTransId="{051EC3DF-817E-334D-814C-78C4A1D8C2CA}"/>
+    <dgm:cxn modelId="{2AFC311F-312A-3A4C-B52B-09539FB8325D}" type="presOf" srcId="{1F6B7065-43F8-D543-89C9-B4D95209DD97}" destId="{9A5A83C2-8339-5243-845D-A6C2329DE46C}" srcOrd="0" destOrd="0" presId="urn:microsoft.com/office/officeart/2008/layout/RadialCluster"/>
+    <dgm:cxn modelId="{8F290B77-D526-C04E-9AAC-39E878371EDF}" type="presOf" srcId="{BFE54243-36B7-FB42-8E79-94FE71FF21FF}" destId="{DA97C1B7-7BB5-3E41-8203-995325924572}" srcOrd="0" destOrd="0" presId="urn:microsoft.com/office/officeart/2008/layout/RadialCluster"/>
+    <dgm:cxn modelId="{C12FB0E1-5B48-AA4A-B76F-B242D7BCDF54}" type="presOf" srcId="{B3A8F0DE-549D-9D4E-B979-A3809A05E768}" destId="{8F04BA1E-AF31-FA47-AEF1-60FA3000BC13}" srcOrd="0" destOrd="0" presId="urn:microsoft.com/office/officeart/2008/layout/RadialCluster"/>
+    <dgm:cxn modelId="{225252DD-B87A-654A-94DE-8F01AF53FB3F}" srcId="{9C09DAE7-4EA8-ED43-B0AC-F4C8610A8A1E}" destId="{87B3A149-598F-6B45-B597-5D7E1A1BA00D}" srcOrd="1" destOrd="0" parTransId="{96F43CB1-5E5E-0A4A-972A-A2814DED6BDD}" sibTransId="{8B22C8DC-B2B0-DD4F-BDF9-53A863208532}"/>
+    <dgm:cxn modelId="{A2491B93-56A0-454F-811D-7E9DA1875822}" type="presOf" srcId="{D01FEC74-6A83-DD4E-9DD2-F7D9C1D8F5E1}" destId="{9557C560-6C02-3841-967A-F10A66C9BAD3}" srcOrd="0" destOrd="0" presId="urn:microsoft.com/office/officeart/2008/layout/RadialCluster"/>
+    <dgm:cxn modelId="{F3A4F824-9718-3F4E-9442-293667B7FBB6}" srcId="{EC4C91FD-5A04-D54C-8CAF-775A5DA918AF}" destId="{93AC805A-4854-6847-8A92-A6E25FE06FCE}" srcOrd="2" destOrd="0" parTransId="{362B21AA-AB8D-3E44-95E1-CFED4FED180F}" sibTransId="{756A55CA-8604-6749-A905-886EFBCC9571}"/>
+    <dgm:cxn modelId="{98D4A0B2-E633-124A-A310-7915B3D2E97D}" type="presOf" srcId="{96F43CB1-5E5E-0A4A-972A-A2814DED6BDD}" destId="{95FAD1DB-CA59-6C48-B45C-CE224C27F2D6}" srcOrd="0" destOrd="0" presId="urn:microsoft.com/office/officeart/2008/layout/RadialCluster"/>
+    <dgm:cxn modelId="{97644742-A38F-FB4D-BA64-9191D177C6B9}" type="presOf" srcId="{761C5B45-9707-E84E-BB66-9FB99B744B55}" destId="{8A1D0DE4-E202-934D-89C2-F9028F6090CD}" srcOrd="0" destOrd="0" presId="urn:microsoft.com/office/officeart/2008/layout/RadialCluster"/>
+    <dgm:cxn modelId="{BB3CBD38-E9D6-5F44-A2A7-3ACEB5AE903E}" type="presOf" srcId="{6A163497-E9AC-AD43-9D90-90383A07A09F}" destId="{56932D2F-71A2-7B4D-AF70-A477B1B87E3C}" srcOrd="0" destOrd="0" presId="urn:microsoft.com/office/officeart/2008/layout/RadialCluster"/>
+    <dgm:cxn modelId="{C9CC939D-F9D5-074A-8389-DFCEEB25A4F7}" type="presOf" srcId="{92106302-18B4-7149-ACA7-AD8FCDE7CD4B}" destId="{E53C7DBD-C183-0B4B-9F68-E09203C858EE}" srcOrd="0" destOrd="0" presId="urn:microsoft.com/office/officeart/2008/layout/RadialCluster"/>
     <dgm:cxn modelId="{69C5344C-0A89-A348-A6B5-FDBF8DC7E080}" srcId="{EC4C91FD-5A04-D54C-8CAF-775A5DA918AF}" destId="{D01FEC74-6A83-DD4E-9DD2-F7D9C1D8F5E1}" srcOrd="4" destOrd="0" parTransId="{D6233FAB-7906-774B-8C3C-67BBBA584C3C}" sibTransId="{77021E1D-908F-4E4D-802C-86430392E387}"/>
-    <dgm:cxn modelId="{CC74FE2A-ACF2-E548-998A-F6E758C705D3}" type="presOf" srcId="{7D7A15F9-425B-5649-8AC4-CA6BCC3D3CEF}" destId="{9BDA7D2F-5F0A-FE48-8970-12AF8E701DD5}" srcOrd="0" destOrd="0" presId="urn:microsoft.com/office/officeart/2008/layout/RadialCluster"/>
-    <dgm:cxn modelId="{47662125-1DA4-2648-A58F-CB2247443533}" type="presOf" srcId="{4EDF8BFB-9417-5547-BD9D-8186085B91BA}" destId="{97A66DFC-52A2-3949-96A7-40B912F8A965}" srcOrd="0" destOrd="0" presId="urn:microsoft.com/office/officeart/2008/layout/RadialCluster"/>
-    <dgm:cxn modelId="{C12FB0E1-5B48-AA4A-B76F-B242D7BCDF54}" type="presOf" srcId="{B3A8F0DE-549D-9D4E-B979-A3809A05E768}" destId="{8F04BA1E-AF31-FA47-AEF1-60FA3000BC13}" srcOrd="0" destOrd="0" presId="urn:microsoft.com/office/officeart/2008/layout/RadialCluster"/>
-    <dgm:cxn modelId="{B7A8C182-9AF6-854A-9C4A-254D2DC93A73}" type="presOf" srcId="{362B21AA-AB8D-3E44-95E1-CFED4FED180F}" destId="{9ED0B837-A7BC-AD4D-A978-27CC5484E2DF}" srcOrd="0" destOrd="0" presId="urn:microsoft.com/office/officeart/2008/layout/RadialCluster"/>
-    <dgm:cxn modelId="{98D4A0B2-E633-124A-A310-7915B3D2E97D}" type="presOf" srcId="{96F43CB1-5E5E-0A4A-972A-A2814DED6BDD}" destId="{95FAD1DB-CA59-6C48-B45C-CE224C27F2D6}" srcOrd="0" destOrd="0" presId="urn:microsoft.com/office/officeart/2008/layout/RadialCluster"/>
-    <dgm:cxn modelId="{F75D499F-0240-BA41-8E9E-21929034EF29}" srcId="{E7BFA685-6A56-1747-8762-BB65F784FEDC}" destId="{EC4C91FD-5A04-D54C-8CAF-775A5DA918AF}" srcOrd="1" destOrd="0" parTransId="{761C5B45-9707-E84E-BB66-9FB99B744B55}" sibTransId="{E2B480E4-0E9C-5B43-B8F3-DA0D97D18FC9}"/>
-    <dgm:cxn modelId="{F3A4F824-9718-3F4E-9442-293667B7FBB6}" srcId="{EC4C91FD-5A04-D54C-8CAF-775A5DA918AF}" destId="{93AC805A-4854-6847-8A92-A6E25FE06FCE}" srcOrd="2" destOrd="0" parTransId="{362B21AA-AB8D-3E44-95E1-CFED4FED180F}" sibTransId="{756A55CA-8604-6749-A905-886EFBCC9571}"/>
+    <dgm:cxn modelId="{035F20B7-788E-664B-94C5-94CD7C591C60}" type="presOf" srcId="{E7BFA685-6A56-1747-8762-BB65F784FEDC}" destId="{7379E456-43C9-BB4E-8370-A5BCA370F176}" srcOrd="0" destOrd="0" presId="urn:microsoft.com/office/officeart/2008/layout/RadialCluster"/>
     <dgm:cxn modelId="{4F3904F5-83DD-7048-B278-C34AF2D1EF7C}" type="presOf" srcId="{D6233FAB-7906-774B-8C3C-67BBBA584C3C}" destId="{511C30A0-DBE2-BD46-BF11-60088812213F}" srcOrd="0" destOrd="0" presId="urn:microsoft.com/office/officeart/2008/layout/RadialCluster"/>
     <dgm:cxn modelId="{1B3DC2CE-9CCB-D94C-8A8B-5E2A13CA7748}" type="presOf" srcId="{87B3A149-598F-6B45-B597-5D7E1A1BA00D}" destId="{47BE3FAF-8956-5240-B78F-3EB64D304857}" srcOrd="0" destOrd="0" presId="urn:microsoft.com/office/officeart/2008/layout/RadialCluster"/>
-    <dgm:cxn modelId="{F456639C-6AD5-1549-A97D-98AF8E4C2041}" srcId="{9C09DAE7-4EA8-ED43-B0AC-F4C8610A8A1E}" destId="{92106302-18B4-7149-ACA7-AD8FCDE7CD4B}" srcOrd="0" destOrd="0" parTransId="{AFBC49D1-885A-8A4C-8D08-090736051A13}" sibTransId="{113E2DE7-F55F-A846-9896-0CB9017FA973}"/>
+    <dgm:cxn modelId="{CCFD137E-BFEC-A14C-B999-6BE14DEB085E}" type="presOf" srcId="{8C1AA20E-21E2-724B-90B2-DE5FA02F9B7C}" destId="{5047AFBA-64E7-F246-9C45-C6DB37C77F9F}" srcOrd="0" destOrd="0" presId="urn:microsoft.com/office/officeart/2008/layout/RadialCluster"/>
+    <dgm:cxn modelId="{30F8C3AD-4801-D949-AF47-0C98BDDE9354}" type="presOf" srcId="{75124C14-C6F7-654D-97CE-90B1B88A9E5F}" destId="{A2BC737A-F4BD-794C-8F92-3A0E2805AC7F}" srcOrd="0" destOrd="0" presId="urn:microsoft.com/office/officeart/2008/layout/RadialCluster"/>
+    <dgm:cxn modelId="{4478F189-DB29-CF4F-BA19-2C72E7EA485F}" type="presOf" srcId="{93AC805A-4854-6847-8A92-A6E25FE06FCE}" destId="{993706C4-BA98-7545-8DC1-25B628AAA2D7}" srcOrd="0" destOrd="0" presId="urn:microsoft.com/office/officeart/2008/layout/RadialCluster"/>
     <dgm:cxn modelId="{13799532-5D85-AA42-AC64-ADC9FD442120}" type="presOf" srcId="{9C09DAE7-4EA8-ED43-B0AC-F4C8610A8A1E}" destId="{B847BC99-AE4E-7749-B2AB-AB7FAA49B089}" srcOrd="0" destOrd="0" presId="urn:microsoft.com/office/officeart/2008/layout/RadialCluster"/>
-    <dgm:cxn modelId="{97644742-A38F-FB4D-BA64-9191D177C6B9}" type="presOf" srcId="{761C5B45-9707-E84E-BB66-9FB99B744B55}" destId="{8A1D0DE4-E202-934D-89C2-F9028F6090CD}" srcOrd="0" destOrd="0" presId="urn:microsoft.com/office/officeart/2008/layout/RadialCluster"/>
-    <dgm:cxn modelId="{30F8C3AD-4801-D949-AF47-0C98BDDE9354}" type="presOf" srcId="{75124C14-C6F7-654D-97CE-90B1B88A9E5F}" destId="{A2BC737A-F4BD-794C-8F92-3A0E2805AC7F}" srcOrd="0" destOrd="0" presId="urn:microsoft.com/office/officeart/2008/layout/RadialCluster"/>
-    <dgm:cxn modelId="{CCFD137E-BFEC-A14C-B999-6BE14DEB085E}" type="presOf" srcId="{8C1AA20E-21E2-724B-90B2-DE5FA02F9B7C}" destId="{5047AFBA-64E7-F246-9C45-C6DB37C77F9F}" srcOrd="0" destOrd="0" presId="urn:microsoft.com/office/officeart/2008/layout/RadialCluster"/>
-    <dgm:cxn modelId="{035F20B7-788E-664B-94C5-94CD7C591C60}" type="presOf" srcId="{E7BFA685-6A56-1747-8762-BB65F784FEDC}" destId="{7379E456-43C9-BB4E-8370-A5BCA370F176}" srcOrd="0" destOrd="0" presId="urn:microsoft.com/office/officeart/2008/layout/RadialCluster"/>
-    <dgm:cxn modelId="{BF3F4C35-68E7-D64B-BC1A-8C6B6E83F40A}" type="presOf" srcId="{AFBC49D1-885A-8A4C-8D08-090736051A13}" destId="{575BCAA7-B0BA-7445-8920-72976032322C}" srcOrd="0" destOrd="0" presId="urn:microsoft.com/office/officeart/2008/layout/RadialCluster"/>
-    <dgm:cxn modelId="{B9F29507-66A0-514C-BD4A-7594AB04E8F8}" srcId="{EC4C91FD-5A04-D54C-8CAF-775A5DA918AF}" destId="{1F6B7065-43F8-D543-89C9-B4D95209DD97}" srcOrd="0" destOrd="0" parTransId="{6A163497-E9AC-AD43-9D90-90383A07A09F}" sibTransId="{BFFBE021-0D07-E143-9D51-3200FE75EC67}"/>
-    <dgm:cxn modelId="{8F290B77-D526-C04E-9AAC-39E878371EDF}" type="presOf" srcId="{BFE54243-36B7-FB42-8E79-94FE71FF21FF}" destId="{DA97C1B7-7BB5-3E41-8203-995325924572}" srcOrd="0" destOrd="0" presId="urn:microsoft.com/office/officeart/2008/layout/RadialCluster"/>
-    <dgm:cxn modelId="{225252DD-B87A-654A-94DE-8F01AF53FB3F}" srcId="{9C09DAE7-4EA8-ED43-B0AC-F4C8610A8A1E}" destId="{87B3A149-598F-6B45-B597-5D7E1A1BA00D}" srcOrd="1" destOrd="0" parTransId="{96F43CB1-5E5E-0A4A-972A-A2814DED6BDD}" sibTransId="{8B22C8DC-B2B0-DD4F-BDF9-53A863208532}"/>
-    <dgm:cxn modelId="{0015FF58-09C8-D444-9265-B1510AA0B335}" srcId="{8C1AA20E-21E2-724B-90B2-DE5FA02F9B7C}" destId="{E7BFA685-6A56-1747-8762-BB65F784FEDC}" srcOrd="0" destOrd="0" parTransId="{FA980317-4472-5A4E-BBCF-A466B48FF529}" sibTransId="{2973B765-A828-1946-9EEC-6EC2DDA2E8ED}"/>
-    <dgm:cxn modelId="{4478F189-DB29-CF4F-BA19-2C72E7EA485F}" type="presOf" srcId="{93AC805A-4854-6847-8A92-A6E25FE06FCE}" destId="{993706C4-BA98-7545-8DC1-25B628AAA2D7}" srcOrd="0" destOrd="0" presId="urn:microsoft.com/office/officeart/2008/layout/RadialCluster"/>
+    <dgm:cxn modelId="{B7A44792-4940-2B47-97CF-D4302DEBC986}" srcId="{EC4C91FD-5A04-D54C-8CAF-775A5DA918AF}" destId="{B3A8F0DE-549D-9D4E-B979-A3809A05E768}" srcOrd="1" destOrd="0" parTransId="{75124C14-C6F7-654D-97CE-90B1B88A9E5F}" sibTransId="{70165E02-5AF7-6949-88F3-C9BD4C8B8A57}"/>
     <dgm:cxn modelId="{AAE1C9D3-CDCB-3A4F-B16F-4D15912C1CA3}" type="presOf" srcId="{EC4C91FD-5A04-D54C-8CAF-775A5DA918AF}" destId="{CD66C230-DF88-A049-9498-22A12FA2B874}" srcOrd="0" destOrd="0" presId="urn:microsoft.com/office/officeart/2008/layout/RadialCluster"/>
-    <dgm:cxn modelId="{C9CC939D-F9D5-074A-8389-DFCEEB25A4F7}" type="presOf" srcId="{92106302-18B4-7149-ACA7-AD8FCDE7CD4B}" destId="{E53C7DBD-C183-0B4B-9F68-E09203C858EE}" srcOrd="0" destOrd="0" presId="urn:microsoft.com/office/officeart/2008/layout/RadialCluster"/>
-    <dgm:cxn modelId="{2AFC311F-312A-3A4C-B52B-09539FB8325D}" type="presOf" srcId="{1F6B7065-43F8-D543-89C9-B4D95209DD97}" destId="{9A5A83C2-8339-5243-845D-A6C2329DE46C}" srcOrd="0" destOrd="0" presId="urn:microsoft.com/office/officeart/2008/layout/RadialCluster"/>
-    <dgm:cxn modelId="{AB9A1D80-4CC7-DD49-96A3-8925B214779A}" srcId="{EC4C91FD-5A04-D54C-8CAF-775A5DA918AF}" destId="{4EDF8BFB-9417-5547-BD9D-8186085B91BA}" srcOrd="3" destOrd="0" parTransId="{BFE54243-36B7-FB42-8E79-94FE71FF21FF}" sibTransId="{051EC3DF-817E-334D-814C-78C4A1D8C2CA}"/>
-    <dgm:cxn modelId="{9368C27C-B0AF-534D-8383-EBBFA4D43D03}" srcId="{E7BFA685-6A56-1747-8762-BB65F784FEDC}" destId="{9C09DAE7-4EA8-ED43-B0AC-F4C8610A8A1E}" srcOrd="0" destOrd="0" parTransId="{7D7A15F9-425B-5649-8AC4-CA6BCC3D3CEF}" sibTransId="{4BEE998A-8F08-8B47-966E-D2FBB32A3737}"/>
-    <dgm:cxn modelId="{A2491B93-56A0-454F-811D-7E9DA1875822}" type="presOf" srcId="{D01FEC74-6A83-DD4E-9DD2-F7D9C1D8F5E1}" destId="{9557C560-6C02-3841-967A-F10A66C9BAD3}" srcOrd="0" destOrd="0" presId="urn:microsoft.com/office/officeart/2008/layout/RadialCluster"/>
-    <dgm:cxn modelId="{BB3CBD38-E9D6-5F44-A2A7-3ACEB5AE903E}" type="presOf" srcId="{6A163497-E9AC-AD43-9D90-90383A07A09F}" destId="{56932D2F-71A2-7B4D-AF70-A477B1B87E3C}" srcOrd="0" destOrd="0" presId="urn:microsoft.com/office/officeart/2008/layout/RadialCluster"/>
     <dgm:cxn modelId="{CC457998-F767-1348-8D75-699DFD89DA43}" type="presParOf" srcId="{5047AFBA-64E7-F246-9C45-C6DB37C77F9F}" destId="{7379E456-43C9-BB4E-8370-A5BCA370F176}" srcOrd="0" destOrd="0" presId="urn:microsoft.com/office/officeart/2008/layout/RadialCluster"/>
     <dgm:cxn modelId="{298CC077-C511-EA47-8C76-EA2527BCF351}" type="presParOf" srcId="{5047AFBA-64E7-F246-9C45-C6DB37C77F9F}" destId="{CEAC4506-47A3-C943-8BF5-17EEC7A931FE}" srcOrd="1" destOrd="0" presId="urn:microsoft.com/office/officeart/2008/layout/RadialCluster"/>
     <dgm:cxn modelId="{9C1BD8E3-2BDD-404F-88F0-4692BCD0F449}" type="presParOf" srcId="{CEAC4506-47A3-C943-8BF5-17EEC7A931FE}" destId="{B847BC99-AE4E-7749-B2AB-AB7FAA49B089}" srcOrd="0" destOrd="0" presId="urn:microsoft.com/office/officeart/2008/layout/RadialCluster"/>
@@ -5963,7 +6456,7 @@
   <dgm:whole/>
   <dgm:extLst>
     <a:ext uri="http://schemas.microsoft.com/office/drawing/2008/diagram">
-      <dsp:dataModelExt xmlns:dsp="http://schemas.microsoft.com/office/drawing/2008/diagram" relId="rId6" minVer="http://schemas.openxmlformats.org/drawingml/2006/diagram"/>
+      <dsp:dataModelExt xmlns:dsp="http://schemas.microsoft.com/office/drawing/2008/diagram" xmlns="" relId="rId6" minVer="http://schemas.openxmlformats.org/drawingml/2006/diagram"/>
     </a:ext>
   </dgm:extLst>
 </dgm:dataModel>
@@ -6327,6 +6820,13 @@
         </dgm:presLayoutVars>
       </dgm:prSet>
       <dgm:spPr/>
+      <dgm:t>
+        <a:bodyPr/>
+        <a:lstStyle/>
+        <a:p>
+          <a:endParaRPr lang="en-US"/>
+        </a:p>
+      </dgm:t>
     </dgm:pt>
     <dgm:pt modelId="{7379E456-43C9-BB4E-8370-A5BCA370F176}" type="pres">
       <dgm:prSet presAssocID="{E7BFA685-6A56-1747-8762-BB65F784FEDC}" presName="textCenter" presStyleLbl="node1" presStyleIdx="0" presStyleCnt="9"/>
@@ -6346,10 +6846,24 @@
     <dgm:pt modelId="{B847BC99-AE4E-7749-B2AB-AB7FAA49B089}" type="pres">
       <dgm:prSet presAssocID="{9C09DAE7-4EA8-ED43-B0AC-F4C8610A8A1E}" presName="childCenter1" presStyleLbl="node1" presStyleIdx="1" presStyleCnt="9"/>
       <dgm:spPr/>
+      <dgm:t>
+        <a:bodyPr/>
+        <a:lstStyle/>
+        <a:p>
+          <a:endParaRPr lang="en-US"/>
+        </a:p>
+      </dgm:t>
     </dgm:pt>
     <dgm:pt modelId="{9E1C4DA4-ABD0-1247-8BC0-9B57CDABCAEF}" type="pres">
       <dgm:prSet presAssocID="{412195C9-F07B-5047-BD50-5CC2F1875F3F}" presName="Name141" presStyleLbl="parChTrans1D3" presStyleIdx="0" presStyleCnt="6"/>
       <dgm:spPr/>
+      <dgm:t>
+        <a:bodyPr/>
+        <a:lstStyle/>
+        <a:p>
+          <a:endParaRPr lang="en-US"/>
+        </a:p>
+      </dgm:t>
     </dgm:pt>
     <dgm:pt modelId="{0C49B9AC-760B-E648-8DB7-1B3F63D24262}" type="pres">
       <dgm:prSet presAssocID="{183623C9-40E7-D046-AA5B-468FA74885E5}" presName="text1" presStyleLbl="node1" presStyleIdx="2" presStyleCnt="9">
@@ -6369,6 +6883,13 @@
     <dgm:pt modelId="{980C8691-F44E-2846-A8C9-036702478205}" type="pres">
       <dgm:prSet presAssocID="{BB26AD3C-76A5-7D4A-BA2E-BAA722CE162A}" presName="Name141" presStyleLbl="parChTrans1D3" presStyleIdx="1" presStyleCnt="6"/>
       <dgm:spPr/>
+      <dgm:t>
+        <a:bodyPr/>
+        <a:lstStyle/>
+        <a:p>
+          <a:endParaRPr lang="en-US"/>
+        </a:p>
+      </dgm:t>
     </dgm:pt>
     <dgm:pt modelId="{1A8327F5-EF3E-B94E-89C4-23B13DB4B146}" type="pres">
       <dgm:prSet presAssocID="{0EEB0A87-5B1E-634E-BAAB-D70606D48125}" presName="text1" presStyleLbl="node1" presStyleIdx="3" presStyleCnt="9">
@@ -6388,6 +6909,13 @@
     <dgm:pt modelId="{9BDA7D2F-5F0A-FE48-8970-12AF8E701DD5}" type="pres">
       <dgm:prSet presAssocID="{7D7A15F9-425B-5649-8AC4-CA6BCC3D3CEF}" presName="Name144" presStyleLbl="parChTrans1D2" presStyleIdx="0" presStyleCnt="2"/>
       <dgm:spPr/>
+      <dgm:t>
+        <a:bodyPr/>
+        <a:lstStyle/>
+        <a:p>
+          <a:endParaRPr lang="en-US"/>
+        </a:p>
+      </dgm:t>
     </dgm:pt>
     <dgm:pt modelId="{2AC6C86D-8AC6-264E-B2E1-A3A07E79D2BC}" type="pres">
       <dgm:prSet presAssocID="{E7BFA685-6A56-1747-8762-BB65F784FEDC}" presName="cycle_2" presStyleCnt="0"/>
@@ -6396,10 +6924,24 @@
     <dgm:pt modelId="{CD66C230-DF88-A049-9498-22A12FA2B874}" type="pres">
       <dgm:prSet presAssocID="{EC4C91FD-5A04-D54C-8CAF-775A5DA918AF}" presName="childCenter2" presStyleLbl="node1" presStyleIdx="4" presStyleCnt="9"/>
       <dgm:spPr/>
+      <dgm:t>
+        <a:bodyPr/>
+        <a:lstStyle/>
+        <a:p>
+          <a:endParaRPr lang="en-US"/>
+        </a:p>
+      </dgm:t>
     </dgm:pt>
     <dgm:pt modelId="{56932D2F-71A2-7B4D-AF70-A477B1B87E3C}" type="pres">
       <dgm:prSet presAssocID="{6A163497-E9AC-AD43-9D90-90383A07A09F}" presName="Name218" presStyleLbl="parChTrans1D3" presStyleIdx="2" presStyleCnt="6"/>
       <dgm:spPr/>
+      <dgm:t>
+        <a:bodyPr/>
+        <a:lstStyle/>
+        <a:p>
+          <a:endParaRPr lang="en-US"/>
+        </a:p>
+      </dgm:t>
     </dgm:pt>
     <dgm:pt modelId="{9A5A83C2-8339-5243-845D-A6C2329DE46C}" type="pres">
       <dgm:prSet presAssocID="{1F6B7065-43F8-D543-89C9-B4D95209DD97}" presName="text2" presStyleLbl="node1" presStyleIdx="5" presStyleCnt="9">
@@ -6419,6 +6961,13 @@
     <dgm:pt modelId="{A2BC737A-F4BD-794C-8F92-3A0E2805AC7F}" type="pres">
       <dgm:prSet presAssocID="{75124C14-C6F7-654D-97CE-90B1B88A9E5F}" presName="Name218" presStyleLbl="parChTrans1D3" presStyleIdx="3" presStyleCnt="6"/>
       <dgm:spPr/>
+      <dgm:t>
+        <a:bodyPr/>
+        <a:lstStyle/>
+        <a:p>
+          <a:endParaRPr lang="en-US"/>
+        </a:p>
+      </dgm:t>
     </dgm:pt>
     <dgm:pt modelId="{8F04BA1E-AF31-FA47-AEF1-60FA3000BC13}" type="pres">
       <dgm:prSet presAssocID="{B3A8F0DE-549D-9D4E-B979-A3809A05E768}" presName="text2" presStyleLbl="node1" presStyleIdx="6" presStyleCnt="9">
@@ -6438,6 +6987,13 @@
     <dgm:pt modelId="{AFDFFBB3-243A-134F-9368-49A6B5911970}" type="pres">
       <dgm:prSet presAssocID="{97E67228-0C6E-C347-808C-9B20717296F2}" presName="Name218" presStyleLbl="parChTrans1D3" presStyleIdx="4" presStyleCnt="6"/>
       <dgm:spPr/>
+      <dgm:t>
+        <a:bodyPr/>
+        <a:lstStyle/>
+        <a:p>
+          <a:endParaRPr lang="en-US"/>
+        </a:p>
+      </dgm:t>
     </dgm:pt>
     <dgm:pt modelId="{1EBCE7F0-7D0C-C14E-B14B-EB3546361D3C}" type="pres">
       <dgm:prSet presAssocID="{3B8B253C-4020-FD4E-8FF5-06585131D401}" presName="text2" presStyleLbl="node1" presStyleIdx="7" presStyleCnt="9">
@@ -6446,10 +7002,24 @@
         </dgm:presLayoutVars>
       </dgm:prSet>
       <dgm:spPr/>
+      <dgm:t>
+        <a:bodyPr/>
+        <a:lstStyle/>
+        <a:p>
+          <a:endParaRPr lang="en-US"/>
+        </a:p>
+      </dgm:t>
     </dgm:pt>
     <dgm:pt modelId="{2221CDD3-D6E7-D94A-9443-4E52FE7F6658}" type="pres">
       <dgm:prSet presAssocID="{8F9D82EF-65A6-EF4B-8963-4A6A229DD81D}" presName="Name218" presStyleLbl="parChTrans1D3" presStyleIdx="5" presStyleCnt="6"/>
       <dgm:spPr/>
+      <dgm:t>
+        <a:bodyPr/>
+        <a:lstStyle/>
+        <a:p>
+          <a:endParaRPr lang="en-US"/>
+        </a:p>
+      </dgm:t>
     </dgm:pt>
     <dgm:pt modelId="{703B36F9-3C3F-4440-9752-8EC2321DE3AE}" type="pres">
       <dgm:prSet presAssocID="{9F5661AB-410E-354B-8DDE-1DC5F82D6B37}" presName="text2" presStyleLbl="node1" presStyleIdx="8" presStyleCnt="9">
@@ -6458,40 +7028,54 @@
         </dgm:presLayoutVars>
       </dgm:prSet>
       <dgm:spPr/>
+      <dgm:t>
+        <a:bodyPr/>
+        <a:lstStyle/>
+        <a:p>
+          <a:endParaRPr lang="en-US"/>
+        </a:p>
+      </dgm:t>
     </dgm:pt>
     <dgm:pt modelId="{8A1D0DE4-E202-934D-89C2-F9028F6090CD}" type="pres">
       <dgm:prSet presAssocID="{761C5B45-9707-E84E-BB66-9FB99B744B55}" presName="Name221" presStyleLbl="parChTrans1D2" presStyleIdx="1" presStyleCnt="2"/>
       <dgm:spPr/>
+      <dgm:t>
+        <a:bodyPr/>
+        <a:lstStyle/>
+        <a:p>
+          <a:endParaRPr lang="en-US"/>
+        </a:p>
+      </dgm:t>
     </dgm:pt>
   </dgm:ptLst>
   <dgm:cxnLst>
+    <dgm:cxn modelId="{B9F29507-66A0-514C-BD4A-7594AB04E8F8}" srcId="{EC4C91FD-5A04-D54C-8CAF-775A5DA918AF}" destId="{1F6B7065-43F8-D543-89C9-B4D95209DD97}" srcOrd="0" destOrd="0" parTransId="{6A163497-E9AC-AD43-9D90-90383A07A09F}" sibTransId="{BFFBE021-0D07-E143-9D51-3200FE75EC67}"/>
+    <dgm:cxn modelId="{16A9A813-6AAD-134E-8CDE-AEAE6F7F30A7}" type="presOf" srcId="{9F5661AB-410E-354B-8DDE-1DC5F82D6B37}" destId="{703B36F9-3C3F-4440-9752-8EC2321DE3AE}" srcOrd="0" destOrd="0" presId="urn:microsoft.com/office/officeart/2008/layout/RadialCluster"/>
+    <dgm:cxn modelId="{02E898CF-4068-0342-AE33-023CF3C24AE7}" type="presOf" srcId="{E7BFA685-6A56-1747-8762-BB65F784FEDC}" destId="{7379E456-43C9-BB4E-8370-A5BCA370F176}" srcOrd="0" destOrd="0" presId="urn:microsoft.com/office/officeart/2008/layout/RadialCluster"/>
+    <dgm:cxn modelId="{B38BFF08-48FE-2B46-ADBF-3C2EE02F73F2}" type="presOf" srcId="{97E67228-0C6E-C347-808C-9B20717296F2}" destId="{AFDFFBB3-243A-134F-9368-49A6B5911970}" srcOrd="0" destOrd="0" presId="urn:microsoft.com/office/officeart/2008/layout/RadialCluster"/>
+    <dgm:cxn modelId="{01838D25-60CB-8B44-88D8-6BBEAB3B0BE6}" type="presOf" srcId="{412195C9-F07B-5047-BD50-5CC2F1875F3F}" destId="{9E1C4DA4-ABD0-1247-8BC0-9B57CDABCAEF}" srcOrd="0" destOrd="0" presId="urn:microsoft.com/office/officeart/2008/layout/RadialCluster"/>
+    <dgm:cxn modelId="{BFB6339D-2986-BC4A-AA7D-B6B556E49240}" srcId="{EC4C91FD-5A04-D54C-8CAF-775A5DA918AF}" destId="{9F5661AB-410E-354B-8DDE-1DC5F82D6B37}" srcOrd="3" destOrd="0" parTransId="{8F9D82EF-65A6-EF4B-8963-4A6A229DD81D}" sibTransId="{056166F9-9E4A-E24E-8938-69CF8B2D07DF}"/>
+    <dgm:cxn modelId="{9368C27C-B0AF-534D-8383-EBBFA4D43D03}" srcId="{E7BFA685-6A56-1747-8762-BB65F784FEDC}" destId="{9C09DAE7-4EA8-ED43-B0AC-F4C8610A8A1E}" srcOrd="0" destOrd="0" parTransId="{7D7A15F9-425B-5649-8AC4-CA6BCC3D3CEF}" sibTransId="{4BEE998A-8F08-8B47-966E-D2FBB32A3737}"/>
+    <dgm:cxn modelId="{1ED631AC-2E04-964B-8F74-CCB3DB3EDABD}" srcId="{9C09DAE7-4EA8-ED43-B0AC-F4C8610A8A1E}" destId="{183623C9-40E7-D046-AA5B-468FA74885E5}" srcOrd="0" destOrd="0" parTransId="{412195C9-F07B-5047-BD50-5CC2F1875F3F}" sibTransId="{03A39BBD-90DE-874B-BB88-809AFD75E350}"/>
+    <dgm:cxn modelId="{8D7795C1-CBBB-1045-8161-1FF7159B2031}" type="presOf" srcId="{75124C14-C6F7-654D-97CE-90B1B88A9E5F}" destId="{A2BC737A-F4BD-794C-8F92-3A0E2805AC7F}" srcOrd="0" destOrd="0" presId="urn:microsoft.com/office/officeart/2008/layout/RadialCluster"/>
+    <dgm:cxn modelId="{A9D5FC92-F3B9-0943-A7BC-224CFCCF2A0C}" type="presOf" srcId="{761C5B45-9707-E84E-BB66-9FB99B744B55}" destId="{8A1D0DE4-E202-934D-89C2-F9028F6090CD}" srcOrd="0" destOrd="0" presId="urn:microsoft.com/office/officeart/2008/layout/RadialCluster"/>
+    <dgm:cxn modelId="{EEFB0FFB-F321-F644-B204-4DF97F4439EA}" type="presOf" srcId="{8F9D82EF-65A6-EF4B-8963-4A6A229DD81D}" destId="{2221CDD3-D6E7-D94A-9443-4E52FE7F6658}" srcOrd="0" destOrd="0" presId="urn:microsoft.com/office/officeart/2008/layout/RadialCluster"/>
+    <dgm:cxn modelId="{A9406021-273A-3046-B59E-52B94A75CDBB}" type="presOf" srcId="{8C1AA20E-21E2-724B-90B2-DE5FA02F9B7C}" destId="{5047AFBA-64E7-F246-9C45-C6DB37C77F9F}" srcOrd="0" destOrd="0" presId="urn:microsoft.com/office/officeart/2008/layout/RadialCluster"/>
+    <dgm:cxn modelId="{0015FF58-09C8-D444-9265-B1510AA0B335}" srcId="{8C1AA20E-21E2-724B-90B2-DE5FA02F9B7C}" destId="{E7BFA685-6A56-1747-8762-BB65F784FEDC}" srcOrd="0" destOrd="0" parTransId="{FA980317-4472-5A4E-BBCF-A466B48FF529}" sibTransId="{2973B765-A828-1946-9EEC-6EC2DDA2E8ED}"/>
+    <dgm:cxn modelId="{FD82CACC-2A3D-6140-BD9D-70AF4D406E3C}" type="presOf" srcId="{BB26AD3C-76A5-7D4A-BA2E-BAA722CE162A}" destId="{980C8691-F44E-2846-A8C9-036702478205}" srcOrd="0" destOrd="0" presId="urn:microsoft.com/office/officeart/2008/layout/RadialCluster"/>
+    <dgm:cxn modelId="{AE89F886-92A2-F84E-AAB6-64445000D4D7}" type="presOf" srcId="{7D7A15F9-425B-5649-8AC4-CA6BCC3D3CEF}" destId="{9BDA7D2F-5F0A-FE48-8970-12AF8E701DD5}" srcOrd="0" destOrd="0" presId="urn:microsoft.com/office/officeart/2008/layout/RadialCluster"/>
+    <dgm:cxn modelId="{FEBD5CF6-1808-D24C-B87F-23659D801E6A}" type="presOf" srcId="{9C09DAE7-4EA8-ED43-B0AC-F4C8610A8A1E}" destId="{B847BC99-AE4E-7749-B2AB-AB7FAA49B089}" srcOrd="0" destOrd="0" presId="urn:microsoft.com/office/officeart/2008/layout/RadialCluster"/>
+    <dgm:cxn modelId="{64FA4530-1BA4-2649-9270-35A29A4B200D}" type="presOf" srcId="{6A163497-E9AC-AD43-9D90-90383A07A09F}" destId="{56932D2F-71A2-7B4D-AF70-A477B1B87E3C}" srcOrd="0" destOrd="0" presId="urn:microsoft.com/office/officeart/2008/layout/RadialCluster"/>
+    <dgm:cxn modelId="{F75D499F-0240-BA41-8E9E-21929034EF29}" srcId="{E7BFA685-6A56-1747-8762-BB65F784FEDC}" destId="{EC4C91FD-5A04-D54C-8CAF-775A5DA918AF}" srcOrd="1" destOrd="0" parTransId="{761C5B45-9707-E84E-BB66-9FB99B744B55}" sibTransId="{E2B480E4-0E9C-5B43-B8F3-DA0D97D18FC9}"/>
+    <dgm:cxn modelId="{76DBCFD5-F970-A642-B8C0-B17BB1258415}" type="presOf" srcId="{B3A8F0DE-549D-9D4E-B979-A3809A05E768}" destId="{8F04BA1E-AF31-FA47-AEF1-60FA3000BC13}" srcOrd="0" destOrd="0" presId="urn:microsoft.com/office/officeart/2008/layout/RadialCluster"/>
+    <dgm:cxn modelId="{B1E53E3D-A32A-7442-9C5B-F65CE848EF2B}" type="presOf" srcId="{EC4C91FD-5A04-D54C-8CAF-775A5DA918AF}" destId="{CD66C230-DF88-A049-9498-22A12FA2B874}" srcOrd="0" destOrd="0" presId="urn:microsoft.com/office/officeart/2008/layout/RadialCluster"/>
+    <dgm:cxn modelId="{1B9E358F-A49C-EC44-BBF9-B028B3E88B80}" type="presOf" srcId="{0EEB0A87-5B1E-634E-BAAB-D70606D48125}" destId="{1A8327F5-EF3E-B94E-89C4-23B13DB4B146}" srcOrd="0" destOrd="0" presId="urn:microsoft.com/office/officeart/2008/layout/RadialCluster"/>
+    <dgm:cxn modelId="{20FCD328-4E79-4249-B912-6BB6160E77CE}" srcId="{9C09DAE7-4EA8-ED43-B0AC-F4C8610A8A1E}" destId="{0EEB0A87-5B1E-634E-BAAB-D70606D48125}" srcOrd="1" destOrd="0" parTransId="{BB26AD3C-76A5-7D4A-BA2E-BAA722CE162A}" sibTransId="{0ABC7037-A26C-3348-B589-A49F6A304106}"/>
+    <dgm:cxn modelId="{B4B587F2-575D-BA46-A2A3-66A7CE1E7972}" srcId="{EC4C91FD-5A04-D54C-8CAF-775A5DA918AF}" destId="{3B8B253C-4020-FD4E-8FF5-06585131D401}" srcOrd="2" destOrd="0" parTransId="{97E67228-0C6E-C347-808C-9B20717296F2}" sibTransId="{F1B0F08A-590E-DA43-973C-B002A111C7E6}"/>
     <dgm:cxn modelId="{F698F45F-71E6-1243-B9F7-81125356DD82}" type="presOf" srcId="{1F6B7065-43F8-D543-89C9-B4D95209DD97}" destId="{9A5A83C2-8339-5243-845D-A6C2329DE46C}" srcOrd="0" destOrd="0" presId="urn:microsoft.com/office/officeart/2008/layout/RadialCluster"/>
     <dgm:cxn modelId="{2FEC109A-C059-7843-A7F8-FEF3BC4AE253}" type="presOf" srcId="{3B8B253C-4020-FD4E-8FF5-06585131D401}" destId="{1EBCE7F0-7D0C-C14E-B14B-EB3546361D3C}" srcOrd="0" destOrd="0" presId="urn:microsoft.com/office/officeart/2008/layout/RadialCluster"/>
-    <dgm:cxn modelId="{B1E53E3D-A32A-7442-9C5B-F65CE848EF2B}" type="presOf" srcId="{EC4C91FD-5A04-D54C-8CAF-775A5DA918AF}" destId="{CD66C230-DF88-A049-9498-22A12FA2B874}" srcOrd="0" destOrd="0" presId="urn:microsoft.com/office/officeart/2008/layout/RadialCluster"/>
-    <dgm:cxn modelId="{A9D5FC92-F3B9-0943-A7BC-224CFCCF2A0C}" type="presOf" srcId="{761C5B45-9707-E84E-BB66-9FB99B744B55}" destId="{8A1D0DE4-E202-934D-89C2-F9028F6090CD}" srcOrd="0" destOrd="0" presId="urn:microsoft.com/office/officeart/2008/layout/RadialCluster"/>
-    <dgm:cxn modelId="{64FA4530-1BA4-2649-9270-35A29A4B200D}" type="presOf" srcId="{6A163497-E9AC-AD43-9D90-90383A07A09F}" destId="{56932D2F-71A2-7B4D-AF70-A477B1B87E3C}" srcOrd="0" destOrd="0" presId="urn:microsoft.com/office/officeart/2008/layout/RadialCluster"/>
-    <dgm:cxn modelId="{B4B587F2-575D-BA46-A2A3-66A7CE1E7972}" srcId="{EC4C91FD-5A04-D54C-8CAF-775A5DA918AF}" destId="{3B8B253C-4020-FD4E-8FF5-06585131D401}" srcOrd="2" destOrd="0" parTransId="{97E67228-0C6E-C347-808C-9B20717296F2}" sibTransId="{F1B0F08A-590E-DA43-973C-B002A111C7E6}"/>
-    <dgm:cxn modelId="{8D7795C1-CBBB-1045-8161-1FF7159B2031}" type="presOf" srcId="{75124C14-C6F7-654D-97CE-90B1B88A9E5F}" destId="{A2BC737A-F4BD-794C-8F92-3A0E2805AC7F}" srcOrd="0" destOrd="0" presId="urn:microsoft.com/office/officeart/2008/layout/RadialCluster"/>
-    <dgm:cxn modelId="{16A9A813-6AAD-134E-8CDE-AEAE6F7F30A7}" type="presOf" srcId="{9F5661AB-410E-354B-8DDE-1DC5F82D6B37}" destId="{703B36F9-3C3F-4440-9752-8EC2321DE3AE}" srcOrd="0" destOrd="0" presId="urn:microsoft.com/office/officeart/2008/layout/RadialCluster"/>
-    <dgm:cxn modelId="{20FCD328-4E79-4249-B912-6BB6160E77CE}" srcId="{9C09DAE7-4EA8-ED43-B0AC-F4C8610A8A1E}" destId="{0EEB0A87-5B1E-634E-BAAB-D70606D48125}" srcOrd="1" destOrd="0" parTransId="{BB26AD3C-76A5-7D4A-BA2E-BAA722CE162A}" sibTransId="{0ABC7037-A26C-3348-B589-A49F6A304106}"/>
+    <dgm:cxn modelId="{D408F920-7CA8-BD45-A08A-D69A5DE8A2E7}" type="presOf" srcId="{183623C9-40E7-D046-AA5B-468FA74885E5}" destId="{0C49B9AC-760B-E648-8DB7-1B3F63D24262}" srcOrd="0" destOrd="0" presId="urn:microsoft.com/office/officeart/2008/layout/RadialCluster"/>
     <dgm:cxn modelId="{B7A44792-4940-2B47-97CF-D4302DEBC986}" srcId="{EC4C91FD-5A04-D54C-8CAF-775A5DA918AF}" destId="{B3A8F0DE-549D-9D4E-B979-A3809A05E768}" srcOrd="1" destOrd="0" parTransId="{75124C14-C6F7-654D-97CE-90B1B88A9E5F}" sibTransId="{70165E02-5AF7-6949-88F3-C9BD4C8B8A57}"/>
-    <dgm:cxn modelId="{B38BFF08-48FE-2B46-ADBF-3C2EE02F73F2}" type="presOf" srcId="{97E67228-0C6E-C347-808C-9B20717296F2}" destId="{AFDFFBB3-243A-134F-9368-49A6B5911970}" srcOrd="0" destOrd="0" presId="urn:microsoft.com/office/officeart/2008/layout/RadialCluster"/>
-    <dgm:cxn modelId="{76DBCFD5-F970-A642-B8C0-B17BB1258415}" type="presOf" srcId="{B3A8F0DE-549D-9D4E-B979-A3809A05E768}" destId="{8F04BA1E-AF31-FA47-AEF1-60FA3000BC13}" srcOrd="0" destOrd="0" presId="urn:microsoft.com/office/officeart/2008/layout/RadialCluster"/>
-    <dgm:cxn modelId="{0015FF58-09C8-D444-9265-B1510AA0B335}" srcId="{8C1AA20E-21E2-724B-90B2-DE5FA02F9B7C}" destId="{E7BFA685-6A56-1747-8762-BB65F784FEDC}" srcOrd="0" destOrd="0" parTransId="{FA980317-4472-5A4E-BBCF-A466B48FF529}" sibTransId="{2973B765-A828-1946-9EEC-6EC2DDA2E8ED}"/>
-    <dgm:cxn modelId="{02E898CF-4068-0342-AE33-023CF3C24AE7}" type="presOf" srcId="{E7BFA685-6A56-1747-8762-BB65F784FEDC}" destId="{7379E456-43C9-BB4E-8370-A5BCA370F176}" srcOrd="0" destOrd="0" presId="urn:microsoft.com/office/officeart/2008/layout/RadialCluster"/>
-    <dgm:cxn modelId="{B9F29507-66A0-514C-BD4A-7594AB04E8F8}" srcId="{EC4C91FD-5A04-D54C-8CAF-775A5DA918AF}" destId="{1F6B7065-43F8-D543-89C9-B4D95209DD97}" srcOrd="0" destOrd="0" parTransId="{6A163497-E9AC-AD43-9D90-90383A07A09F}" sibTransId="{BFFBE021-0D07-E143-9D51-3200FE75EC67}"/>
-    <dgm:cxn modelId="{1B9E358F-A49C-EC44-BBF9-B028B3E88B80}" type="presOf" srcId="{0EEB0A87-5B1E-634E-BAAB-D70606D48125}" destId="{1A8327F5-EF3E-B94E-89C4-23B13DB4B146}" srcOrd="0" destOrd="0" presId="urn:microsoft.com/office/officeart/2008/layout/RadialCluster"/>
-    <dgm:cxn modelId="{A9406021-273A-3046-B59E-52B94A75CDBB}" type="presOf" srcId="{8C1AA20E-21E2-724B-90B2-DE5FA02F9B7C}" destId="{5047AFBA-64E7-F246-9C45-C6DB37C77F9F}" srcOrd="0" destOrd="0" presId="urn:microsoft.com/office/officeart/2008/layout/RadialCluster"/>
-    <dgm:cxn modelId="{FD82CACC-2A3D-6140-BD9D-70AF4D406E3C}" type="presOf" srcId="{BB26AD3C-76A5-7D4A-BA2E-BAA722CE162A}" destId="{980C8691-F44E-2846-A8C9-036702478205}" srcOrd="0" destOrd="0" presId="urn:microsoft.com/office/officeart/2008/layout/RadialCluster"/>
-    <dgm:cxn modelId="{1ED631AC-2E04-964B-8F74-CCB3DB3EDABD}" srcId="{9C09DAE7-4EA8-ED43-B0AC-F4C8610A8A1E}" destId="{183623C9-40E7-D046-AA5B-468FA74885E5}" srcOrd="0" destOrd="0" parTransId="{412195C9-F07B-5047-BD50-5CC2F1875F3F}" sibTransId="{03A39BBD-90DE-874B-BB88-809AFD75E350}"/>
-    <dgm:cxn modelId="{9368C27C-B0AF-534D-8383-EBBFA4D43D03}" srcId="{E7BFA685-6A56-1747-8762-BB65F784FEDC}" destId="{9C09DAE7-4EA8-ED43-B0AC-F4C8610A8A1E}" srcOrd="0" destOrd="0" parTransId="{7D7A15F9-425B-5649-8AC4-CA6BCC3D3CEF}" sibTransId="{4BEE998A-8F08-8B47-966E-D2FBB32A3737}"/>
-    <dgm:cxn modelId="{BFB6339D-2986-BC4A-AA7D-B6B556E49240}" srcId="{EC4C91FD-5A04-D54C-8CAF-775A5DA918AF}" destId="{9F5661AB-410E-354B-8DDE-1DC5F82D6B37}" srcOrd="3" destOrd="0" parTransId="{8F9D82EF-65A6-EF4B-8963-4A6A229DD81D}" sibTransId="{056166F9-9E4A-E24E-8938-69CF8B2D07DF}"/>
-    <dgm:cxn modelId="{F75D499F-0240-BA41-8E9E-21929034EF29}" srcId="{E7BFA685-6A56-1747-8762-BB65F784FEDC}" destId="{EC4C91FD-5A04-D54C-8CAF-775A5DA918AF}" srcOrd="1" destOrd="0" parTransId="{761C5B45-9707-E84E-BB66-9FB99B744B55}" sibTransId="{E2B480E4-0E9C-5B43-B8F3-DA0D97D18FC9}"/>
-    <dgm:cxn modelId="{FEBD5CF6-1808-D24C-B87F-23659D801E6A}" type="presOf" srcId="{9C09DAE7-4EA8-ED43-B0AC-F4C8610A8A1E}" destId="{B847BC99-AE4E-7749-B2AB-AB7FAA49B089}" srcOrd="0" destOrd="0" presId="urn:microsoft.com/office/officeart/2008/layout/RadialCluster"/>
-    <dgm:cxn modelId="{AE89F886-92A2-F84E-AAB6-64445000D4D7}" type="presOf" srcId="{7D7A15F9-425B-5649-8AC4-CA6BCC3D3CEF}" destId="{9BDA7D2F-5F0A-FE48-8970-12AF8E701DD5}" srcOrd="0" destOrd="0" presId="urn:microsoft.com/office/officeart/2008/layout/RadialCluster"/>
-    <dgm:cxn modelId="{D408F920-7CA8-BD45-A08A-D69A5DE8A2E7}" type="presOf" srcId="{183623C9-40E7-D046-AA5B-468FA74885E5}" destId="{0C49B9AC-760B-E648-8DB7-1B3F63D24262}" srcOrd="0" destOrd="0" presId="urn:microsoft.com/office/officeart/2008/layout/RadialCluster"/>
-    <dgm:cxn modelId="{01838D25-60CB-8B44-88D8-6BBEAB3B0BE6}" type="presOf" srcId="{412195C9-F07B-5047-BD50-5CC2F1875F3F}" destId="{9E1C4DA4-ABD0-1247-8BC0-9B57CDABCAEF}" srcOrd="0" destOrd="0" presId="urn:microsoft.com/office/officeart/2008/layout/RadialCluster"/>
-    <dgm:cxn modelId="{EEFB0FFB-F321-F644-B204-4DF97F4439EA}" type="presOf" srcId="{8F9D82EF-65A6-EF4B-8963-4A6A229DD81D}" destId="{2221CDD3-D6E7-D94A-9443-4E52FE7F6658}" srcOrd="0" destOrd="0" presId="urn:microsoft.com/office/officeart/2008/layout/RadialCluster"/>
     <dgm:cxn modelId="{821FA772-17F5-B147-96E9-0FE7944727D0}" type="presParOf" srcId="{5047AFBA-64E7-F246-9C45-C6DB37C77F9F}" destId="{7379E456-43C9-BB4E-8370-A5BCA370F176}" srcOrd="0" destOrd="0" presId="urn:microsoft.com/office/officeart/2008/layout/RadialCluster"/>
     <dgm:cxn modelId="{72D15D7E-2BD0-3740-AE62-9BE0430D4F61}" type="presParOf" srcId="{5047AFBA-64E7-F246-9C45-C6DB37C77F9F}" destId="{CEAC4506-47A3-C943-8BF5-17EEC7A931FE}" srcOrd="1" destOrd="0" presId="urn:microsoft.com/office/officeart/2008/layout/RadialCluster"/>
     <dgm:cxn modelId="{17C41A33-069E-3844-9E68-095CC816FEA0}" type="presParOf" srcId="{CEAC4506-47A3-C943-8BF5-17EEC7A931FE}" destId="{B847BC99-AE4E-7749-B2AB-AB7FAA49B089}" srcOrd="0" destOrd="0" presId="urn:microsoft.com/office/officeart/2008/layout/RadialCluster"/>
@@ -6516,14 +7100,14 @@
   <dgm:whole/>
   <dgm:extLst>
     <a:ext uri="http://schemas.microsoft.com/office/drawing/2008/diagram">
-      <dsp:dataModelExt xmlns:dsp="http://schemas.microsoft.com/office/drawing/2008/diagram" relId="rId6" minVer="http://schemas.openxmlformats.org/drawingml/2006/diagram"/>
+      <dsp:dataModelExt xmlns:dsp="http://schemas.microsoft.com/office/drawing/2008/diagram" xmlns="" relId="rId6" minVer="http://schemas.openxmlformats.org/drawingml/2006/diagram"/>
     </a:ext>
   </dgm:extLst>
 </dgm:dataModel>
 </file>
 
 <file path=ppt/diagrams/drawing1.xml><?xml version="1.0" encoding="utf-8"?>
-<dsp:drawing xmlns:dgm="http://schemas.openxmlformats.org/drawingml/2006/diagram" xmlns:dsp="http://schemas.microsoft.com/office/drawing/2008/diagram" xmlns:a="http://schemas.openxmlformats.org/drawingml/2006/main">
+<dsp:drawing xmlns:dgm="http://schemas.openxmlformats.org/drawingml/2006/diagram" xmlns:a="http://schemas.openxmlformats.org/drawingml/2006/main" xmlns:dsp="http://schemas.microsoft.com/office/drawing/2008/diagram">
   <dsp:spTree>
     <dsp:nvGrpSpPr>
       <dsp:cNvPr id="0" name=""/>
@@ -6730,8 +7314,8 @@
         </a:p>
       </dsp:txBody>
       <dsp:txXfrm>
-        <a:off x="3461171" y="2197794"/>
-        <a:ext cx="1280461" cy="1280461"/>
+        <a:off x="3391901" y="2128524"/>
+        <a:ext cx="1419001" cy="1419001"/>
       </dsp:txXfrm>
     </dsp:sp>
     <dsp:sp modelId="{B847BC99-AE4E-7749-B2AB-AB7FAA49B089}">
@@ -6824,8 +7408,8 @@
         </a:p>
       </dsp:txBody>
       <dsp:txXfrm>
-        <a:off x="3829116" y="1355728"/>
-        <a:ext cx="544571" cy="544571"/>
+        <a:off x="3799656" y="1326268"/>
+        <a:ext cx="603491" cy="603491"/>
       </dsp:txXfrm>
     </dsp:sp>
     <dsp:sp modelId="{575BCAA7-B0BA-7445-8920-72976032322C}">
@@ -6973,8 +7557,8 @@
         </a:p>
       </dsp:txBody>
       <dsp:txXfrm>
-        <a:off x="2502976" y="1355728"/>
-        <a:ext cx="544571" cy="544571"/>
+        <a:off x="2473516" y="1326268"/>
+        <a:ext cx="603491" cy="603491"/>
       </dsp:txXfrm>
     </dsp:sp>
     <dsp:sp modelId="{A68A745A-D64C-894D-BB0B-96442A82AD38}">
@@ -7122,8 +7706,8 @@
         </a:p>
       </dsp:txBody>
       <dsp:txXfrm>
-        <a:off x="2891394" y="418005"/>
-        <a:ext cx="544571" cy="544571"/>
+        <a:off x="2861934" y="388545"/>
+        <a:ext cx="603491" cy="603491"/>
       </dsp:txXfrm>
     </dsp:sp>
     <dsp:sp modelId="{BE980DF6-0D56-764C-A9E3-E5F4456AB94F}">
@@ -7271,8 +7855,8 @@
         </a:p>
       </dsp:txBody>
       <dsp:txXfrm>
-        <a:off x="3829116" y="29588"/>
-        <a:ext cx="544571" cy="544571"/>
+        <a:off x="3799656" y="128"/>
+        <a:ext cx="603491" cy="603491"/>
       </dsp:txXfrm>
     </dsp:sp>
     <dsp:sp modelId="{FCB88455-4788-E346-B57E-7CB3AB5A2933}">
@@ -7420,8 +8004,8 @@
         </a:p>
       </dsp:txBody>
       <dsp:txXfrm>
-        <a:off x="4766838" y="418005"/>
-        <a:ext cx="544571" cy="544571"/>
+        <a:off x="4737378" y="388545"/>
+        <a:ext cx="603491" cy="603491"/>
       </dsp:txXfrm>
     </dsp:sp>
     <dsp:sp modelId="{FCE2DCC2-284A-CE48-BF28-DCF3D75D6EA3}">
@@ -7569,8 +8153,8 @@
         </a:p>
       </dsp:txBody>
       <dsp:txXfrm>
-        <a:off x="5155255" y="1355728"/>
-        <a:ext cx="544571" cy="544571"/>
+        <a:off x="5125795" y="1326268"/>
+        <a:ext cx="603491" cy="603491"/>
       </dsp:txXfrm>
     </dsp:sp>
     <dsp:sp modelId="{DC062DCD-9F3C-9F4C-89EF-19B48CEC369B}">
@@ -7663,8 +8247,8 @@
         </a:p>
       </dsp:txBody>
       <dsp:txXfrm>
-        <a:off x="3766280" y="3782490"/>
-        <a:ext cx="670242" cy="670242"/>
+        <a:off x="3730022" y="3746232"/>
+        <a:ext cx="742758" cy="742758"/>
       </dsp:txXfrm>
     </dsp:sp>
     <dsp:sp modelId="{B04834EC-F2FA-DE49-B9D4-9E68366FCD73}">
@@ -7812,8 +8396,8 @@
         </a:p>
       </dsp:txBody>
       <dsp:txXfrm>
-        <a:off x="4953271" y="3782490"/>
-        <a:ext cx="670242" cy="670242"/>
+        <a:off x="4917013" y="3746232"/>
+        <a:ext cx="742758" cy="742758"/>
       </dsp:txXfrm>
     </dsp:sp>
     <dsp:sp modelId="{908B7130-5BC2-4D47-B7A4-AB715C747E9A}">
@@ -7961,8 +8545,8 @@
         </a:p>
       </dsp:txBody>
       <dsp:txXfrm>
-        <a:off x="3766280" y="4969480"/>
-        <a:ext cx="670242" cy="670242"/>
+        <a:off x="3730022" y="4933222"/>
+        <a:ext cx="742758" cy="742758"/>
       </dsp:txXfrm>
     </dsp:sp>
     <dsp:sp modelId="{E156451F-E821-4F41-B37D-C228EB11997E}">
@@ -8110,8 +8694,8 @@
         </a:p>
       </dsp:txBody>
       <dsp:txXfrm>
-        <a:off x="2579290" y="3782490"/>
-        <a:ext cx="670242" cy="670242"/>
+        <a:off x="2543032" y="3746232"/>
+        <a:ext cx="742758" cy="742758"/>
       </dsp:txXfrm>
     </dsp:sp>
   </dsp:spTree>
@@ -8119,7 +8703,7 @@
 </file>
 
 <file path=ppt/diagrams/drawing2.xml><?xml version="1.0" encoding="utf-8"?>
-<dsp:drawing xmlns:dgm="http://schemas.openxmlformats.org/drawingml/2006/diagram" xmlns:dsp="http://schemas.microsoft.com/office/drawing/2008/diagram" xmlns:a="http://schemas.openxmlformats.org/drawingml/2006/main">
+<dsp:drawing xmlns:dgm="http://schemas.openxmlformats.org/drawingml/2006/diagram" xmlns:a="http://schemas.openxmlformats.org/drawingml/2006/main" xmlns:dsp="http://schemas.microsoft.com/office/drawing/2008/diagram">
   <dsp:spTree>
     <dsp:nvGrpSpPr>
       <dsp:cNvPr id="0" name=""/>
@@ -8127,6 +8711,1155 @@
     </dsp:nvGrpSpPr>
     <dsp:grpSpPr/>
     <dsp:sp modelId="{8A1D0DE4-E202-934D-89C2-F9028F6090CD}">
+      <dsp:nvSpPr>
+        <dsp:cNvPr id="0" name=""/>
+        <dsp:cNvSpPr/>
+      </dsp:nvSpPr>
+      <dsp:spPr>
+        <a:xfrm rot="5400000">
+          <a:off x="4001831" y="3647312"/>
+          <a:ext cx="199140" cy="0"/>
+        </a:xfrm>
+        <a:custGeom>
+          <a:avLst/>
+          <a:gdLst/>
+          <a:ahLst/>
+          <a:cxnLst/>
+          <a:rect l="0" t="0" r="0" b="0"/>
+          <a:pathLst>
+            <a:path>
+              <a:moveTo>
+                <a:pt x="0" y="0"/>
+              </a:moveTo>
+              <a:lnTo>
+                <a:pt x="199140" y="0"/>
+              </a:lnTo>
+            </a:path>
+          </a:pathLst>
+        </a:custGeom>
+        <a:noFill/>
+        <a:ln w="9525" cap="flat" cmpd="sng" algn="ctr">
+          <a:solidFill>
+            <a:schemeClr val="accent1">
+              <a:shade val="60000"/>
+              <a:hueOff val="0"/>
+              <a:satOff val="0"/>
+              <a:lumOff val="0"/>
+              <a:alphaOff val="0"/>
+            </a:schemeClr>
+          </a:solidFill>
+          <a:prstDash val="solid"/>
+        </a:ln>
+        <a:effectLst/>
+      </dsp:spPr>
+      <dsp:style>
+        <a:lnRef idx="1">
+          <a:scrgbClr r="0" g="0" b="0"/>
+        </a:lnRef>
+        <a:fillRef idx="0">
+          <a:scrgbClr r="0" g="0" b="0"/>
+        </a:fillRef>
+        <a:effectRef idx="0">
+          <a:scrgbClr r="0" g="0" b="0"/>
+        </a:effectRef>
+        <a:fontRef idx="minor"/>
+      </dsp:style>
+    </dsp:sp>
+    <dsp:sp modelId="{9BDA7D2F-5F0A-FE48-8970-12AF8E701DD5}">
+      <dsp:nvSpPr>
+        <dsp:cNvPr id="0" name=""/>
+        <dsp:cNvSpPr/>
+      </dsp:nvSpPr>
+      <dsp:spPr>
+        <a:xfrm rot="16200000">
+          <a:off x="4001979" y="2029319"/>
+          <a:ext cx="198844" cy="0"/>
+        </a:xfrm>
+        <a:custGeom>
+          <a:avLst/>
+          <a:gdLst/>
+          <a:ahLst/>
+          <a:cxnLst/>
+          <a:rect l="0" t="0" r="0" b="0"/>
+          <a:pathLst>
+            <a:path>
+              <a:moveTo>
+                <a:pt x="0" y="0"/>
+              </a:moveTo>
+              <a:lnTo>
+                <a:pt x="198844" y="0"/>
+              </a:lnTo>
+            </a:path>
+          </a:pathLst>
+        </a:custGeom>
+        <a:noFill/>
+        <a:ln w="9525" cap="flat" cmpd="sng" algn="ctr">
+          <a:solidFill>
+            <a:schemeClr val="accent1">
+              <a:shade val="60000"/>
+              <a:hueOff val="0"/>
+              <a:satOff val="0"/>
+              <a:lumOff val="0"/>
+              <a:alphaOff val="0"/>
+            </a:schemeClr>
+          </a:solidFill>
+          <a:prstDash val="solid"/>
+        </a:ln>
+        <a:effectLst/>
+      </dsp:spPr>
+      <dsp:style>
+        <a:lnRef idx="1">
+          <a:scrgbClr r="0" g="0" b="0"/>
+        </a:lnRef>
+        <a:fillRef idx="0">
+          <a:scrgbClr r="0" g="0" b="0"/>
+        </a:fillRef>
+        <a:effectRef idx="0">
+          <a:scrgbClr r="0" g="0" b="0"/>
+        </a:effectRef>
+        <a:fontRef idx="minor"/>
+      </dsp:style>
+    </dsp:sp>
+    <dsp:sp modelId="{7379E456-43C9-BB4E-8370-A5BCA370F176}">
+      <dsp:nvSpPr>
+        <dsp:cNvPr id="0" name=""/>
+        <dsp:cNvSpPr/>
+      </dsp:nvSpPr>
+      <dsp:spPr>
+        <a:xfrm>
+          <a:off x="3391901" y="2128741"/>
+          <a:ext cx="1419001" cy="1419001"/>
+        </a:xfrm>
+        <a:prstGeom prst="roundRect">
+          <a:avLst/>
+        </a:prstGeom>
+        <a:gradFill rotWithShape="0">
+          <a:gsLst>
+            <a:gs pos="0">
+              <a:schemeClr val="accent1">
+                <a:hueOff val="0"/>
+                <a:satOff val="0"/>
+                <a:lumOff val="0"/>
+                <a:alphaOff val="0"/>
+                <a:tint val="100000"/>
+                <a:shade val="100000"/>
+                <a:satMod val="130000"/>
+              </a:schemeClr>
+            </a:gs>
+            <a:gs pos="100000">
+              <a:schemeClr val="accent1">
+                <a:hueOff val="0"/>
+                <a:satOff val="0"/>
+                <a:lumOff val="0"/>
+                <a:alphaOff val="0"/>
+                <a:tint val="50000"/>
+                <a:shade val="100000"/>
+                <a:satMod val="350000"/>
+              </a:schemeClr>
+            </a:gs>
+          </a:gsLst>
+          <a:lin ang="16200000" scaled="0"/>
+        </a:gradFill>
+        <a:ln>
+          <a:noFill/>
+        </a:ln>
+        <a:effectLst>
+          <a:outerShdw blurRad="40000" dist="23000" dir="5400000" rotWithShape="0">
+            <a:srgbClr val="000000">
+              <a:alpha val="35000"/>
+            </a:srgbClr>
+          </a:outerShdw>
+        </a:effectLst>
+      </dsp:spPr>
+      <dsp:style>
+        <a:lnRef idx="0">
+          <a:scrgbClr r="0" g="0" b="0"/>
+        </a:lnRef>
+        <a:fillRef idx="3">
+          <a:scrgbClr r="0" g="0" b="0"/>
+        </a:fillRef>
+        <a:effectRef idx="2">
+          <a:scrgbClr r="0" g="0" b="0"/>
+        </a:effectRef>
+        <a:fontRef idx="minor">
+          <a:schemeClr val="lt1"/>
+        </a:fontRef>
+      </dsp:style>
+      <dsp:txBody>
+        <a:bodyPr spcFirstLastPara="0" vert="horz" wrap="square" lIns="60960" tIns="60960" rIns="60960" bIns="60960" numCol="1" spcCol="1270" anchor="ctr" anchorCtr="0">
+          <a:noAutofit/>
+        </a:bodyPr>
+        <a:lstStyle/>
+        <a:p>
+          <a:pPr lvl="0" algn="ctr" defTabSz="1066800">
+            <a:lnSpc>
+              <a:spcPct val="90000"/>
+            </a:lnSpc>
+            <a:spcBef>
+              <a:spcPct val="0"/>
+            </a:spcBef>
+            <a:spcAft>
+              <a:spcPct val="35000"/>
+            </a:spcAft>
+          </a:pPr>
+          <a:r>
+            <a:rPr lang="en-US" sz="2400" kern="1200" dirty="0" smtClean="0"/>
+            <a:t>Question</a:t>
+          </a:r>
+          <a:endParaRPr lang="en-US" sz="2400" kern="1200" dirty="0"/>
+        </a:p>
+      </dsp:txBody>
+      <dsp:txXfrm>
+        <a:off x="3391901" y="2128741"/>
+        <a:ext cx="1419001" cy="1419001"/>
+      </dsp:txXfrm>
+    </dsp:sp>
+    <dsp:sp modelId="{B847BC99-AE4E-7749-B2AB-AB7FAA49B089}">
+      <dsp:nvSpPr>
+        <dsp:cNvPr id="0" name=""/>
+        <dsp:cNvSpPr/>
+      </dsp:nvSpPr>
+      <dsp:spPr>
+        <a:xfrm>
+          <a:off x="3730022" y="1187138"/>
+          <a:ext cx="742758" cy="742758"/>
+        </a:xfrm>
+        <a:prstGeom prst="roundRect">
+          <a:avLst/>
+        </a:prstGeom>
+        <a:gradFill rotWithShape="0">
+          <a:gsLst>
+            <a:gs pos="0">
+              <a:schemeClr val="accent1">
+                <a:hueOff val="0"/>
+                <a:satOff val="0"/>
+                <a:lumOff val="0"/>
+                <a:alphaOff val="0"/>
+                <a:tint val="100000"/>
+                <a:shade val="100000"/>
+                <a:satMod val="130000"/>
+              </a:schemeClr>
+            </a:gs>
+            <a:gs pos="100000">
+              <a:schemeClr val="accent1">
+                <a:hueOff val="0"/>
+                <a:satOff val="0"/>
+                <a:lumOff val="0"/>
+                <a:alphaOff val="0"/>
+                <a:tint val="50000"/>
+                <a:shade val="100000"/>
+                <a:satMod val="350000"/>
+              </a:schemeClr>
+            </a:gs>
+          </a:gsLst>
+          <a:lin ang="16200000" scaled="0"/>
+        </a:gradFill>
+        <a:ln>
+          <a:noFill/>
+        </a:ln>
+        <a:effectLst>
+          <a:outerShdw blurRad="40000" dist="23000" dir="5400000" rotWithShape="0">
+            <a:srgbClr val="000000">
+              <a:alpha val="35000"/>
+            </a:srgbClr>
+          </a:outerShdw>
+        </a:effectLst>
+      </dsp:spPr>
+      <dsp:style>
+        <a:lnRef idx="0">
+          <a:scrgbClr r="0" g="0" b="0"/>
+        </a:lnRef>
+        <a:fillRef idx="3">
+          <a:scrgbClr r="0" g="0" b="0"/>
+        </a:fillRef>
+        <a:effectRef idx="2">
+          <a:scrgbClr r="0" g="0" b="0"/>
+        </a:effectRef>
+        <a:fontRef idx="minor">
+          <a:schemeClr val="lt1"/>
+        </a:fontRef>
+      </dsp:style>
+      <dsp:txBody>
+        <a:bodyPr spcFirstLastPara="0" vert="horz" wrap="square" lIns="50800" tIns="50800" rIns="50800" bIns="50800" numCol="1" spcCol="1270" anchor="ctr" anchorCtr="0">
+          <a:noAutofit/>
+        </a:bodyPr>
+        <a:lstStyle/>
+        <a:p>
+          <a:pPr lvl="0" algn="ctr" defTabSz="889000">
+            <a:lnSpc>
+              <a:spcPct val="90000"/>
+            </a:lnSpc>
+            <a:spcBef>
+              <a:spcPct val="0"/>
+            </a:spcBef>
+            <a:spcAft>
+              <a:spcPct val="35000"/>
+            </a:spcAft>
+          </a:pPr>
+          <a:r>
+            <a:rPr lang="en-US" sz="2000" kern="1200" dirty="0" smtClean="0"/>
+            <a:t>Has ONE</a:t>
+          </a:r>
+          <a:endParaRPr lang="en-US" sz="2000" kern="1200" dirty="0"/>
+        </a:p>
+      </dsp:txBody>
+      <dsp:txXfrm>
+        <a:off x="3730022" y="1187138"/>
+        <a:ext cx="742758" cy="742758"/>
+      </dsp:txXfrm>
+    </dsp:sp>
+    <dsp:sp modelId="{575BCAA7-B0BA-7445-8920-72976032322C}">
+      <dsp:nvSpPr>
+        <dsp:cNvPr id="0" name=""/>
+        <dsp:cNvSpPr/>
+      </dsp:nvSpPr>
+      <dsp:spPr>
+        <a:xfrm rot="16200000">
+          <a:off x="3879424" y="965160"/>
+          <a:ext cx="443955" cy="0"/>
+        </a:xfrm>
+        <a:custGeom>
+          <a:avLst/>
+          <a:gdLst/>
+          <a:ahLst/>
+          <a:cxnLst/>
+          <a:rect l="0" t="0" r="0" b="0"/>
+          <a:pathLst>
+            <a:path>
+              <a:moveTo>
+                <a:pt x="0" y="0"/>
+              </a:moveTo>
+              <a:lnTo>
+                <a:pt x="443955" y="0"/>
+              </a:lnTo>
+            </a:path>
+          </a:pathLst>
+        </a:custGeom>
+        <a:noFill/>
+        <a:ln w="9525" cap="flat" cmpd="sng" algn="ctr">
+          <a:solidFill>
+            <a:schemeClr val="accent1">
+              <a:shade val="80000"/>
+              <a:hueOff val="0"/>
+              <a:satOff val="0"/>
+              <a:lumOff val="0"/>
+              <a:alphaOff val="0"/>
+            </a:schemeClr>
+          </a:solidFill>
+          <a:prstDash val="solid"/>
+        </a:ln>
+        <a:effectLst/>
+      </dsp:spPr>
+      <dsp:style>
+        <a:lnRef idx="1">
+          <a:scrgbClr r="0" g="0" b="0"/>
+        </a:lnRef>
+        <a:fillRef idx="0">
+          <a:scrgbClr r="0" g="0" b="0"/>
+        </a:fillRef>
+        <a:effectRef idx="0">
+          <a:scrgbClr r="0" g="0" b="0"/>
+        </a:effectRef>
+        <a:fontRef idx="minor"/>
+      </dsp:style>
+    </dsp:sp>
+    <dsp:sp modelId="{E53C7DBD-C183-0B4B-9F68-E09203C858EE}">
+      <dsp:nvSpPr>
+        <dsp:cNvPr id="0" name=""/>
+        <dsp:cNvSpPr/>
+      </dsp:nvSpPr>
+      <dsp:spPr>
+        <a:xfrm>
+          <a:off x="3730022" y="424"/>
+          <a:ext cx="742758" cy="742758"/>
+        </a:xfrm>
+        <a:prstGeom prst="roundRect">
+          <a:avLst/>
+        </a:prstGeom>
+        <a:gradFill rotWithShape="0">
+          <a:gsLst>
+            <a:gs pos="0">
+              <a:schemeClr val="accent1">
+                <a:hueOff val="0"/>
+                <a:satOff val="0"/>
+                <a:lumOff val="0"/>
+                <a:alphaOff val="0"/>
+                <a:tint val="100000"/>
+                <a:shade val="100000"/>
+                <a:satMod val="130000"/>
+              </a:schemeClr>
+            </a:gs>
+            <a:gs pos="100000">
+              <a:schemeClr val="accent1">
+                <a:hueOff val="0"/>
+                <a:satOff val="0"/>
+                <a:lumOff val="0"/>
+                <a:alphaOff val="0"/>
+                <a:tint val="50000"/>
+                <a:shade val="100000"/>
+                <a:satMod val="350000"/>
+              </a:schemeClr>
+            </a:gs>
+          </a:gsLst>
+          <a:lin ang="16200000" scaled="0"/>
+        </a:gradFill>
+        <a:ln>
+          <a:noFill/>
+        </a:ln>
+        <a:effectLst>
+          <a:outerShdw blurRad="40000" dist="23000" dir="5400000" rotWithShape="0">
+            <a:srgbClr val="000000">
+              <a:alpha val="35000"/>
+            </a:srgbClr>
+          </a:outerShdw>
+        </a:effectLst>
+      </dsp:spPr>
+      <dsp:style>
+        <a:lnRef idx="0">
+          <a:scrgbClr r="0" g="0" b="0"/>
+        </a:lnRef>
+        <a:fillRef idx="3">
+          <a:scrgbClr r="0" g="0" b="0"/>
+        </a:fillRef>
+        <a:effectRef idx="2">
+          <a:scrgbClr r="0" g="0" b="0"/>
+        </a:effectRef>
+        <a:fontRef idx="minor">
+          <a:schemeClr val="lt1"/>
+        </a:fontRef>
+      </dsp:style>
+      <dsp:txBody>
+        <a:bodyPr spcFirstLastPara="0" vert="horz" wrap="square" lIns="27940" tIns="27940" rIns="27940" bIns="27940" numCol="1" spcCol="1270" anchor="ctr" anchorCtr="0">
+          <a:noAutofit/>
+        </a:bodyPr>
+        <a:lstStyle/>
+        <a:p>
+          <a:pPr lvl="0" algn="ctr" defTabSz="488950">
+            <a:lnSpc>
+              <a:spcPct val="90000"/>
+            </a:lnSpc>
+            <a:spcBef>
+              <a:spcPct val="0"/>
+            </a:spcBef>
+            <a:spcAft>
+              <a:spcPct val="35000"/>
+            </a:spcAft>
+          </a:pPr>
+          <a:r>
+            <a:rPr lang="en-US" sz="1100" kern="1200" dirty="0" smtClean="0"/>
+            <a:t>User</a:t>
+          </a:r>
+          <a:endParaRPr lang="en-US" sz="1100" kern="1200" dirty="0"/>
+        </a:p>
+      </dsp:txBody>
+      <dsp:txXfrm>
+        <a:off x="3730022" y="424"/>
+        <a:ext cx="742758" cy="742758"/>
+      </dsp:txXfrm>
+    </dsp:sp>
+    <dsp:sp modelId="{CD66C230-DF88-A049-9498-22A12FA2B874}">
+      <dsp:nvSpPr>
+        <dsp:cNvPr id="0" name=""/>
+        <dsp:cNvSpPr/>
+      </dsp:nvSpPr>
+      <dsp:spPr>
+        <a:xfrm>
+          <a:off x="3718417" y="3746883"/>
+          <a:ext cx="765969" cy="765969"/>
+        </a:xfrm>
+        <a:prstGeom prst="roundRect">
+          <a:avLst/>
+        </a:prstGeom>
+        <a:gradFill rotWithShape="0">
+          <a:gsLst>
+            <a:gs pos="0">
+              <a:schemeClr val="accent1">
+                <a:hueOff val="0"/>
+                <a:satOff val="0"/>
+                <a:lumOff val="0"/>
+                <a:alphaOff val="0"/>
+                <a:tint val="100000"/>
+                <a:shade val="100000"/>
+                <a:satMod val="130000"/>
+              </a:schemeClr>
+            </a:gs>
+            <a:gs pos="100000">
+              <a:schemeClr val="accent1">
+                <a:hueOff val="0"/>
+                <a:satOff val="0"/>
+                <a:lumOff val="0"/>
+                <a:alphaOff val="0"/>
+                <a:tint val="50000"/>
+                <a:shade val="100000"/>
+                <a:satMod val="350000"/>
+              </a:schemeClr>
+            </a:gs>
+          </a:gsLst>
+          <a:lin ang="16200000" scaled="0"/>
+        </a:gradFill>
+        <a:ln>
+          <a:noFill/>
+        </a:ln>
+        <a:effectLst>
+          <a:outerShdw blurRad="40000" dist="23000" dir="5400000" rotWithShape="0">
+            <a:srgbClr val="000000">
+              <a:alpha val="35000"/>
+            </a:srgbClr>
+          </a:outerShdw>
+        </a:effectLst>
+      </dsp:spPr>
+      <dsp:style>
+        <a:lnRef idx="0">
+          <a:scrgbClr r="0" g="0" b="0"/>
+        </a:lnRef>
+        <a:fillRef idx="3">
+          <a:scrgbClr r="0" g="0" b="0"/>
+        </a:fillRef>
+        <a:effectRef idx="2">
+          <a:scrgbClr r="0" g="0" b="0"/>
+        </a:effectRef>
+        <a:fontRef idx="minor">
+          <a:schemeClr val="lt1"/>
+        </a:fontRef>
+      </dsp:style>
+      <dsp:txBody>
+        <a:bodyPr spcFirstLastPara="0" vert="horz" wrap="square" lIns="50800" tIns="50800" rIns="50800" bIns="50800" numCol="1" spcCol="1270" anchor="ctr" anchorCtr="0">
+          <a:noAutofit/>
+        </a:bodyPr>
+        <a:lstStyle/>
+        <a:p>
+          <a:pPr lvl="0" algn="ctr" defTabSz="889000">
+            <a:lnSpc>
+              <a:spcPct val="90000"/>
+            </a:lnSpc>
+            <a:spcBef>
+              <a:spcPct val="0"/>
+            </a:spcBef>
+            <a:spcAft>
+              <a:spcPct val="35000"/>
+            </a:spcAft>
+          </a:pPr>
+          <a:r>
+            <a:rPr lang="en-US" sz="2000" kern="1200" dirty="0" smtClean="0"/>
+            <a:t>Has many</a:t>
+          </a:r>
+          <a:endParaRPr lang="en-US" sz="2000" kern="1200" dirty="0"/>
+        </a:p>
+      </dsp:txBody>
+      <dsp:txXfrm>
+        <a:off x="3718417" y="3746883"/>
+        <a:ext cx="765969" cy="765969"/>
+      </dsp:txXfrm>
+    </dsp:sp>
+    <dsp:sp modelId="{56932D2F-71A2-7B4D-AF70-A477B1B87E3C}">
+      <dsp:nvSpPr>
+        <dsp:cNvPr id="0" name=""/>
+        <dsp:cNvSpPr/>
+      </dsp:nvSpPr>
+      <dsp:spPr>
+        <a:xfrm>
+          <a:off x="4484386" y="4129867"/>
+          <a:ext cx="576844" cy="0"/>
+        </a:xfrm>
+        <a:custGeom>
+          <a:avLst/>
+          <a:gdLst/>
+          <a:ahLst/>
+          <a:cxnLst/>
+          <a:rect l="0" t="0" r="0" b="0"/>
+          <a:pathLst>
+            <a:path>
+              <a:moveTo>
+                <a:pt x="0" y="0"/>
+              </a:moveTo>
+              <a:lnTo>
+                <a:pt x="576844" y="0"/>
+              </a:lnTo>
+            </a:path>
+          </a:pathLst>
+        </a:custGeom>
+        <a:noFill/>
+        <a:ln w="9525" cap="flat" cmpd="sng" algn="ctr">
+          <a:solidFill>
+            <a:schemeClr val="accent1">
+              <a:shade val="80000"/>
+              <a:hueOff val="0"/>
+              <a:satOff val="0"/>
+              <a:lumOff val="0"/>
+              <a:alphaOff val="0"/>
+            </a:schemeClr>
+          </a:solidFill>
+          <a:prstDash val="solid"/>
+        </a:ln>
+        <a:effectLst/>
+      </dsp:spPr>
+      <dsp:style>
+        <a:lnRef idx="1">
+          <a:scrgbClr r="0" g="0" b="0"/>
+        </a:lnRef>
+        <a:fillRef idx="0">
+          <a:scrgbClr r="0" g="0" b="0"/>
+        </a:fillRef>
+        <a:effectRef idx="0">
+          <a:scrgbClr r="0" g="0" b="0"/>
+        </a:effectRef>
+        <a:fontRef idx="minor"/>
+      </dsp:style>
+    </dsp:sp>
+    <dsp:sp modelId="{9A5A83C2-8339-5243-845D-A6C2329DE46C}">
+      <dsp:nvSpPr>
+        <dsp:cNvPr id="0" name=""/>
+        <dsp:cNvSpPr/>
+      </dsp:nvSpPr>
+      <dsp:spPr>
+        <a:xfrm>
+          <a:off x="5061231" y="3746883"/>
+          <a:ext cx="765969" cy="765969"/>
+        </a:xfrm>
+        <a:prstGeom prst="roundRect">
+          <a:avLst/>
+        </a:prstGeom>
+        <a:gradFill rotWithShape="0">
+          <a:gsLst>
+            <a:gs pos="0">
+              <a:schemeClr val="accent1">
+                <a:hueOff val="0"/>
+                <a:satOff val="0"/>
+                <a:lumOff val="0"/>
+                <a:alphaOff val="0"/>
+                <a:tint val="100000"/>
+                <a:shade val="100000"/>
+                <a:satMod val="130000"/>
+              </a:schemeClr>
+            </a:gs>
+            <a:gs pos="100000">
+              <a:schemeClr val="accent1">
+                <a:hueOff val="0"/>
+                <a:satOff val="0"/>
+                <a:lumOff val="0"/>
+                <a:alphaOff val="0"/>
+                <a:tint val="50000"/>
+                <a:shade val="100000"/>
+                <a:satMod val="350000"/>
+              </a:schemeClr>
+            </a:gs>
+          </a:gsLst>
+          <a:lin ang="16200000" scaled="0"/>
+        </a:gradFill>
+        <a:ln>
+          <a:noFill/>
+        </a:ln>
+        <a:effectLst>
+          <a:outerShdw blurRad="40000" dist="23000" dir="5400000" rotWithShape="0">
+            <a:srgbClr val="000000">
+              <a:alpha val="35000"/>
+            </a:srgbClr>
+          </a:outerShdw>
+        </a:effectLst>
+      </dsp:spPr>
+      <dsp:style>
+        <a:lnRef idx="0">
+          <a:scrgbClr r="0" g="0" b="0"/>
+        </a:lnRef>
+        <a:fillRef idx="3">
+          <a:scrgbClr r="0" g="0" b="0"/>
+        </a:fillRef>
+        <a:effectRef idx="2">
+          <a:scrgbClr r="0" g="0" b="0"/>
+        </a:effectRef>
+        <a:fontRef idx="minor">
+          <a:schemeClr val="lt1"/>
+        </a:fontRef>
+      </dsp:style>
+      <dsp:txBody>
+        <a:bodyPr spcFirstLastPara="0" vert="horz" wrap="square" lIns="27940" tIns="27940" rIns="27940" bIns="27940" numCol="1" spcCol="1270" anchor="ctr" anchorCtr="0">
+          <a:noAutofit/>
+        </a:bodyPr>
+        <a:lstStyle/>
+        <a:p>
+          <a:pPr lvl="0" algn="ctr" defTabSz="488950">
+            <a:lnSpc>
+              <a:spcPct val="90000"/>
+            </a:lnSpc>
+            <a:spcBef>
+              <a:spcPct val="0"/>
+            </a:spcBef>
+            <a:spcAft>
+              <a:spcPct val="35000"/>
+            </a:spcAft>
+          </a:pPr>
+          <a:r>
+            <a:rPr lang="en-US" sz="1100" kern="1200" dirty="0" smtClean="0"/>
+            <a:t>Answers</a:t>
+          </a:r>
+          <a:endParaRPr lang="en-US" sz="1100" kern="1200" dirty="0"/>
+        </a:p>
+      </dsp:txBody>
+      <dsp:txXfrm>
+        <a:off x="5061231" y="3746883"/>
+        <a:ext cx="765969" cy="765969"/>
+      </dsp:txXfrm>
+    </dsp:sp>
+    <dsp:sp modelId="{3831525B-F5B3-7A42-BD95-62EA3BFB457F}">
+      <dsp:nvSpPr>
+        <dsp:cNvPr id="0" name=""/>
+        <dsp:cNvSpPr/>
+      </dsp:nvSpPr>
+      <dsp:spPr>
+        <a:xfrm rot="3600000">
+          <a:off x="4207931" y="4711323"/>
+          <a:ext cx="458348" cy="0"/>
+        </a:xfrm>
+        <a:custGeom>
+          <a:avLst/>
+          <a:gdLst/>
+          <a:ahLst/>
+          <a:cxnLst/>
+          <a:rect l="0" t="0" r="0" b="0"/>
+          <a:pathLst>
+            <a:path>
+              <a:moveTo>
+                <a:pt x="0" y="0"/>
+              </a:moveTo>
+              <a:lnTo>
+                <a:pt x="458348" y="0"/>
+              </a:lnTo>
+            </a:path>
+          </a:pathLst>
+        </a:custGeom>
+        <a:noFill/>
+        <a:ln w="9525" cap="flat" cmpd="sng" algn="ctr">
+          <a:solidFill>
+            <a:schemeClr val="accent1">
+              <a:shade val="80000"/>
+              <a:hueOff val="0"/>
+              <a:satOff val="0"/>
+              <a:lumOff val="0"/>
+              <a:alphaOff val="0"/>
+            </a:schemeClr>
+          </a:solidFill>
+          <a:prstDash val="solid"/>
+        </a:ln>
+        <a:effectLst/>
+      </dsp:spPr>
+      <dsp:style>
+        <a:lnRef idx="1">
+          <a:scrgbClr r="0" g="0" b="0"/>
+        </a:lnRef>
+        <a:fillRef idx="0">
+          <a:scrgbClr r="0" g="0" b="0"/>
+        </a:fillRef>
+        <a:effectRef idx="0">
+          <a:scrgbClr r="0" g="0" b="0"/>
+        </a:effectRef>
+        <a:fontRef idx="minor"/>
+      </dsp:style>
+    </dsp:sp>
+    <dsp:sp modelId="{8615AE58-A899-5F40-8857-294C5B19FC13}">
+      <dsp:nvSpPr>
+        <dsp:cNvPr id="0" name=""/>
+        <dsp:cNvSpPr/>
+      </dsp:nvSpPr>
+      <dsp:spPr>
+        <a:xfrm>
+          <a:off x="4389824" y="4909794"/>
+          <a:ext cx="765969" cy="765969"/>
+        </a:xfrm>
+        <a:prstGeom prst="roundRect">
+          <a:avLst/>
+        </a:prstGeom>
+        <a:gradFill rotWithShape="0">
+          <a:gsLst>
+            <a:gs pos="0">
+              <a:schemeClr val="accent1">
+                <a:hueOff val="0"/>
+                <a:satOff val="0"/>
+                <a:lumOff val="0"/>
+                <a:alphaOff val="0"/>
+                <a:tint val="100000"/>
+                <a:shade val="100000"/>
+                <a:satMod val="130000"/>
+              </a:schemeClr>
+            </a:gs>
+            <a:gs pos="100000">
+              <a:schemeClr val="accent1">
+                <a:hueOff val="0"/>
+                <a:satOff val="0"/>
+                <a:lumOff val="0"/>
+                <a:alphaOff val="0"/>
+                <a:tint val="50000"/>
+                <a:shade val="100000"/>
+                <a:satMod val="350000"/>
+              </a:schemeClr>
+            </a:gs>
+          </a:gsLst>
+          <a:lin ang="16200000" scaled="0"/>
+        </a:gradFill>
+        <a:ln>
+          <a:noFill/>
+        </a:ln>
+        <a:effectLst>
+          <a:outerShdw blurRad="40000" dist="23000" dir="5400000" rotWithShape="0">
+            <a:srgbClr val="000000">
+              <a:alpha val="35000"/>
+            </a:srgbClr>
+          </a:outerShdw>
+        </a:effectLst>
+      </dsp:spPr>
+      <dsp:style>
+        <a:lnRef idx="0">
+          <a:scrgbClr r="0" g="0" b="0"/>
+        </a:lnRef>
+        <a:fillRef idx="3">
+          <a:scrgbClr r="0" g="0" b="0"/>
+        </a:fillRef>
+        <a:effectRef idx="2">
+          <a:scrgbClr r="0" g="0" b="0"/>
+        </a:effectRef>
+        <a:fontRef idx="minor">
+          <a:schemeClr val="lt1"/>
+        </a:fontRef>
+      </dsp:style>
+      <dsp:txBody>
+        <a:bodyPr spcFirstLastPara="0" vert="horz" wrap="square" lIns="27940" tIns="27940" rIns="27940" bIns="27940" numCol="1" spcCol="1270" anchor="ctr" anchorCtr="0">
+          <a:noAutofit/>
+        </a:bodyPr>
+        <a:lstStyle/>
+        <a:p>
+          <a:pPr lvl="0" algn="ctr" defTabSz="488950">
+            <a:lnSpc>
+              <a:spcPct val="90000"/>
+            </a:lnSpc>
+            <a:spcBef>
+              <a:spcPct val="0"/>
+            </a:spcBef>
+            <a:spcAft>
+              <a:spcPct val="35000"/>
+            </a:spcAft>
+          </a:pPr>
+          <a:r>
+            <a:rPr lang="en-US" sz="1100" kern="1200" dirty="0" smtClean="0"/>
+            <a:t>Flags</a:t>
+          </a:r>
+          <a:endParaRPr lang="en-US" sz="1100" kern="1200" dirty="0"/>
+        </a:p>
+      </dsp:txBody>
+      <dsp:txXfrm>
+        <a:off x="4389824" y="4909794"/>
+        <a:ext cx="765969" cy="765969"/>
+      </dsp:txXfrm>
+    </dsp:sp>
+    <dsp:sp modelId="{CF221D90-7FA4-B44C-ACA5-EE4B37407315}">
+      <dsp:nvSpPr>
+        <dsp:cNvPr id="0" name=""/>
+        <dsp:cNvSpPr/>
+      </dsp:nvSpPr>
+      <dsp:spPr>
+        <a:xfrm rot="7200000">
+          <a:off x="3536524" y="4711323"/>
+          <a:ext cx="458348" cy="0"/>
+        </a:xfrm>
+        <a:custGeom>
+          <a:avLst/>
+          <a:gdLst/>
+          <a:ahLst/>
+          <a:cxnLst/>
+          <a:rect l="0" t="0" r="0" b="0"/>
+          <a:pathLst>
+            <a:path>
+              <a:moveTo>
+                <a:pt x="0" y="0"/>
+              </a:moveTo>
+              <a:lnTo>
+                <a:pt x="458348" y="0"/>
+              </a:lnTo>
+            </a:path>
+          </a:pathLst>
+        </a:custGeom>
+        <a:noFill/>
+        <a:ln w="9525" cap="flat" cmpd="sng" algn="ctr">
+          <a:solidFill>
+            <a:schemeClr val="accent1">
+              <a:shade val="80000"/>
+              <a:hueOff val="0"/>
+              <a:satOff val="0"/>
+              <a:lumOff val="0"/>
+              <a:alphaOff val="0"/>
+            </a:schemeClr>
+          </a:solidFill>
+          <a:prstDash val="solid"/>
+        </a:ln>
+        <a:effectLst/>
+      </dsp:spPr>
+      <dsp:style>
+        <a:lnRef idx="1">
+          <a:scrgbClr r="0" g="0" b="0"/>
+        </a:lnRef>
+        <a:fillRef idx="0">
+          <a:scrgbClr r="0" g="0" b="0"/>
+        </a:fillRef>
+        <a:effectRef idx="0">
+          <a:scrgbClr r="0" g="0" b="0"/>
+        </a:effectRef>
+        <a:fontRef idx="minor"/>
+      </dsp:style>
+    </dsp:sp>
+    <dsp:sp modelId="{C4399A2D-47E4-794A-8DA9-6382C88C679B}">
+      <dsp:nvSpPr>
+        <dsp:cNvPr id="0" name=""/>
+        <dsp:cNvSpPr/>
+      </dsp:nvSpPr>
+      <dsp:spPr>
+        <a:xfrm>
+          <a:off x="3047010" y="4909794"/>
+          <a:ext cx="765969" cy="765969"/>
+        </a:xfrm>
+        <a:prstGeom prst="roundRect">
+          <a:avLst/>
+        </a:prstGeom>
+        <a:gradFill rotWithShape="0">
+          <a:gsLst>
+            <a:gs pos="0">
+              <a:schemeClr val="accent1">
+                <a:hueOff val="0"/>
+                <a:satOff val="0"/>
+                <a:lumOff val="0"/>
+                <a:alphaOff val="0"/>
+                <a:tint val="100000"/>
+                <a:shade val="100000"/>
+                <a:satMod val="130000"/>
+              </a:schemeClr>
+            </a:gs>
+            <a:gs pos="100000">
+              <a:schemeClr val="accent1">
+                <a:hueOff val="0"/>
+                <a:satOff val="0"/>
+                <a:lumOff val="0"/>
+                <a:alphaOff val="0"/>
+                <a:tint val="50000"/>
+                <a:shade val="100000"/>
+                <a:satMod val="350000"/>
+              </a:schemeClr>
+            </a:gs>
+          </a:gsLst>
+          <a:lin ang="16200000" scaled="0"/>
+        </a:gradFill>
+        <a:ln>
+          <a:noFill/>
+        </a:ln>
+        <a:effectLst>
+          <a:outerShdw blurRad="40000" dist="23000" dir="5400000" rotWithShape="0">
+            <a:srgbClr val="000000">
+              <a:alpha val="35000"/>
+            </a:srgbClr>
+          </a:outerShdw>
+        </a:effectLst>
+      </dsp:spPr>
+      <dsp:style>
+        <a:lnRef idx="0">
+          <a:scrgbClr r="0" g="0" b="0"/>
+        </a:lnRef>
+        <a:fillRef idx="3">
+          <a:scrgbClr r="0" g="0" b="0"/>
+        </a:fillRef>
+        <a:effectRef idx="2">
+          <a:scrgbClr r="0" g="0" b="0"/>
+        </a:effectRef>
+        <a:fontRef idx="minor">
+          <a:schemeClr val="lt1"/>
+        </a:fontRef>
+      </dsp:style>
+      <dsp:txBody>
+        <a:bodyPr spcFirstLastPara="0" vert="horz" wrap="square" lIns="27940" tIns="27940" rIns="27940" bIns="27940" numCol="1" spcCol="1270" anchor="ctr" anchorCtr="0">
+          <a:noAutofit/>
+        </a:bodyPr>
+        <a:lstStyle/>
+        <a:p>
+          <a:pPr lvl="0" algn="ctr" defTabSz="488950">
+            <a:lnSpc>
+              <a:spcPct val="90000"/>
+            </a:lnSpc>
+            <a:spcBef>
+              <a:spcPct val="0"/>
+            </a:spcBef>
+            <a:spcAft>
+              <a:spcPct val="35000"/>
+            </a:spcAft>
+          </a:pPr>
+          <a:r>
+            <a:rPr lang="en-US" sz="1100" kern="1200" dirty="0" smtClean="0"/>
+            <a:t>Votes</a:t>
+          </a:r>
+          <a:endParaRPr lang="en-US" sz="1100" kern="1200" dirty="0"/>
+        </a:p>
+      </dsp:txBody>
+      <dsp:txXfrm>
+        <a:off x="3047010" y="4909794"/>
+        <a:ext cx="765969" cy="765969"/>
+      </dsp:txXfrm>
+    </dsp:sp>
+    <dsp:sp modelId="{CED4B1E1-EBCF-5443-9886-FE931FDBA8FC}">
+      <dsp:nvSpPr>
+        <dsp:cNvPr id="0" name=""/>
+        <dsp:cNvSpPr/>
+      </dsp:nvSpPr>
+      <dsp:spPr>
+        <a:xfrm rot="10800000">
+          <a:off x="3141572" y="4129867"/>
+          <a:ext cx="576844" cy="0"/>
+        </a:xfrm>
+        <a:custGeom>
+          <a:avLst/>
+          <a:gdLst/>
+          <a:ahLst/>
+          <a:cxnLst/>
+          <a:rect l="0" t="0" r="0" b="0"/>
+          <a:pathLst>
+            <a:path>
+              <a:moveTo>
+                <a:pt x="0" y="0"/>
+              </a:moveTo>
+              <a:lnTo>
+                <a:pt x="576844" y="0"/>
+              </a:lnTo>
+            </a:path>
+          </a:pathLst>
+        </a:custGeom>
+        <a:noFill/>
+        <a:ln w="9525" cap="flat" cmpd="sng" algn="ctr">
+          <a:solidFill>
+            <a:schemeClr val="accent1">
+              <a:shade val="80000"/>
+              <a:hueOff val="0"/>
+              <a:satOff val="0"/>
+              <a:lumOff val="0"/>
+              <a:alphaOff val="0"/>
+            </a:schemeClr>
+          </a:solidFill>
+          <a:prstDash val="solid"/>
+        </a:ln>
+        <a:effectLst/>
+      </dsp:spPr>
+      <dsp:style>
+        <a:lnRef idx="1">
+          <a:scrgbClr r="0" g="0" b="0"/>
+        </a:lnRef>
+        <a:fillRef idx="0">
+          <a:scrgbClr r="0" g="0" b="0"/>
+        </a:fillRef>
+        <a:effectRef idx="0">
+          <a:scrgbClr r="0" g="0" b="0"/>
+        </a:effectRef>
+        <a:fontRef idx="minor"/>
+      </dsp:style>
+    </dsp:sp>
+    <dsp:sp modelId="{5B49BCF4-700E-FA45-A303-4179371CA121}">
+      <dsp:nvSpPr>
+        <dsp:cNvPr id="0" name=""/>
+        <dsp:cNvSpPr/>
+      </dsp:nvSpPr>
+      <dsp:spPr>
+        <a:xfrm>
+          <a:off x="2375603" y="3746883"/>
+          <a:ext cx="765969" cy="765969"/>
+        </a:xfrm>
+        <a:prstGeom prst="roundRect">
+          <a:avLst/>
+        </a:prstGeom>
+        <a:gradFill rotWithShape="0">
+          <a:gsLst>
+            <a:gs pos="0">
+              <a:schemeClr val="accent1">
+                <a:hueOff val="0"/>
+                <a:satOff val="0"/>
+                <a:lumOff val="0"/>
+                <a:alphaOff val="0"/>
+                <a:tint val="100000"/>
+                <a:shade val="100000"/>
+                <a:satMod val="130000"/>
+              </a:schemeClr>
+            </a:gs>
+            <a:gs pos="100000">
+              <a:schemeClr val="accent1">
+                <a:hueOff val="0"/>
+                <a:satOff val="0"/>
+                <a:lumOff val="0"/>
+                <a:alphaOff val="0"/>
+                <a:tint val="50000"/>
+                <a:shade val="100000"/>
+                <a:satMod val="350000"/>
+              </a:schemeClr>
+            </a:gs>
+          </a:gsLst>
+          <a:lin ang="16200000" scaled="0"/>
+        </a:gradFill>
+        <a:ln>
+          <a:noFill/>
+        </a:ln>
+        <a:effectLst>
+          <a:outerShdw blurRad="40000" dist="23000" dir="5400000" rotWithShape="0">
+            <a:srgbClr val="000000">
+              <a:alpha val="35000"/>
+            </a:srgbClr>
+          </a:outerShdw>
+        </a:effectLst>
+      </dsp:spPr>
+      <dsp:style>
+        <a:lnRef idx="0">
+          <a:scrgbClr r="0" g="0" b="0"/>
+        </a:lnRef>
+        <a:fillRef idx="3">
+          <a:scrgbClr r="0" g="0" b="0"/>
+        </a:fillRef>
+        <a:effectRef idx="2">
+          <a:scrgbClr r="0" g="0" b="0"/>
+        </a:effectRef>
+        <a:fontRef idx="minor">
+          <a:schemeClr val="lt1"/>
+        </a:fontRef>
+      </dsp:style>
+      <dsp:txBody>
+        <a:bodyPr spcFirstLastPara="0" vert="horz" wrap="square" lIns="27940" tIns="27940" rIns="27940" bIns="27940" numCol="1" spcCol="1270" anchor="ctr" anchorCtr="0">
+          <a:noAutofit/>
+        </a:bodyPr>
+        <a:lstStyle/>
+        <a:p>
+          <a:pPr lvl="0" algn="ctr" defTabSz="488950">
+            <a:lnSpc>
+              <a:spcPct val="90000"/>
+            </a:lnSpc>
+            <a:spcBef>
+              <a:spcPct val="0"/>
+            </a:spcBef>
+            <a:spcAft>
+              <a:spcPct val="35000"/>
+            </a:spcAft>
+          </a:pPr>
+          <a:r>
+            <a:rPr lang="en-US" sz="1100" kern="1200" dirty="0" smtClean="0"/>
+            <a:t>Comments</a:t>
+          </a:r>
+          <a:endParaRPr lang="en-US" sz="1100" kern="1200" dirty="0"/>
+        </a:p>
+      </dsp:txBody>
+      <dsp:txXfrm>
+        <a:off x="2375603" y="3746883"/>
+        <a:ext cx="765969" cy="765969"/>
+      </dsp:txXfrm>
+    </dsp:sp>
+  </dsp:spTree>
+</dsp:drawing>
+</file>
+
+<file path=ppt/diagrams/drawing3.xml><?xml version="1.0" encoding="utf-8"?>
+<dsp:drawing xmlns:dgm="http://schemas.openxmlformats.org/drawingml/2006/diagram" xmlns:a="http://schemas.openxmlformats.org/drawingml/2006/main" xmlns:dsp="http://schemas.microsoft.com/office/drawing/2008/diagram">
+  <dsp:spTree>
+    <dsp:nvGrpSpPr>
+      <dsp:cNvPr id="0" name=""/>
+      <dsp:cNvGrpSpPr/>
+    </dsp:nvGrpSpPr>
+    <dsp:grpSpPr/>
+    <dsp:sp modelId="{B52CD578-AEA7-3546-AD86-1AFACDC73797}">
       <dsp:nvSpPr>
         <dsp:cNvPr id="0" name=""/>
         <dsp:cNvSpPr/>
@@ -8188,8 +9921,8 @@
       </dsp:nvSpPr>
       <dsp:spPr>
         <a:xfrm rot="16200000">
-          <a:off x="4001979" y="2029102"/>
-          <a:ext cx="198844" cy="0"/>
+          <a:off x="4002021" y="2029144"/>
+          <a:ext cx="198761" cy="0"/>
         </a:xfrm>
         <a:custGeom>
           <a:avLst/>
@@ -8203,7 +9936,7 @@
                 <a:pt x="0" y="0"/>
               </a:moveTo>
               <a:lnTo>
-                <a:pt x="198844" y="0"/>
+                <a:pt x="198761" y="0"/>
               </a:lnTo>
             </a:path>
           </a:pathLst>
@@ -8302,12 +10035,12 @@
         </a:fontRef>
       </dsp:style>
       <dsp:txBody>
-        <a:bodyPr spcFirstLastPara="0" vert="horz" wrap="square" lIns="60960" tIns="60960" rIns="60960" bIns="60960" numCol="1" spcCol="1270" anchor="ctr" anchorCtr="0">
+        <a:bodyPr spcFirstLastPara="0" vert="horz" wrap="square" lIns="73660" tIns="73660" rIns="73660" bIns="73660" numCol="1" spcCol="1270" anchor="ctr" anchorCtr="0">
           <a:noAutofit/>
         </a:bodyPr>
         <a:lstStyle/>
         <a:p>
-          <a:pPr lvl="0" algn="ctr" defTabSz="1066800">
+          <a:pPr lvl="0" algn="ctr" defTabSz="1289050">
             <a:lnSpc>
               <a:spcPct val="90000"/>
             </a:lnSpc>
@@ -8319,15 +10052,15 @@
             </a:spcAft>
           </a:pPr>
           <a:r>
-            <a:rPr lang="en-US" sz="2400" kern="1200" dirty="0" smtClean="0"/>
-            <a:t>Question</a:t>
+            <a:rPr lang="en-US" sz="2900" kern="1200" dirty="0" smtClean="0"/>
+            <a:t>Answer</a:t>
           </a:r>
-          <a:endParaRPr lang="en-US" sz="2400" kern="1200" dirty="0"/>
+          <a:endParaRPr lang="en-US" sz="2900" kern="1200" dirty="0"/>
         </a:p>
       </dsp:txBody>
       <dsp:txXfrm>
-        <a:off x="3461171" y="2197794"/>
-        <a:ext cx="1280461" cy="1280461"/>
+        <a:off x="3391901" y="2128524"/>
+        <a:ext cx="1419001" cy="1419001"/>
       </dsp:txXfrm>
     </dsp:sp>
     <dsp:sp modelId="{B847BC99-AE4E-7749-B2AB-AB7FAA49B089}">
@@ -8337,8 +10070,8 @@
       </dsp:nvSpPr>
       <dsp:spPr>
         <a:xfrm>
-          <a:off x="3730022" y="1186921"/>
-          <a:ext cx="742758" cy="742758"/>
+          <a:off x="3703097" y="1133155"/>
+          <a:ext cx="796608" cy="796608"/>
         </a:xfrm>
         <a:prstGeom prst="roundRect">
           <a:avLst/>
@@ -8420,8 +10153,8 @@
         </a:p>
       </dsp:txBody>
       <dsp:txXfrm>
-        <a:off x="3766280" y="1223179"/>
-        <a:ext cx="670242" cy="670242"/>
+        <a:off x="3703097" y="1133155"/>
+        <a:ext cx="796608" cy="796608"/>
       </dsp:txXfrm>
     </dsp:sp>
     <dsp:sp modelId="{575BCAA7-B0BA-7445-8920-72976032322C}">
@@ -8430,9 +10163,9 @@
         <dsp:cNvSpPr/>
       </dsp:nvSpPr>
       <dsp:spPr>
-        <a:xfrm rot="16200000">
-          <a:off x="3879424" y="964943"/>
-          <a:ext cx="443955" cy="0"/>
+        <a:xfrm rot="13500000">
+          <a:off x="3297000" y="964943"/>
+          <a:ext cx="475773" cy="0"/>
         </a:xfrm>
         <a:custGeom>
           <a:avLst/>
@@ -8446,7 +10179,7 @@
                 <a:pt x="0" y="0"/>
               </a:moveTo>
               <a:lnTo>
-                <a:pt x="443955" y="0"/>
+                <a:pt x="475773" y="0"/>
               </a:lnTo>
             </a:path>
           </a:pathLst>
@@ -8486,8 +10219,8 @@
       </dsp:nvSpPr>
       <dsp:spPr>
         <a:xfrm>
-          <a:off x="3730022" y="207"/>
-          <a:ext cx="742758" cy="742758"/>
+          <a:off x="2570067" y="124"/>
+          <a:ext cx="796608" cy="796608"/>
         </a:xfrm>
         <a:prstGeom prst="roundRect">
           <a:avLst/>
@@ -8545,12 +10278,12 @@
         </a:fontRef>
       </dsp:style>
       <dsp:txBody>
-        <a:bodyPr spcFirstLastPara="0" vert="horz" wrap="square" lIns="33020" tIns="33020" rIns="33020" bIns="33020" numCol="1" spcCol="1270" anchor="ctr" anchorCtr="0">
+        <a:bodyPr spcFirstLastPara="0" vert="horz" wrap="square" lIns="27940" tIns="27940" rIns="27940" bIns="27940" numCol="1" spcCol="1270" anchor="ctr" anchorCtr="0">
           <a:noAutofit/>
         </a:bodyPr>
         <a:lstStyle/>
         <a:p>
-          <a:pPr lvl="0" algn="ctr" defTabSz="577850">
+          <a:pPr lvl="0" algn="ctr" defTabSz="488950">
             <a:lnSpc>
               <a:spcPct val="90000"/>
             </a:lnSpc>
@@ -8562,18 +10295,167 @@
             </a:spcAft>
           </a:pPr>
           <a:r>
-            <a:rPr lang="en-US" sz="1300" kern="1200" dirty="0" smtClean="0"/>
+            <a:rPr lang="en-US" sz="1100" kern="1200" dirty="0" smtClean="0"/>
             <a:t>User</a:t>
           </a:r>
-          <a:endParaRPr lang="en-US" sz="1300" kern="1200" dirty="0"/>
+          <a:endParaRPr lang="en-US" sz="1100" kern="1200" dirty="0"/>
         </a:p>
       </dsp:txBody>
       <dsp:txXfrm>
-        <a:off x="3766280" y="36465"/>
-        <a:ext cx="670242" cy="670242"/>
+        <a:off x="2570067" y="124"/>
+        <a:ext cx="796608" cy="796608"/>
       </dsp:txXfrm>
     </dsp:sp>
-    <dsp:sp modelId="{CD66C230-DF88-A049-9498-22A12FA2B874}">
+    <dsp:sp modelId="{E1CEDD9D-7C45-874F-85F2-DF1855464782}">
+      <dsp:nvSpPr>
+        <dsp:cNvPr id="0" name=""/>
+        <dsp:cNvSpPr/>
+      </dsp:nvSpPr>
+      <dsp:spPr>
+        <a:xfrm rot="18900000">
+          <a:off x="4430030" y="964943"/>
+          <a:ext cx="475773" cy="0"/>
+        </a:xfrm>
+        <a:custGeom>
+          <a:avLst/>
+          <a:gdLst/>
+          <a:ahLst/>
+          <a:cxnLst/>
+          <a:rect l="0" t="0" r="0" b="0"/>
+          <a:pathLst>
+            <a:path>
+              <a:moveTo>
+                <a:pt x="0" y="0"/>
+              </a:moveTo>
+              <a:lnTo>
+                <a:pt x="475773" y="0"/>
+              </a:lnTo>
+            </a:path>
+          </a:pathLst>
+        </a:custGeom>
+        <a:noFill/>
+        <a:ln w="9525" cap="flat" cmpd="sng" algn="ctr">
+          <a:solidFill>
+            <a:schemeClr val="accent1">
+              <a:shade val="80000"/>
+              <a:hueOff val="0"/>
+              <a:satOff val="0"/>
+              <a:lumOff val="0"/>
+              <a:alphaOff val="0"/>
+            </a:schemeClr>
+          </a:solidFill>
+          <a:prstDash val="solid"/>
+        </a:ln>
+        <a:effectLst/>
+      </dsp:spPr>
+      <dsp:style>
+        <a:lnRef idx="1">
+          <a:scrgbClr r="0" g="0" b="0"/>
+        </a:lnRef>
+        <a:fillRef idx="0">
+          <a:scrgbClr r="0" g="0" b="0"/>
+        </a:fillRef>
+        <a:effectRef idx="0">
+          <a:scrgbClr r="0" g="0" b="0"/>
+        </a:effectRef>
+        <a:fontRef idx="minor"/>
+      </dsp:style>
+    </dsp:sp>
+    <dsp:sp modelId="{47775162-3C0E-6E4A-B65D-86ABC99C0893}">
+      <dsp:nvSpPr>
+        <dsp:cNvPr id="0" name=""/>
+        <dsp:cNvSpPr/>
+      </dsp:nvSpPr>
+      <dsp:spPr>
+        <a:xfrm>
+          <a:off x="4836128" y="124"/>
+          <a:ext cx="796608" cy="796608"/>
+        </a:xfrm>
+        <a:prstGeom prst="roundRect">
+          <a:avLst/>
+        </a:prstGeom>
+        <a:gradFill rotWithShape="0">
+          <a:gsLst>
+            <a:gs pos="0">
+              <a:schemeClr val="accent1">
+                <a:hueOff val="0"/>
+                <a:satOff val="0"/>
+                <a:lumOff val="0"/>
+                <a:alphaOff val="0"/>
+                <a:tint val="100000"/>
+                <a:shade val="100000"/>
+                <a:satMod val="130000"/>
+              </a:schemeClr>
+            </a:gs>
+            <a:gs pos="100000">
+              <a:schemeClr val="accent1">
+                <a:hueOff val="0"/>
+                <a:satOff val="0"/>
+                <a:lumOff val="0"/>
+                <a:alphaOff val="0"/>
+                <a:tint val="50000"/>
+                <a:shade val="100000"/>
+                <a:satMod val="350000"/>
+              </a:schemeClr>
+            </a:gs>
+          </a:gsLst>
+          <a:lin ang="16200000" scaled="0"/>
+        </a:gradFill>
+        <a:ln>
+          <a:noFill/>
+        </a:ln>
+        <a:effectLst>
+          <a:outerShdw blurRad="40000" dist="23000" dir="5400000" rotWithShape="0">
+            <a:srgbClr val="000000">
+              <a:alpha val="35000"/>
+            </a:srgbClr>
+          </a:outerShdw>
+        </a:effectLst>
+      </dsp:spPr>
+      <dsp:style>
+        <a:lnRef idx="0">
+          <a:scrgbClr r="0" g="0" b="0"/>
+        </a:lnRef>
+        <a:fillRef idx="3">
+          <a:scrgbClr r="0" g="0" b="0"/>
+        </a:fillRef>
+        <a:effectRef idx="2">
+          <a:scrgbClr r="0" g="0" b="0"/>
+        </a:effectRef>
+        <a:fontRef idx="minor">
+          <a:schemeClr val="lt1"/>
+        </a:fontRef>
+      </dsp:style>
+      <dsp:txBody>
+        <a:bodyPr spcFirstLastPara="0" vert="horz" wrap="square" lIns="27940" tIns="27940" rIns="27940" bIns="27940" numCol="1" spcCol="1270" anchor="ctr" anchorCtr="0">
+          <a:noAutofit/>
+        </a:bodyPr>
+        <a:lstStyle/>
+        <a:p>
+          <a:pPr lvl="0" algn="ctr" defTabSz="488950">
+            <a:lnSpc>
+              <a:spcPct val="90000"/>
+            </a:lnSpc>
+            <a:spcBef>
+              <a:spcPct val="0"/>
+            </a:spcBef>
+            <a:spcAft>
+              <a:spcPct val="35000"/>
+            </a:spcAft>
+          </a:pPr>
+          <a:r>
+            <a:rPr lang="en-US" sz="1100" kern="1200" dirty="0" smtClean="0"/>
+            <a:t>Question</a:t>
+          </a:r>
+          <a:endParaRPr lang="en-US" sz="1100" kern="1200" dirty="0"/>
+        </a:p>
+      </dsp:txBody>
+      <dsp:txXfrm>
+        <a:off x="4836128" y="124"/>
+        <a:ext cx="796608" cy="796608"/>
+      </dsp:txXfrm>
+    </dsp:sp>
+    <dsp:sp modelId="{E26F4F6B-E901-1045-9753-6A8AF5AB89E1}">
       <dsp:nvSpPr>
         <dsp:cNvPr id="0" name=""/>
         <dsp:cNvSpPr/>
@@ -8663,11 +10545,11 @@
         </a:p>
       </dsp:txBody>
       <dsp:txXfrm>
-        <a:off x="3766280" y="3782490"/>
-        <a:ext cx="670242" cy="670242"/>
+        <a:off x="3730022" y="3746232"/>
+        <a:ext cx="742758" cy="742758"/>
       </dsp:txXfrm>
     </dsp:sp>
-    <dsp:sp modelId="{56932D2F-71A2-7B4D-AF70-A477B1B87E3C}">
+    <dsp:sp modelId="{CF221D90-7FA4-B44C-ACA5-EE4B37407315}">
       <dsp:nvSpPr>
         <dsp:cNvPr id="0" name=""/>
         <dsp:cNvSpPr/>
@@ -8722,7 +10604,7 @@
         <a:fontRef idx="minor"/>
       </dsp:style>
     </dsp:sp>
-    <dsp:sp modelId="{9A5A83C2-8339-5243-845D-A6C2329DE46C}">
+    <dsp:sp modelId="{C4399A2D-47E4-794A-8DA9-6382C88C679B}">
       <dsp:nvSpPr>
         <dsp:cNvPr id="0" name=""/>
         <dsp:cNvSpPr/>
@@ -8788,12 +10670,12 @@
         </a:fontRef>
       </dsp:style>
       <dsp:txBody>
-        <a:bodyPr spcFirstLastPara="0" vert="horz" wrap="square" lIns="33020" tIns="33020" rIns="33020" bIns="33020" numCol="1" spcCol="1270" anchor="ctr" anchorCtr="0">
+        <a:bodyPr spcFirstLastPara="0" vert="horz" wrap="square" lIns="27940" tIns="27940" rIns="27940" bIns="27940" numCol="1" spcCol="1270" anchor="ctr" anchorCtr="0">
           <a:noAutofit/>
         </a:bodyPr>
         <a:lstStyle/>
         <a:p>
-          <a:pPr lvl="0" algn="ctr" defTabSz="577850">
+          <a:pPr lvl="0" algn="ctr" defTabSz="488950">
             <a:lnSpc>
               <a:spcPct val="90000"/>
             </a:lnSpc>
@@ -8805,18 +10687,18 @@
             </a:spcAft>
           </a:pPr>
           <a:r>
-            <a:rPr lang="en-US" sz="1300" kern="1200" dirty="0" smtClean="0"/>
-            <a:t>Answers</a:t>
+            <a:rPr lang="en-US" sz="1100" kern="1200" dirty="0" smtClean="0"/>
+            <a:t>Votes</a:t>
           </a:r>
-          <a:endParaRPr lang="en-US" sz="1300" kern="1200" dirty="0"/>
+          <a:endParaRPr lang="en-US" sz="1100" kern="1200" dirty="0"/>
         </a:p>
       </dsp:txBody>
       <dsp:txXfrm>
-        <a:off x="4953271" y="3782490"/>
-        <a:ext cx="670242" cy="670242"/>
+        <a:off x="4917013" y="3746232"/>
+        <a:ext cx="742758" cy="742758"/>
       </dsp:txXfrm>
     </dsp:sp>
-    <dsp:sp modelId="{3831525B-F5B3-7A42-BD95-62EA3BFB457F}">
+    <dsp:sp modelId="{B17AFA01-E452-4A41-8AFF-07EBBC458641}">
       <dsp:nvSpPr>
         <dsp:cNvPr id="0" name=""/>
         <dsp:cNvSpPr/>
@@ -8871,7 +10753,7 @@
         <a:fontRef idx="minor"/>
       </dsp:style>
     </dsp:sp>
-    <dsp:sp modelId="{8615AE58-A899-5F40-8857-294C5B19FC13}">
+    <dsp:sp modelId="{D18D9CE1-1028-394A-8BA9-FA1997999945}">
       <dsp:nvSpPr>
         <dsp:cNvPr id="0" name=""/>
         <dsp:cNvSpPr/>
@@ -8937,12 +10819,12 @@
         </a:fontRef>
       </dsp:style>
       <dsp:txBody>
-        <a:bodyPr spcFirstLastPara="0" vert="horz" wrap="square" lIns="33020" tIns="33020" rIns="33020" bIns="33020" numCol="1" spcCol="1270" anchor="ctr" anchorCtr="0">
+        <a:bodyPr spcFirstLastPara="0" vert="horz" wrap="square" lIns="27940" tIns="27940" rIns="27940" bIns="27940" numCol="1" spcCol="1270" anchor="ctr" anchorCtr="0">
           <a:noAutofit/>
         </a:bodyPr>
         <a:lstStyle/>
         <a:p>
-          <a:pPr lvl="0" algn="ctr" defTabSz="577850">
+          <a:pPr lvl="0" algn="ctr" defTabSz="488950">
             <a:lnSpc>
               <a:spcPct val="90000"/>
             </a:lnSpc>
@@ -8954,18 +10836,18 @@
             </a:spcAft>
           </a:pPr>
           <a:r>
-            <a:rPr lang="en-US" sz="1300" kern="1200" dirty="0" smtClean="0"/>
+            <a:rPr lang="en-US" sz="1100" kern="1200" dirty="0" smtClean="0"/>
             <a:t>Flags</a:t>
           </a:r>
-          <a:endParaRPr lang="en-US" sz="1300" kern="1200" dirty="0"/>
+          <a:endParaRPr lang="en-US" sz="1100" kern="1200" dirty="0"/>
         </a:p>
       </dsp:txBody>
       <dsp:txXfrm>
-        <a:off x="3766280" y="4969480"/>
-        <a:ext cx="670242" cy="670242"/>
+        <a:off x="3730022" y="4933222"/>
+        <a:ext cx="742758" cy="742758"/>
       </dsp:txXfrm>
     </dsp:sp>
-    <dsp:sp modelId="{CF221D90-7FA4-B44C-ACA5-EE4B37407315}">
+    <dsp:sp modelId="{FE3D729D-FA90-8244-8312-F9618497E6F5}">
       <dsp:nvSpPr>
         <dsp:cNvPr id="0" name=""/>
         <dsp:cNvSpPr/>
@@ -9020,7 +10902,7 @@
         <a:fontRef idx="minor"/>
       </dsp:style>
     </dsp:sp>
-    <dsp:sp modelId="{C4399A2D-47E4-794A-8DA9-6382C88C679B}">
+    <dsp:sp modelId="{811C2062-AEA0-ED4E-AC09-3633BBDAE728}">
       <dsp:nvSpPr>
         <dsp:cNvPr id="0" name=""/>
         <dsp:cNvSpPr/>
@@ -9086,12 +10968,12 @@
         </a:fontRef>
       </dsp:style>
       <dsp:txBody>
-        <a:bodyPr spcFirstLastPara="0" vert="horz" wrap="square" lIns="33020" tIns="33020" rIns="33020" bIns="33020" numCol="1" spcCol="1270" anchor="ctr" anchorCtr="0">
+        <a:bodyPr spcFirstLastPara="0" vert="horz" wrap="square" lIns="27940" tIns="27940" rIns="27940" bIns="27940" numCol="1" spcCol="1270" anchor="ctr" anchorCtr="0">
           <a:noAutofit/>
         </a:bodyPr>
         <a:lstStyle/>
         <a:p>
-          <a:pPr lvl="0" algn="ctr" defTabSz="577850">
+          <a:pPr lvl="0" algn="ctr" defTabSz="488950">
             <a:lnSpc>
               <a:spcPct val="90000"/>
             </a:lnSpc>
@@ -9103,1015 +10985,15 @@
             </a:spcAft>
           </a:pPr>
           <a:r>
-            <a:rPr lang="en-US" sz="1300" kern="1200" dirty="0" smtClean="0"/>
-            <a:t>Votes</a:t>
+            <a:rPr lang="en-US" sz="1100" kern="1200" dirty="0" smtClean="0"/>
+            <a:t>Comments</a:t>
           </a:r>
-          <a:endParaRPr lang="en-US" sz="1300" kern="1200" dirty="0"/>
+          <a:endParaRPr lang="en-US" sz="1100" kern="1200" dirty="0"/>
         </a:p>
       </dsp:txBody>
       <dsp:txXfrm>
-        <a:off x="2579290" y="3782490"/>
-        <a:ext cx="670242" cy="670242"/>
-      </dsp:txXfrm>
-    </dsp:sp>
-  </dsp:spTree>
-</dsp:drawing>
-</file>
-
-<file path=ppt/diagrams/drawing3.xml><?xml version="1.0" encoding="utf-8"?>
-<dsp:drawing xmlns:dgm="http://schemas.openxmlformats.org/drawingml/2006/diagram" xmlns:dsp="http://schemas.microsoft.com/office/drawing/2008/diagram" xmlns:a="http://schemas.openxmlformats.org/drawingml/2006/main">
-  <dsp:spTree>
-    <dsp:nvGrpSpPr>
-      <dsp:cNvPr id="0" name=""/>
-      <dsp:cNvGrpSpPr/>
-    </dsp:nvGrpSpPr>
-    <dsp:grpSpPr/>
-    <dsp:sp modelId="{B52CD578-AEA7-3546-AD86-1AFACDC73797}">
-      <dsp:nvSpPr>
-        <dsp:cNvPr id="0" name=""/>
-        <dsp:cNvSpPr/>
-      </dsp:nvSpPr>
-      <dsp:spPr>
-        <a:xfrm rot="5400000">
-          <a:off x="4002021" y="3646933"/>
-          <a:ext cx="198761" cy="0"/>
-        </a:xfrm>
-        <a:custGeom>
-          <a:avLst/>
-          <a:gdLst/>
-          <a:ahLst/>
-          <a:cxnLst/>
-          <a:rect l="0" t="0" r="0" b="0"/>
-          <a:pathLst>
-            <a:path>
-              <a:moveTo>
-                <a:pt x="0" y="0"/>
-              </a:moveTo>
-              <a:lnTo>
-                <a:pt x="198761" y="0"/>
-              </a:lnTo>
-            </a:path>
-          </a:pathLst>
-        </a:custGeom>
-        <a:noFill/>
-        <a:ln w="9525" cap="flat" cmpd="sng" algn="ctr">
-          <a:solidFill>
-            <a:schemeClr val="accent1">
-              <a:shade val="60000"/>
-              <a:hueOff val="0"/>
-              <a:satOff val="0"/>
-              <a:lumOff val="0"/>
-              <a:alphaOff val="0"/>
-            </a:schemeClr>
-          </a:solidFill>
-          <a:prstDash val="solid"/>
-        </a:ln>
-        <a:effectLst/>
-      </dsp:spPr>
-      <dsp:style>
-        <a:lnRef idx="1">
-          <a:scrgbClr r="0" g="0" b="0"/>
-        </a:lnRef>
-        <a:fillRef idx="0">
-          <a:scrgbClr r="0" g="0" b="0"/>
-        </a:fillRef>
-        <a:effectRef idx="0">
-          <a:scrgbClr r="0" g="0" b="0"/>
-        </a:effectRef>
-        <a:fontRef idx="minor"/>
-      </dsp:style>
-    </dsp:sp>
-    <dsp:sp modelId="{9BDA7D2F-5F0A-FE48-8970-12AF8E701DD5}">
-      <dsp:nvSpPr>
-        <dsp:cNvPr id="0" name=""/>
-        <dsp:cNvSpPr/>
-      </dsp:nvSpPr>
-      <dsp:spPr>
-        <a:xfrm rot="16200000">
-          <a:off x="4002021" y="2029171"/>
-          <a:ext cx="198761" cy="0"/>
-        </a:xfrm>
-        <a:custGeom>
-          <a:avLst/>
-          <a:gdLst/>
-          <a:ahLst/>
-          <a:cxnLst/>
-          <a:rect l="0" t="0" r="0" b="0"/>
-          <a:pathLst>
-            <a:path>
-              <a:moveTo>
-                <a:pt x="0" y="0"/>
-              </a:moveTo>
-              <a:lnTo>
-                <a:pt x="198761" y="0"/>
-              </a:lnTo>
-            </a:path>
-          </a:pathLst>
-        </a:custGeom>
-        <a:noFill/>
-        <a:ln w="9525" cap="flat" cmpd="sng" algn="ctr">
-          <a:solidFill>
-            <a:schemeClr val="accent1">
-              <a:shade val="60000"/>
-              <a:hueOff val="0"/>
-              <a:satOff val="0"/>
-              <a:lumOff val="0"/>
-              <a:alphaOff val="0"/>
-            </a:schemeClr>
-          </a:solidFill>
-          <a:prstDash val="solid"/>
-        </a:ln>
-        <a:effectLst/>
-      </dsp:spPr>
-      <dsp:style>
-        <a:lnRef idx="1">
-          <a:scrgbClr r="0" g="0" b="0"/>
-        </a:lnRef>
-        <a:fillRef idx="0">
-          <a:scrgbClr r="0" g="0" b="0"/>
-        </a:fillRef>
-        <a:effectRef idx="0">
-          <a:scrgbClr r="0" g="0" b="0"/>
-        </a:effectRef>
-        <a:fontRef idx="minor"/>
-      </dsp:style>
-    </dsp:sp>
-    <dsp:sp modelId="{7379E456-43C9-BB4E-8370-A5BCA370F176}">
-      <dsp:nvSpPr>
-        <dsp:cNvPr id="0" name=""/>
-        <dsp:cNvSpPr/>
-      </dsp:nvSpPr>
-      <dsp:spPr>
-        <a:xfrm>
-          <a:off x="3391901" y="2128552"/>
-          <a:ext cx="1419001" cy="1419001"/>
-        </a:xfrm>
-        <a:prstGeom prst="roundRect">
-          <a:avLst/>
-        </a:prstGeom>
-        <a:gradFill rotWithShape="0">
-          <a:gsLst>
-            <a:gs pos="0">
-              <a:schemeClr val="accent1">
-                <a:hueOff val="0"/>
-                <a:satOff val="0"/>
-                <a:lumOff val="0"/>
-                <a:alphaOff val="0"/>
-                <a:tint val="100000"/>
-                <a:shade val="100000"/>
-                <a:satMod val="130000"/>
-              </a:schemeClr>
-            </a:gs>
-            <a:gs pos="100000">
-              <a:schemeClr val="accent1">
-                <a:hueOff val="0"/>
-                <a:satOff val="0"/>
-                <a:lumOff val="0"/>
-                <a:alphaOff val="0"/>
-                <a:tint val="50000"/>
-                <a:shade val="100000"/>
-                <a:satMod val="350000"/>
-              </a:schemeClr>
-            </a:gs>
-          </a:gsLst>
-          <a:lin ang="16200000" scaled="0"/>
-        </a:gradFill>
-        <a:ln>
-          <a:noFill/>
-        </a:ln>
-        <a:effectLst>
-          <a:outerShdw blurRad="40000" dist="23000" dir="5400000" rotWithShape="0">
-            <a:srgbClr val="000000">
-              <a:alpha val="35000"/>
-            </a:srgbClr>
-          </a:outerShdw>
-        </a:effectLst>
-      </dsp:spPr>
-      <dsp:style>
-        <a:lnRef idx="0">
-          <a:scrgbClr r="0" g="0" b="0"/>
-        </a:lnRef>
-        <a:fillRef idx="3">
-          <a:scrgbClr r="0" g="0" b="0"/>
-        </a:fillRef>
-        <a:effectRef idx="2">
-          <a:scrgbClr r="0" g="0" b="0"/>
-        </a:effectRef>
-        <a:fontRef idx="minor">
-          <a:schemeClr val="lt1"/>
-        </a:fontRef>
-      </dsp:style>
-      <dsp:txBody>
-        <a:bodyPr spcFirstLastPara="0" vert="horz" wrap="square" lIns="73660" tIns="73660" rIns="73660" bIns="73660" numCol="1" spcCol="1270" anchor="ctr" anchorCtr="0">
-          <a:noAutofit/>
-        </a:bodyPr>
-        <a:lstStyle/>
-        <a:p>
-          <a:pPr lvl="0" algn="ctr" defTabSz="1289050">
-            <a:lnSpc>
-              <a:spcPct val="90000"/>
-            </a:lnSpc>
-            <a:spcBef>
-              <a:spcPct val="0"/>
-            </a:spcBef>
-            <a:spcAft>
-              <a:spcPct val="35000"/>
-            </a:spcAft>
-          </a:pPr>
-          <a:r>
-            <a:rPr lang="en-US" sz="2900" kern="1200" dirty="0" smtClean="0"/>
-            <a:t>Answer</a:t>
-          </a:r>
-          <a:endParaRPr lang="en-US" sz="2900" kern="1200" dirty="0"/>
-        </a:p>
-      </dsp:txBody>
-      <dsp:txXfrm>
-        <a:off x="3461171" y="2197822"/>
-        <a:ext cx="1280461" cy="1280461"/>
-      </dsp:txXfrm>
-    </dsp:sp>
-    <dsp:sp modelId="{B847BC99-AE4E-7749-B2AB-AB7FAA49B089}">
-      <dsp:nvSpPr>
-        <dsp:cNvPr id="0" name=""/>
-        <dsp:cNvSpPr/>
-      </dsp:nvSpPr>
-      <dsp:spPr>
-        <a:xfrm>
-          <a:off x="3703097" y="1133182"/>
-          <a:ext cx="796608" cy="796608"/>
-        </a:xfrm>
-        <a:prstGeom prst="roundRect">
-          <a:avLst/>
-        </a:prstGeom>
-        <a:gradFill rotWithShape="0">
-          <a:gsLst>
-            <a:gs pos="0">
-              <a:schemeClr val="accent1">
-                <a:hueOff val="0"/>
-                <a:satOff val="0"/>
-                <a:lumOff val="0"/>
-                <a:alphaOff val="0"/>
-                <a:tint val="100000"/>
-                <a:shade val="100000"/>
-                <a:satMod val="130000"/>
-              </a:schemeClr>
-            </a:gs>
-            <a:gs pos="100000">
-              <a:schemeClr val="accent1">
-                <a:hueOff val="0"/>
-                <a:satOff val="0"/>
-                <a:lumOff val="0"/>
-                <a:alphaOff val="0"/>
-                <a:tint val="50000"/>
-                <a:shade val="100000"/>
-                <a:satMod val="350000"/>
-              </a:schemeClr>
-            </a:gs>
-          </a:gsLst>
-          <a:lin ang="16200000" scaled="0"/>
-        </a:gradFill>
-        <a:ln>
-          <a:noFill/>
-        </a:ln>
-        <a:effectLst>
-          <a:outerShdw blurRad="40000" dist="23000" dir="5400000" rotWithShape="0">
-            <a:srgbClr val="000000">
-              <a:alpha val="35000"/>
-            </a:srgbClr>
-          </a:outerShdw>
-        </a:effectLst>
-      </dsp:spPr>
-      <dsp:style>
-        <a:lnRef idx="0">
-          <a:scrgbClr r="0" g="0" b="0"/>
-        </a:lnRef>
-        <a:fillRef idx="3">
-          <a:scrgbClr r="0" g="0" b="0"/>
-        </a:fillRef>
-        <a:effectRef idx="2">
-          <a:scrgbClr r="0" g="0" b="0"/>
-        </a:effectRef>
-        <a:fontRef idx="minor">
-          <a:schemeClr val="lt1"/>
-        </a:fontRef>
-      </dsp:style>
-      <dsp:txBody>
-        <a:bodyPr spcFirstLastPara="0" vert="horz" wrap="square" lIns="53340" tIns="53340" rIns="53340" bIns="53340" numCol="1" spcCol="1270" anchor="ctr" anchorCtr="0">
-          <a:noAutofit/>
-        </a:bodyPr>
-        <a:lstStyle/>
-        <a:p>
-          <a:pPr lvl="0" algn="ctr" defTabSz="933450">
-            <a:lnSpc>
-              <a:spcPct val="90000"/>
-            </a:lnSpc>
-            <a:spcBef>
-              <a:spcPct val="0"/>
-            </a:spcBef>
-            <a:spcAft>
-              <a:spcPct val="35000"/>
-            </a:spcAft>
-          </a:pPr>
-          <a:r>
-            <a:rPr lang="en-US" sz="2100" kern="1200" dirty="0" smtClean="0"/>
-            <a:t>Has ONE</a:t>
-          </a:r>
-          <a:endParaRPr lang="en-US" sz="2100" kern="1200" dirty="0"/>
-        </a:p>
-      </dsp:txBody>
-      <dsp:txXfrm>
-        <a:off x="3741984" y="1172069"/>
-        <a:ext cx="718834" cy="718834"/>
-      </dsp:txXfrm>
-    </dsp:sp>
-    <dsp:sp modelId="{575BCAA7-B0BA-7445-8920-72976032322C}">
-      <dsp:nvSpPr>
-        <dsp:cNvPr id="0" name=""/>
-        <dsp:cNvSpPr/>
-      </dsp:nvSpPr>
-      <dsp:spPr>
-        <a:xfrm rot="13500000">
-          <a:off x="3297000" y="964971"/>
-          <a:ext cx="475773" cy="0"/>
-        </a:xfrm>
-        <a:custGeom>
-          <a:avLst/>
-          <a:gdLst/>
-          <a:ahLst/>
-          <a:cxnLst/>
-          <a:rect l="0" t="0" r="0" b="0"/>
-          <a:pathLst>
-            <a:path>
-              <a:moveTo>
-                <a:pt x="0" y="0"/>
-              </a:moveTo>
-              <a:lnTo>
-                <a:pt x="475773" y="0"/>
-              </a:lnTo>
-            </a:path>
-          </a:pathLst>
-        </a:custGeom>
-        <a:noFill/>
-        <a:ln w="9525" cap="flat" cmpd="sng" algn="ctr">
-          <a:solidFill>
-            <a:schemeClr val="accent1">
-              <a:shade val="80000"/>
-              <a:hueOff val="0"/>
-              <a:satOff val="0"/>
-              <a:lumOff val="0"/>
-              <a:alphaOff val="0"/>
-            </a:schemeClr>
-          </a:solidFill>
-          <a:prstDash val="solid"/>
-        </a:ln>
-        <a:effectLst/>
-      </dsp:spPr>
-      <dsp:style>
-        <a:lnRef idx="1">
-          <a:scrgbClr r="0" g="0" b="0"/>
-        </a:lnRef>
-        <a:fillRef idx="0">
-          <a:scrgbClr r="0" g="0" b="0"/>
-        </a:fillRef>
-        <a:effectRef idx="0">
-          <a:scrgbClr r="0" g="0" b="0"/>
-        </a:effectRef>
-        <a:fontRef idx="minor"/>
-      </dsp:style>
-    </dsp:sp>
-    <dsp:sp modelId="{E53C7DBD-C183-0B4B-9F68-E09203C858EE}">
-      <dsp:nvSpPr>
-        <dsp:cNvPr id="0" name=""/>
-        <dsp:cNvSpPr/>
-      </dsp:nvSpPr>
-      <dsp:spPr>
-        <a:xfrm>
-          <a:off x="2570067" y="151"/>
-          <a:ext cx="796608" cy="796608"/>
-        </a:xfrm>
-        <a:prstGeom prst="roundRect">
-          <a:avLst/>
-        </a:prstGeom>
-        <a:gradFill rotWithShape="0">
-          <a:gsLst>
-            <a:gs pos="0">
-              <a:schemeClr val="accent1">
-                <a:hueOff val="0"/>
-                <a:satOff val="0"/>
-                <a:lumOff val="0"/>
-                <a:alphaOff val="0"/>
-                <a:tint val="100000"/>
-                <a:shade val="100000"/>
-                <a:satMod val="130000"/>
-              </a:schemeClr>
-            </a:gs>
-            <a:gs pos="100000">
-              <a:schemeClr val="accent1">
-                <a:hueOff val="0"/>
-                <a:satOff val="0"/>
-                <a:lumOff val="0"/>
-                <a:alphaOff val="0"/>
-                <a:tint val="50000"/>
-                <a:shade val="100000"/>
-                <a:satMod val="350000"/>
-              </a:schemeClr>
-            </a:gs>
-          </a:gsLst>
-          <a:lin ang="16200000" scaled="0"/>
-        </a:gradFill>
-        <a:ln>
-          <a:noFill/>
-        </a:ln>
-        <a:effectLst>
-          <a:outerShdw blurRad="40000" dist="23000" dir="5400000" rotWithShape="0">
-            <a:srgbClr val="000000">
-              <a:alpha val="35000"/>
-            </a:srgbClr>
-          </a:outerShdw>
-        </a:effectLst>
-      </dsp:spPr>
-      <dsp:style>
-        <a:lnRef idx="0">
-          <a:scrgbClr r="0" g="0" b="0"/>
-        </a:lnRef>
-        <a:fillRef idx="3">
-          <a:scrgbClr r="0" g="0" b="0"/>
-        </a:fillRef>
-        <a:effectRef idx="2">
-          <a:scrgbClr r="0" g="0" b="0"/>
-        </a:effectRef>
-        <a:fontRef idx="minor">
-          <a:schemeClr val="lt1"/>
-        </a:fontRef>
-      </dsp:style>
-      <dsp:txBody>
-        <a:bodyPr spcFirstLastPara="0" vert="horz" wrap="square" lIns="33020" tIns="33020" rIns="33020" bIns="33020" numCol="1" spcCol="1270" anchor="ctr" anchorCtr="0">
-          <a:noAutofit/>
-        </a:bodyPr>
-        <a:lstStyle/>
-        <a:p>
-          <a:pPr lvl="0" algn="ctr" defTabSz="577850">
-            <a:lnSpc>
-              <a:spcPct val="90000"/>
-            </a:lnSpc>
-            <a:spcBef>
-              <a:spcPct val="0"/>
-            </a:spcBef>
-            <a:spcAft>
-              <a:spcPct val="35000"/>
-            </a:spcAft>
-          </a:pPr>
-          <a:r>
-            <a:rPr lang="en-US" sz="1300" kern="1200" dirty="0" smtClean="0"/>
-            <a:t>User</a:t>
-          </a:r>
-          <a:endParaRPr lang="en-US" sz="1300" kern="1200" dirty="0"/>
-        </a:p>
-      </dsp:txBody>
-      <dsp:txXfrm>
-        <a:off x="2608954" y="39038"/>
-        <a:ext cx="718834" cy="718834"/>
-      </dsp:txXfrm>
-    </dsp:sp>
-    <dsp:sp modelId="{E1CEDD9D-7C45-874F-85F2-DF1855464782}">
-      <dsp:nvSpPr>
-        <dsp:cNvPr id="0" name=""/>
-        <dsp:cNvSpPr/>
-      </dsp:nvSpPr>
-      <dsp:spPr>
-        <a:xfrm rot="18900000">
-          <a:off x="4430030" y="964971"/>
-          <a:ext cx="475773" cy="0"/>
-        </a:xfrm>
-        <a:custGeom>
-          <a:avLst/>
-          <a:gdLst/>
-          <a:ahLst/>
-          <a:cxnLst/>
-          <a:rect l="0" t="0" r="0" b="0"/>
-          <a:pathLst>
-            <a:path>
-              <a:moveTo>
-                <a:pt x="0" y="0"/>
-              </a:moveTo>
-              <a:lnTo>
-                <a:pt x="475773" y="0"/>
-              </a:lnTo>
-            </a:path>
-          </a:pathLst>
-        </a:custGeom>
-        <a:noFill/>
-        <a:ln w="9525" cap="flat" cmpd="sng" algn="ctr">
-          <a:solidFill>
-            <a:schemeClr val="accent1">
-              <a:shade val="80000"/>
-              <a:hueOff val="0"/>
-              <a:satOff val="0"/>
-              <a:lumOff val="0"/>
-              <a:alphaOff val="0"/>
-            </a:schemeClr>
-          </a:solidFill>
-          <a:prstDash val="solid"/>
-        </a:ln>
-        <a:effectLst/>
-      </dsp:spPr>
-      <dsp:style>
-        <a:lnRef idx="1">
-          <a:scrgbClr r="0" g="0" b="0"/>
-        </a:lnRef>
-        <a:fillRef idx="0">
-          <a:scrgbClr r="0" g="0" b="0"/>
-        </a:fillRef>
-        <a:effectRef idx="0">
-          <a:scrgbClr r="0" g="0" b="0"/>
-        </a:effectRef>
-        <a:fontRef idx="minor"/>
-      </dsp:style>
-    </dsp:sp>
-    <dsp:sp modelId="{47775162-3C0E-6E4A-B65D-86ABC99C0893}">
-      <dsp:nvSpPr>
-        <dsp:cNvPr id="0" name=""/>
-        <dsp:cNvSpPr/>
-      </dsp:nvSpPr>
-      <dsp:spPr>
-        <a:xfrm>
-          <a:off x="4836128" y="151"/>
-          <a:ext cx="796608" cy="796608"/>
-        </a:xfrm>
-        <a:prstGeom prst="roundRect">
-          <a:avLst/>
-        </a:prstGeom>
-        <a:gradFill rotWithShape="0">
-          <a:gsLst>
-            <a:gs pos="0">
-              <a:schemeClr val="accent1">
-                <a:hueOff val="0"/>
-                <a:satOff val="0"/>
-                <a:lumOff val="0"/>
-                <a:alphaOff val="0"/>
-                <a:tint val="100000"/>
-                <a:shade val="100000"/>
-                <a:satMod val="130000"/>
-              </a:schemeClr>
-            </a:gs>
-            <a:gs pos="100000">
-              <a:schemeClr val="accent1">
-                <a:hueOff val="0"/>
-                <a:satOff val="0"/>
-                <a:lumOff val="0"/>
-                <a:alphaOff val="0"/>
-                <a:tint val="50000"/>
-                <a:shade val="100000"/>
-                <a:satMod val="350000"/>
-              </a:schemeClr>
-            </a:gs>
-          </a:gsLst>
-          <a:lin ang="16200000" scaled="0"/>
-        </a:gradFill>
-        <a:ln>
-          <a:noFill/>
-        </a:ln>
-        <a:effectLst>
-          <a:outerShdw blurRad="40000" dist="23000" dir="5400000" rotWithShape="0">
-            <a:srgbClr val="000000">
-              <a:alpha val="35000"/>
-            </a:srgbClr>
-          </a:outerShdw>
-        </a:effectLst>
-      </dsp:spPr>
-      <dsp:style>
-        <a:lnRef idx="0">
-          <a:scrgbClr r="0" g="0" b="0"/>
-        </a:lnRef>
-        <a:fillRef idx="3">
-          <a:scrgbClr r="0" g="0" b="0"/>
-        </a:fillRef>
-        <a:effectRef idx="2">
-          <a:scrgbClr r="0" g="0" b="0"/>
-        </a:effectRef>
-        <a:fontRef idx="minor">
-          <a:schemeClr val="lt1"/>
-        </a:fontRef>
-      </dsp:style>
-      <dsp:txBody>
-        <a:bodyPr spcFirstLastPara="0" vert="horz" wrap="square" lIns="33020" tIns="33020" rIns="33020" bIns="33020" numCol="1" spcCol="1270" anchor="ctr" anchorCtr="0">
-          <a:noAutofit/>
-        </a:bodyPr>
-        <a:lstStyle/>
-        <a:p>
-          <a:pPr lvl="0" algn="ctr" defTabSz="577850">
-            <a:lnSpc>
-              <a:spcPct val="90000"/>
-            </a:lnSpc>
-            <a:spcBef>
-              <a:spcPct val="0"/>
-            </a:spcBef>
-            <a:spcAft>
-              <a:spcPct val="35000"/>
-            </a:spcAft>
-          </a:pPr>
-          <a:r>
-            <a:rPr lang="en-US" sz="1300" kern="1200" dirty="0" smtClean="0"/>
-            <a:t>Question</a:t>
-          </a:r>
-          <a:endParaRPr lang="en-US" sz="1300" kern="1200" dirty="0"/>
-        </a:p>
-      </dsp:txBody>
-      <dsp:txXfrm>
-        <a:off x="4875015" y="39038"/>
-        <a:ext cx="718834" cy="718834"/>
-      </dsp:txXfrm>
-    </dsp:sp>
-    <dsp:sp modelId="{E26F4F6B-E901-1045-9753-6A8AF5AB89E1}">
-      <dsp:nvSpPr>
-        <dsp:cNvPr id="0" name=""/>
-        <dsp:cNvSpPr/>
-      </dsp:nvSpPr>
-      <dsp:spPr>
-        <a:xfrm>
-          <a:off x="3703097" y="3746314"/>
-          <a:ext cx="796608" cy="796608"/>
-        </a:xfrm>
-        <a:prstGeom prst="roundRect">
-          <a:avLst/>
-        </a:prstGeom>
-        <a:gradFill rotWithShape="0">
-          <a:gsLst>
-            <a:gs pos="0">
-              <a:schemeClr val="accent1">
-                <a:hueOff val="0"/>
-                <a:satOff val="0"/>
-                <a:lumOff val="0"/>
-                <a:alphaOff val="0"/>
-                <a:tint val="100000"/>
-                <a:shade val="100000"/>
-                <a:satMod val="130000"/>
-              </a:schemeClr>
-            </a:gs>
-            <a:gs pos="100000">
-              <a:schemeClr val="accent1">
-                <a:hueOff val="0"/>
-                <a:satOff val="0"/>
-                <a:lumOff val="0"/>
-                <a:alphaOff val="0"/>
-                <a:tint val="50000"/>
-                <a:shade val="100000"/>
-                <a:satMod val="350000"/>
-              </a:schemeClr>
-            </a:gs>
-          </a:gsLst>
-          <a:lin ang="16200000" scaled="0"/>
-        </a:gradFill>
-        <a:ln>
-          <a:noFill/>
-        </a:ln>
-        <a:effectLst>
-          <a:outerShdw blurRad="40000" dist="23000" dir="5400000" rotWithShape="0">
-            <a:srgbClr val="000000">
-              <a:alpha val="35000"/>
-            </a:srgbClr>
-          </a:outerShdw>
-        </a:effectLst>
-      </dsp:spPr>
-      <dsp:style>
-        <a:lnRef idx="0">
-          <a:scrgbClr r="0" g="0" b="0"/>
-        </a:lnRef>
-        <a:fillRef idx="3">
-          <a:scrgbClr r="0" g="0" b="0"/>
-        </a:fillRef>
-        <a:effectRef idx="2">
-          <a:scrgbClr r="0" g="0" b="0"/>
-        </a:effectRef>
-        <a:fontRef idx="minor">
-          <a:schemeClr val="lt1"/>
-        </a:fontRef>
-      </dsp:style>
-      <dsp:txBody>
-        <a:bodyPr spcFirstLastPara="0" vert="horz" wrap="square" lIns="53340" tIns="53340" rIns="53340" bIns="53340" numCol="1" spcCol="1270" anchor="ctr" anchorCtr="0">
-          <a:noAutofit/>
-        </a:bodyPr>
-        <a:lstStyle/>
-        <a:p>
-          <a:pPr lvl="0" algn="ctr" defTabSz="933450">
-            <a:lnSpc>
-              <a:spcPct val="90000"/>
-            </a:lnSpc>
-            <a:spcBef>
-              <a:spcPct val="0"/>
-            </a:spcBef>
-            <a:spcAft>
-              <a:spcPct val="35000"/>
-            </a:spcAft>
-          </a:pPr>
-          <a:r>
-            <a:rPr lang="en-US" sz="2100" kern="1200" dirty="0" smtClean="0"/>
-            <a:t>Has many</a:t>
-          </a:r>
-          <a:endParaRPr lang="en-US" sz="2100" kern="1200" dirty="0"/>
-        </a:p>
-      </dsp:txBody>
-      <dsp:txXfrm>
-        <a:off x="3741984" y="3785201"/>
-        <a:ext cx="718834" cy="718834"/>
-      </dsp:txXfrm>
-    </dsp:sp>
-    <dsp:sp modelId="{CF221D90-7FA4-B44C-ACA5-EE4B37407315}">
-      <dsp:nvSpPr>
-        <dsp:cNvPr id="0" name=""/>
-        <dsp:cNvSpPr/>
-      </dsp:nvSpPr>
-      <dsp:spPr>
-        <a:xfrm rot="2700000">
-          <a:off x="4430030" y="4711133"/>
-          <a:ext cx="475773" cy="0"/>
-        </a:xfrm>
-        <a:custGeom>
-          <a:avLst/>
-          <a:gdLst/>
-          <a:ahLst/>
-          <a:cxnLst/>
-          <a:rect l="0" t="0" r="0" b="0"/>
-          <a:pathLst>
-            <a:path>
-              <a:moveTo>
-                <a:pt x="0" y="0"/>
-              </a:moveTo>
-              <a:lnTo>
-                <a:pt x="475773" y="0"/>
-              </a:lnTo>
-            </a:path>
-          </a:pathLst>
-        </a:custGeom>
-        <a:noFill/>
-        <a:ln w="9525" cap="flat" cmpd="sng" algn="ctr">
-          <a:solidFill>
-            <a:schemeClr val="accent1">
-              <a:shade val="80000"/>
-              <a:hueOff val="0"/>
-              <a:satOff val="0"/>
-              <a:lumOff val="0"/>
-              <a:alphaOff val="0"/>
-            </a:schemeClr>
-          </a:solidFill>
-          <a:prstDash val="solid"/>
-        </a:ln>
-        <a:effectLst/>
-      </dsp:spPr>
-      <dsp:style>
-        <a:lnRef idx="1">
-          <a:scrgbClr r="0" g="0" b="0"/>
-        </a:lnRef>
-        <a:fillRef idx="0">
-          <a:scrgbClr r="0" g="0" b="0"/>
-        </a:fillRef>
-        <a:effectRef idx="0">
-          <a:scrgbClr r="0" g="0" b="0"/>
-        </a:effectRef>
-        <a:fontRef idx="minor"/>
-      </dsp:style>
-    </dsp:sp>
-    <dsp:sp modelId="{C4399A2D-47E4-794A-8DA9-6382C88C679B}">
-      <dsp:nvSpPr>
-        <dsp:cNvPr id="0" name=""/>
-        <dsp:cNvSpPr/>
-      </dsp:nvSpPr>
-      <dsp:spPr>
-        <a:xfrm>
-          <a:off x="4836128" y="4879345"/>
-          <a:ext cx="796608" cy="796608"/>
-        </a:xfrm>
-        <a:prstGeom prst="roundRect">
-          <a:avLst/>
-        </a:prstGeom>
-        <a:gradFill rotWithShape="0">
-          <a:gsLst>
-            <a:gs pos="0">
-              <a:schemeClr val="accent1">
-                <a:hueOff val="0"/>
-                <a:satOff val="0"/>
-                <a:lumOff val="0"/>
-                <a:alphaOff val="0"/>
-                <a:tint val="100000"/>
-                <a:shade val="100000"/>
-                <a:satMod val="130000"/>
-              </a:schemeClr>
-            </a:gs>
-            <a:gs pos="100000">
-              <a:schemeClr val="accent1">
-                <a:hueOff val="0"/>
-                <a:satOff val="0"/>
-                <a:lumOff val="0"/>
-                <a:alphaOff val="0"/>
-                <a:tint val="50000"/>
-                <a:shade val="100000"/>
-                <a:satMod val="350000"/>
-              </a:schemeClr>
-            </a:gs>
-          </a:gsLst>
-          <a:lin ang="16200000" scaled="0"/>
-        </a:gradFill>
-        <a:ln>
-          <a:noFill/>
-        </a:ln>
-        <a:effectLst>
-          <a:outerShdw blurRad="40000" dist="23000" dir="5400000" rotWithShape="0">
-            <a:srgbClr val="000000">
-              <a:alpha val="35000"/>
-            </a:srgbClr>
-          </a:outerShdw>
-        </a:effectLst>
-      </dsp:spPr>
-      <dsp:style>
-        <a:lnRef idx="0">
-          <a:scrgbClr r="0" g="0" b="0"/>
-        </a:lnRef>
-        <a:fillRef idx="3">
-          <a:scrgbClr r="0" g="0" b="0"/>
-        </a:fillRef>
-        <a:effectRef idx="2">
-          <a:scrgbClr r="0" g="0" b="0"/>
-        </a:effectRef>
-        <a:fontRef idx="minor">
-          <a:schemeClr val="lt1"/>
-        </a:fontRef>
-      </dsp:style>
-      <dsp:txBody>
-        <a:bodyPr spcFirstLastPara="0" vert="horz" wrap="square" lIns="33020" tIns="33020" rIns="33020" bIns="33020" numCol="1" spcCol="1270" anchor="ctr" anchorCtr="0">
-          <a:noAutofit/>
-        </a:bodyPr>
-        <a:lstStyle/>
-        <a:p>
-          <a:pPr lvl="0" algn="ctr" defTabSz="577850">
-            <a:lnSpc>
-              <a:spcPct val="90000"/>
-            </a:lnSpc>
-            <a:spcBef>
-              <a:spcPct val="0"/>
-            </a:spcBef>
-            <a:spcAft>
-              <a:spcPct val="35000"/>
-            </a:spcAft>
-          </a:pPr>
-          <a:r>
-            <a:rPr lang="en-US" sz="1300" kern="1200" dirty="0" smtClean="0"/>
-            <a:t>Votes</a:t>
-          </a:r>
-          <a:endParaRPr lang="en-US" sz="1300" kern="1200" dirty="0"/>
-        </a:p>
-      </dsp:txBody>
-      <dsp:txXfrm>
-        <a:off x="4875015" y="4918232"/>
-        <a:ext cx="718834" cy="718834"/>
-      </dsp:txXfrm>
-    </dsp:sp>
-    <dsp:sp modelId="{B17AFA01-E452-4A41-8AFF-07EBBC458641}">
-      <dsp:nvSpPr>
-        <dsp:cNvPr id="0" name=""/>
-        <dsp:cNvSpPr/>
-      </dsp:nvSpPr>
-      <dsp:spPr>
-        <a:xfrm rot="8100000">
-          <a:off x="3297000" y="4711133"/>
-          <a:ext cx="475773" cy="0"/>
-        </a:xfrm>
-        <a:custGeom>
-          <a:avLst/>
-          <a:gdLst/>
-          <a:ahLst/>
-          <a:cxnLst/>
-          <a:rect l="0" t="0" r="0" b="0"/>
-          <a:pathLst>
-            <a:path>
-              <a:moveTo>
-                <a:pt x="0" y="0"/>
-              </a:moveTo>
-              <a:lnTo>
-                <a:pt x="475773" y="0"/>
-              </a:lnTo>
-            </a:path>
-          </a:pathLst>
-        </a:custGeom>
-        <a:noFill/>
-        <a:ln w="9525" cap="flat" cmpd="sng" algn="ctr">
-          <a:solidFill>
-            <a:schemeClr val="accent1">
-              <a:shade val="80000"/>
-              <a:hueOff val="0"/>
-              <a:satOff val="0"/>
-              <a:lumOff val="0"/>
-              <a:alphaOff val="0"/>
-            </a:schemeClr>
-          </a:solidFill>
-          <a:prstDash val="solid"/>
-        </a:ln>
-        <a:effectLst/>
-      </dsp:spPr>
-      <dsp:style>
-        <a:lnRef idx="1">
-          <a:scrgbClr r="0" g="0" b="0"/>
-        </a:lnRef>
-        <a:fillRef idx="0">
-          <a:scrgbClr r="0" g="0" b="0"/>
-        </a:fillRef>
-        <a:effectRef idx="0">
-          <a:scrgbClr r="0" g="0" b="0"/>
-        </a:effectRef>
-        <a:fontRef idx="minor"/>
-      </dsp:style>
-    </dsp:sp>
-    <dsp:sp modelId="{D18D9CE1-1028-394A-8BA9-FA1997999945}">
-      <dsp:nvSpPr>
-        <dsp:cNvPr id="0" name=""/>
-        <dsp:cNvSpPr/>
-      </dsp:nvSpPr>
-      <dsp:spPr>
-        <a:xfrm>
-          <a:off x="2570067" y="4879345"/>
-          <a:ext cx="796608" cy="796608"/>
-        </a:xfrm>
-        <a:prstGeom prst="roundRect">
-          <a:avLst/>
-        </a:prstGeom>
-        <a:gradFill rotWithShape="0">
-          <a:gsLst>
-            <a:gs pos="0">
-              <a:schemeClr val="accent1">
-                <a:hueOff val="0"/>
-                <a:satOff val="0"/>
-                <a:lumOff val="0"/>
-                <a:alphaOff val="0"/>
-                <a:tint val="100000"/>
-                <a:shade val="100000"/>
-                <a:satMod val="130000"/>
-              </a:schemeClr>
-            </a:gs>
-            <a:gs pos="100000">
-              <a:schemeClr val="accent1">
-                <a:hueOff val="0"/>
-                <a:satOff val="0"/>
-                <a:lumOff val="0"/>
-                <a:alphaOff val="0"/>
-                <a:tint val="50000"/>
-                <a:shade val="100000"/>
-                <a:satMod val="350000"/>
-              </a:schemeClr>
-            </a:gs>
-          </a:gsLst>
-          <a:lin ang="16200000" scaled="0"/>
-        </a:gradFill>
-        <a:ln>
-          <a:noFill/>
-        </a:ln>
-        <a:effectLst>
-          <a:outerShdw blurRad="40000" dist="23000" dir="5400000" rotWithShape="0">
-            <a:srgbClr val="000000">
-              <a:alpha val="35000"/>
-            </a:srgbClr>
-          </a:outerShdw>
-        </a:effectLst>
-      </dsp:spPr>
-      <dsp:style>
-        <a:lnRef idx="0">
-          <a:scrgbClr r="0" g="0" b="0"/>
-        </a:lnRef>
-        <a:fillRef idx="3">
-          <a:scrgbClr r="0" g="0" b="0"/>
-        </a:fillRef>
-        <a:effectRef idx="2">
-          <a:scrgbClr r="0" g="0" b="0"/>
-        </a:effectRef>
-        <a:fontRef idx="minor">
-          <a:schemeClr val="lt1"/>
-        </a:fontRef>
-      </dsp:style>
-      <dsp:txBody>
-        <a:bodyPr spcFirstLastPara="0" vert="horz" wrap="square" lIns="33020" tIns="33020" rIns="33020" bIns="33020" numCol="1" spcCol="1270" anchor="ctr" anchorCtr="0">
-          <a:noAutofit/>
-        </a:bodyPr>
-        <a:lstStyle/>
-        <a:p>
-          <a:pPr lvl="0" algn="ctr" defTabSz="577850">
-            <a:lnSpc>
-              <a:spcPct val="90000"/>
-            </a:lnSpc>
-            <a:spcBef>
-              <a:spcPct val="0"/>
-            </a:spcBef>
-            <a:spcAft>
-              <a:spcPct val="35000"/>
-            </a:spcAft>
-          </a:pPr>
-          <a:r>
-            <a:rPr lang="en-US" sz="1300" kern="1200" dirty="0" smtClean="0"/>
-            <a:t>Flags</a:t>
-          </a:r>
-          <a:endParaRPr lang="en-US" sz="1300" kern="1200" dirty="0"/>
-        </a:p>
-      </dsp:txBody>
-      <dsp:txXfrm>
-        <a:off x="2608954" y="4918232"/>
-        <a:ext cx="718834" cy="718834"/>
+        <a:off x="2543032" y="3746232"/>
+        <a:ext cx="742758" cy="742758"/>
       </dsp:txXfrm>
     </dsp:sp>
   </dsp:spTree>
@@ -10119,7 +11001,7 @@
 </file>
 
 <file path=ppt/diagrams/drawing4.xml><?xml version="1.0" encoding="utf-8"?>
-<dsp:drawing xmlns:dgm="http://schemas.openxmlformats.org/drawingml/2006/diagram" xmlns:dsp="http://schemas.microsoft.com/office/drawing/2008/diagram" xmlns:a="http://schemas.openxmlformats.org/drawingml/2006/main">
+<dsp:drawing xmlns:dgm="http://schemas.openxmlformats.org/drawingml/2006/diagram" xmlns:a="http://schemas.openxmlformats.org/drawingml/2006/main" xmlns:dsp="http://schemas.microsoft.com/office/drawing/2008/diagram">
   <dsp:spTree>
     <dsp:nvGrpSpPr>
       <dsp:cNvPr id="0" name=""/>
@@ -10326,8 +11208,8 @@
         </a:p>
       </dsp:txBody>
       <dsp:txXfrm>
-        <a:off x="3461171" y="2197824"/>
-        <a:ext cx="1280461" cy="1280461"/>
+        <a:off x="3391901" y="2128554"/>
+        <a:ext cx="1419001" cy="1419001"/>
       </dsp:txXfrm>
     </dsp:sp>
     <dsp:sp modelId="{B847BC99-AE4E-7749-B2AB-AB7FAA49B089}">
@@ -10396,12 +11278,12 @@
         </a:fontRef>
       </dsp:style>
       <dsp:txBody>
-        <a:bodyPr spcFirstLastPara="0" vert="horz" wrap="square" lIns="38100" tIns="38100" rIns="38100" bIns="38100" numCol="1" spcCol="1270" anchor="ctr" anchorCtr="0">
+        <a:bodyPr spcFirstLastPara="0" vert="horz" wrap="square" lIns="40640" tIns="40640" rIns="40640" bIns="40640" numCol="1" spcCol="1270" anchor="ctr" anchorCtr="0">
           <a:noAutofit/>
         </a:bodyPr>
         <a:lstStyle/>
         <a:p>
-          <a:pPr lvl="0" algn="ctr" defTabSz="666750">
+          <a:pPr lvl="0" algn="ctr" defTabSz="711200">
             <a:lnSpc>
               <a:spcPct val="90000"/>
             </a:lnSpc>
@@ -10413,15 +11295,15 @@
             </a:spcAft>
           </a:pPr>
           <a:r>
-            <a:rPr lang="en-US" sz="1500" kern="1200" dirty="0" smtClean="0"/>
+            <a:rPr lang="en-US" sz="1600" kern="1200" dirty="0" smtClean="0"/>
             <a:t>Has ONE</a:t>
           </a:r>
-          <a:endParaRPr lang="en-US" sz="1500" kern="1200" dirty="0"/>
+          <a:endParaRPr lang="en-US" sz="1600" kern="1200" dirty="0"/>
         </a:p>
       </dsp:txBody>
       <dsp:txXfrm>
-        <a:off x="3741984" y="1172071"/>
-        <a:ext cx="718834" cy="718834"/>
+        <a:off x="3703097" y="1133184"/>
+        <a:ext cx="796608" cy="796608"/>
       </dsp:txXfrm>
     </dsp:sp>
     <dsp:sp modelId="{575BCAA7-B0BA-7445-8920-72976032322C}">
@@ -10569,8 +11451,8 @@
         </a:p>
       </dsp:txBody>
       <dsp:txXfrm>
-        <a:off x="2608954" y="39040"/>
-        <a:ext cx="718834" cy="718834"/>
+        <a:off x="2570067" y="153"/>
+        <a:ext cx="796608" cy="796608"/>
       </dsp:txXfrm>
     </dsp:sp>
     <dsp:sp modelId="{95FAD1DB-CA59-6C48-B45C-CE224C27F2D6}">
@@ -10718,8 +11600,8 @@
         </a:p>
       </dsp:txBody>
       <dsp:txXfrm>
-        <a:off x="4875015" y="39040"/>
-        <a:ext cx="718834" cy="718834"/>
+        <a:off x="4836128" y="153"/>
+        <a:ext cx="796608" cy="796608"/>
       </dsp:txXfrm>
     </dsp:sp>
     <dsp:sp modelId="{CD66C230-DF88-A049-9498-22A12FA2B874}">
@@ -10788,12 +11670,12 @@
         </a:fontRef>
       </dsp:style>
       <dsp:txBody>
-        <a:bodyPr spcFirstLastPara="0" vert="horz" wrap="square" lIns="38100" tIns="38100" rIns="38100" bIns="38100" numCol="1" spcCol="1270" anchor="ctr" anchorCtr="0">
+        <a:bodyPr spcFirstLastPara="0" vert="horz" wrap="square" lIns="40640" tIns="40640" rIns="40640" bIns="40640" numCol="1" spcCol="1270" anchor="ctr" anchorCtr="0">
           <a:noAutofit/>
         </a:bodyPr>
         <a:lstStyle/>
         <a:p>
-          <a:pPr lvl="0" algn="ctr" defTabSz="666750">
+          <a:pPr lvl="0" algn="ctr" defTabSz="711200">
             <a:lnSpc>
               <a:spcPct val="90000"/>
             </a:lnSpc>
@@ -10805,15 +11687,15 @@
             </a:spcAft>
           </a:pPr>
           <a:r>
-            <a:rPr lang="en-US" sz="1500" kern="1200" dirty="0" smtClean="0"/>
+            <a:rPr lang="en-US" sz="1600" kern="1200" dirty="0" smtClean="0"/>
             <a:t>Has Many</a:t>
           </a:r>
-          <a:endParaRPr lang="en-US" sz="1500" kern="1200" dirty="0"/>
+          <a:endParaRPr lang="en-US" sz="1600" kern="1200" dirty="0"/>
         </a:p>
       </dsp:txBody>
       <dsp:txXfrm>
-        <a:off x="3829116" y="3775780"/>
-        <a:ext cx="544571" cy="544571"/>
+        <a:off x="3799656" y="3746320"/>
+        <a:ext cx="603491" cy="603491"/>
       </dsp:txXfrm>
     </dsp:sp>
     <dsp:sp modelId="{56932D2F-71A2-7B4D-AF70-A477B1B87E3C}">
@@ -10961,8 +11843,8 @@
         </a:p>
       </dsp:txBody>
       <dsp:txXfrm>
-        <a:off x="5155255" y="3775780"/>
-        <a:ext cx="544571" cy="544571"/>
+        <a:off x="5125795" y="3746320"/>
+        <a:ext cx="603491" cy="603491"/>
       </dsp:txXfrm>
     </dsp:sp>
     <dsp:sp modelId="{A2BC737A-F4BD-794C-8F92-3A0E2805AC7F}">
@@ -11110,8 +11992,8 @@
         </a:p>
       </dsp:txBody>
       <dsp:txXfrm>
-        <a:off x="4766838" y="4713502"/>
-        <a:ext cx="544571" cy="544571"/>
+        <a:off x="4737378" y="4684042"/>
+        <a:ext cx="603491" cy="603491"/>
       </dsp:txXfrm>
     </dsp:sp>
     <dsp:sp modelId="{9ED0B837-A7BC-AD4D-A978-27CC5484E2DF}">
@@ -11259,8 +12141,8 @@
         </a:p>
       </dsp:txBody>
       <dsp:txXfrm>
-        <a:off x="3829116" y="5101920"/>
-        <a:ext cx="544571" cy="544571"/>
+        <a:off x="3799656" y="5072460"/>
+        <a:ext cx="603491" cy="603491"/>
       </dsp:txXfrm>
     </dsp:sp>
     <dsp:sp modelId="{DA97C1B7-7BB5-3E41-8203-995325924572}">
@@ -11408,8 +12290,8 @@
         </a:p>
       </dsp:txBody>
       <dsp:txXfrm>
-        <a:off x="2891394" y="4713502"/>
-        <a:ext cx="544571" cy="544571"/>
+        <a:off x="2861934" y="4684042"/>
+        <a:ext cx="603491" cy="603491"/>
       </dsp:txXfrm>
     </dsp:sp>
     <dsp:sp modelId="{511C30A0-DBE2-BD46-BF11-60088812213F}">
@@ -11557,8 +12439,8 @@
         </a:p>
       </dsp:txBody>
       <dsp:txXfrm>
-        <a:off x="2502976" y="3775780"/>
-        <a:ext cx="544571" cy="544571"/>
+        <a:off x="2473516" y="3746320"/>
+        <a:ext cx="603491" cy="603491"/>
       </dsp:txXfrm>
     </dsp:sp>
   </dsp:spTree>
@@ -11566,7 +12448,7 @@
 </file>
 
 <file path=ppt/diagrams/drawing5.xml><?xml version="1.0" encoding="utf-8"?>
-<dsp:drawing xmlns:dgm="http://schemas.openxmlformats.org/drawingml/2006/diagram" xmlns:dsp="http://schemas.microsoft.com/office/drawing/2008/diagram" xmlns:a="http://schemas.openxmlformats.org/drawingml/2006/main">
+<dsp:drawing xmlns:dgm="http://schemas.openxmlformats.org/drawingml/2006/diagram" xmlns:a="http://schemas.openxmlformats.org/drawingml/2006/main" xmlns:dsp="http://schemas.microsoft.com/office/drawing/2008/diagram">
   <dsp:spTree>
     <dsp:nvGrpSpPr>
       <dsp:cNvPr id="0" name=""/>
@@ -11773,8 +12655,8 @@
         </a:p>
       </dsp:txBody>
       <dsp:txXfrm>
-        <a:off x="3461171" y="2198011"/>
-        <a:ext cx="1280461" cy="1280461"/>
+        <a:off x="3391901" y="2128741"/>
+        <a:ext cx="1419001" cy="1419001"/>
       </dsp:txXfrm>
     </dsp:sp>
     <dsp:sp modelId="{B847BC99-AE4E-7749-B2AB-AB7FAA49B089}">
@@ -11867,8 +12749,8 @@
         </a:p>
       </dsp:txBody>
       <dsp:txXfrm>
-        <a:off x="3741984" y="1172259"/>
-        <a:ext cx="718834" cy="718834"/>
+        <a:off x="3703097" y="1133372"/>
+        <a:ext cx="796608" cy="796608"/>
       </dsp:txXfrm>
     </dsp:sp>
     <dsp:sp modelId="{9E1C4DA4-ABD0-1247-8BC0-9B57CDABCAEF}">
@@ -12016,8 +12898,8 @@
         </a:p>
       </dsp:txBody>
       <dsp:txXfrm>
-        <a:off x="2608954" y="39228"/>
-        <a:ext cx="718834" cy="718834"/>
+        <a:off x="2570067" y="341"/>
+        <a:ext cx="796608" cy="796608"/>
       </dsp:txXfrm>
     </dsp:sp>
     <dsp:sp modelId="{980C8691-F44E-2846-A8C9-036702478205}">
@@ -12165,8 +13047,8 @@
         </a:p>
       </dsp:txBody>
       <dsp:txXfrm>
-        <a:off x="4875015" y="39228"/>
-        <a:ext cx="718834" cy="718834"/>
+        <a:off x="4836128" y="341"/>
+        <a:ext cx="796608" cy="796608"/>
       </dsp:txXfrm>
     </dsp:sp>
     <dsp:sp modelId="{CD66C230-DF88-A049-9498-22A12FA2B874}">
@@ -12259,8 +13141,8 @@
         </a:p>
       </dsp:txBody>
       <dsp:txXfrm>
-        <a:off x="3755809" y="3784275"/>
-        <a:ext cx="691185" cy="691185"/>
+        <a:off x="3718417" y="3746883"/>
+        <a:ext cx="765969" cy="765969"/>
       </dsp:txXfrm>
     </dsp:sp>
     <dsp:sp modelId="{56932D2F-71A2-7B4D-AF70-A477B1B87E3C}">
@@ -12408,8 +13290,8 @@
         </a:p>
       </dsp:txBody>
       <dsp:txXfrm>
-        <a:off x="5098623" y="3784275"/>
-        <a:ext cx="691185" cy="691185"/>
+        <a:off x="5061231" y="3746883"/>
+        <a:ext cx="765969" cy="765969"/>
       </dsp:txXfrm>
     </dsp:sp>
     <dsp:sp modelId="{A2BC737A-F4BD-794C-8F92-3A0E2805AC7F}">
@@ -12557,8 +13439,8 @@
         </a:p>
       </dsp:txBody>
       <dsp:txXfrm>
-        <a:off x="4427216" y="4947186"/>
-        <a:ext cx="691185" cy="691185"/>
+        <a:off x="4389824" y="4909794"/>
+        <a:ext cx="765969" cy="765969"/>
       </dsp:txXfrm>
     </dsp:sp>
     <dsp:sp modelId="{AFDFFBB3-243A-134F-9368-49A6B5911970}">
@@ -12706,8 +13588,8 @@
         </a:p>
       </dsp:txBody>
       <dsp:txXfrm>
-        <a:off x="3084402" y="4947186"/>
-        <a:ext cx="691185" cy="691185"/>
+        <a:off x="3047010" y="4909794"/>
+        <a:ext cx="765969" cy="765969"/>
       </dsp:txXfrm>
     </dsp:sp>
     <dsp:sp modelId="{2221CDD3-D6E7-D94A-9443-4E52FE7F6658}">
@@ -12855,8 +13737,8 @@
         </a:p>
       </dsp:txBody>
       <dsp:txXfrm>
-        <a:off x="2412995" y="3784275"/>
-        <a:ext cx="691185" cy="691185"/>
+        <a:off x="2375603" y="3746883"/>
+        <a:ext cx="765969" cy="765969"/>
       </dsp:txXfrm>
     </dsp:sp>
   </dsp:spTree>
@@ -33424,7 +34306,7 @@
 </file>
 
 <file path=ppt/slideLayouts/slideLayout1.xml><?xml version="1.0" encoding="utf-8"?>
-<p:sldLayout xmlns:a="http://schemas.openxmlformats.org/drawingml/2006/main" xmlns:r="http://schemas.openxmlformats.org/officeDocument/2006/relationships" xmlns:p="http://schemas.openxmlformats.org/presentationml/2006/main" type="title" preserve="1">
+<p:sldLayout xmlns:a="http://schemas.openxmlformats.org/drawingml/2006/main" xmlns:r="http://schemas.openxmlformats.org/officeDocument/2006/relationships" xmlns:mc="http://schemas.openxmlformats.org/markup-compatibility/2006" xmlns:mv="urn:schemas-microsoft-com:mac:vml" xmlns:p="http://schemas.openxmlformats.org/presentationml/2006/main" mc:Ignorable="mv" mc:PreserveAttributes="mv:*" type="title" preserve="1">
   <p:cSld name="Title Slide">
     <p:spTree>
       <p:nvGrpSpPr>
@@ -33604,7 +34486,8 @@
           <a:p>
             <a:fld id="{E8F935CF-B2A1-D54B-8AA8-7A5E51CD9288}" type="datetimeFigureOut">
               <a:rPr lang="en-US" smtClean="0"/>
-              <a:t>5/18/12</a:t>
+              <a:pPr/>
+              <a:t>6/4/12</a:t>
             </a:fld>
             <a:endParaRPr lang="en-US"/>
           </a:p>
@@ -33646,6 +34529,7 @@
           <a:p>
             <a:fld id="{6A53A906-045E-2243-8ADF-717C6EF980D2}" type="slidenum">
               <a:rPr lang="en-US" smtClean="0"/>
+              <a:pPr/>
               <a:t>‹#›</a:t>
             </a:fld>
             <a:endParaRPr lang="en-US"/>
@@ -33655,7 +34539,7 @@
     </p:spTree>
     <p:extLst>
       <p:ext uri="{BB962C8B-B14F-4D97-AF65-F5344CB8AC3E}">
-        <p14:creationId xmlns:p14="http://schemas.microsoft.com/office/powerpoint/2010/main" val="1863602351"/>
+        <p14:creationId xmlns:p14="http://schemas.microsoft.com/office/powerpoint/2010/main" xmlns:p="http://schemas.openxmlformats.org/presentationml/2006/main" xmlns:r="http://schemas.openxmlformats.org/officeDocument/2006/relationships" xmlns:a="http://schemas.openxmlformats.org/drawingml/2006/main" xmlns="" val="1863602351"/>
       </p:ext>
     </p:extLst>
   </p:cSld>
@@ -33666,7 +34550,7 @@
 </file>
 
 <file path=ppt/slideLayouts/slideLayout10.xml><?xml version="1.0" encoding="utf-8"?>
-<p:sldLayout xmlns:a="http://schemas.openxmlformats.org/drawingml/2006/main" xmlns:r="http://schemas.openxmlformats.org/officeDocument/2006/relationships" xmlns:p="http://schemas.openxmlformats.org/presentationml/2006/main" type="vertTx" preserve="1">
+<p:sldLayout xmlns:a="http://schemas.openxmlformats.org/drawingml/2006/main" xmlns:r="http://schemas.openxmlformats.org/officeDocument/2006/relationships" xmlns:mc="http://schemas.openxmlformats.org/markup-compatibility/2006" xmlns:mv="urn:schemas-microsoft-com:mac:vml" xmlns:p="http://schemas.openxmlformats.org/presentationml/2006/main" mc:Ignorable="mv" mc:PreserveAttributes="mv:*" type="vertTx" preserve="1">
   <p:cSld name="Title and Vertical Text">
     <p:spTree>
       <p:nvGrpSpPr>
@@ -33774,7 +34658,8 @@
           <a:p>
             <a:fld id="{E8F935CF-B2A1-D54B-8AA8-7A5E51CD9288}" type="datetimeFigureOut">
               <a:rPr lang="en-US" smtClean="0"/>
-              <a:t>5/18/12</a:t>
+              <a:pPr/>
+              <a:t>6/4/12</a:t>
             </a:fld>
             <a:endParaRPr lang="en-US"/>
           </a:p>
@@ -33816,6 +34701,7 @@
           <a:p>
             <a:fld id="{6A53A906-045E-2243-8ADF-717C6EF980D2}" type="slidenum">
               <a:rPr lang="en-US" smtClean="0"/>
+              <a:pPr/>
               <a:t>‹#›</a:t>
             </a:fld>
             <a:endParaRPr lang="en-US"/>
@@ -33825,7 +34711,7 @@
     </p:spTree>
     <p:extLst>
       <p:ext uri="{BB962C8B-B14F-4D97-AF65-F5344CB8AC3E}">
-        <p14:creationId xmlns:p14="http://schemas.microsoft.com/office/powerpoint/2010/main" val="1530926119"/>
+        <p14:creationId xmlns:p14="http://schemas.microsoft.com/office/powerpoint/2010/main" xmlns:p="http://schemas.openxmlformats.org/presentationml/2006/main" xmlns:r="http://schemas.openxmlformats.org/officeDocument/2006/relationships" xmlns:a="http://schemas.openxmlformats.org/drawingml/2006/main" xmlns="" val="1530926119"/>
       </p:ext>
     </p:extLst>
   </p:cSld>
@@ -33836,7 +34722,7 @@
 </file>
 
 <file path=ppt/slideLayouts/slideLayout11.xml><?xml version="1.0" encoding="utf-8"?>
-<p:sldLayout xmlns:a="http://schemas.openxmlformats.org/drawingml/2006/main" xmlns:r="http://schemas.openxmlformats.org/officeDocument/2006/relationships" xmlns:p="http://schemas.openxmlformats.org/presentationml/2006/main" type="vertTitleAndTx" preserve="1">
+<p:sldLayout xmlns:a="http://schemas.openxmlformats.org/drawingml/2006/main" xmlns:r="http://schemas.openxmlformats.org/officeDocument/2006/relationships" xmlns:mc="http://schemas.openxmlformats.org/markup-compatibility/2006" xmlns:mv="urn:schemas-microsoft-com:mac:vml" xmlns:p="http://schemas.openxmlformats.org/presentationml/2006/main" mc:Ignorable="mv" mc:PreserveAttributes="mv:*" type="vertTitleAndTx" preserve="1">
   <p:cSld name="Vertical Title and Text">
     <p:spTree>
       <p:nvGrpSpPr>
@@ -33954,7 +34840,8 @@
           <a:p>
             <a:fld id="{E8F935CF-B2A1-D54B-8AA8-7A5E51CD9288}" type="datetimeFigureOut">
               <a:rPr lang="en-US" smtClean="0"/>
-              <a:t>5/18/12</a:t>
+              <a:pPr/>
+              <a:t>6/4/12</a:t>
             </a:fld>
             <a:endParaRPr lang="en-US"/>
           </a:p>
@@ -33996,6 +34883,7 @@
           <a:p>
             <a:fld id="{6A53A906-045E-2243-8ADF-717C6EF980D2}" type="slidenum">
               <a:rPr lang="en-US" smtClean="0"/>
+              <a:pPr/>
               <a:t>‹#›</a:t>
             </a:fld>
             <a:endParaRPr lang="en-US"/>
@@ -34005,7 +34893,7 @@
     </p:spTree>
     <p:extLst>
       <p:ext uri="{BB962C8B-B14F-4D97-AF65-F5344CB8AC3E}">
-        <p14:creationId xmlns:p14="http://schemas.microsoft.com/office/powerpoint/2010/main" val="4071608327"/>
+        <p14:creationId xmlns:p14="http://schemas.microsoft.com/office/powerpoint/2010/main" xmlns:p="http://schemas.openxmlformats.org/presentationml/2006/main" xmlns:r="http://schemas.openxmlformats.org/officeDocument/2006/relationships" xmlns:a="http://schemas.openxmlformats.org/drawingml/2006/main" xmlns="" val="4071608327"/>
       </p:ext>
     </p:extLst>
   </p:cSld>
@@ -34016,7 +34904,7 @@
 </file>
 
 <file path=ppt/slideLayouts/slideLayout2.xml><?xml version="1.0" encoding="utf-8"?>
-<p:sldLayout xmlns:a="http://schemas.openxmlformats.org/drawingml/2006/main" xmlns:r="http://schemas.openxmlformats.org/officeDocument/2006/relationships" xmlns:p="http://schemas.openxmlformats.org/presentationml/2006/main" type="obj" preserve="1">
+<p:sldLayout xmlns:a="http://schemas.openxmlformats.org/drawingml/2006/main" xmlns:r="http://schemas.openxmlformats.org/officeDocument/2006/relationships" xmlns:mc="http://schemas.openxmlformats.org/markup-compatibility/2006" xmlns:mv="urn:schemas-microsoft-com:mac:vml" xmlns:p="http://schemas.openxmlformats.org/presentationml/2006/main" mc:Ignorable="mv" mc:PreserveAttributes="mv:*" type="obj" preserve="1">
   <p:cSld name="Title and Content">
     <p:spTree>
       <p:nvGrpSpPr>
@@ -34124,7 +35012,8 @@
           <a:p>
             <a:fld id="{E8F935CF-B2A1-D54B-8AA8-7A5E51CD9288}" type="datetimeFigureOut">
               <a:rPr lang="en-US" smtClean="0"/>
-              <a:t>5/18/12</a:t>
+              <a:pPr/>
+              <a:t>6/4/12</a:t>
             </a:fld>
             <a:endParaRPr lang="en-US"/>
           </a:p>
@@ -34166,6 +35055,7 @@
           <a:p>
             <a:fld id="{6A53A906-045E-2243-8ADF-717C6EF980D2}" type="slidenum">
               <a:rPr lang="en-US" smtClean="0"/>
+              <a:pPr/>
               <a:t>‹#›</a:t>
             </a:fld>
             <a:endParaRPr lang="en-US"/>
@@ -34175,7 +35065,7 @@
     </p:spTree>
     <p:extLst>
       <p:ext uri="{BB962C8B-B14F-4D97-AF65-F5344CB8AC3E}">
-        <p14:creationId xmlns:p14="http://schemas.microsoft.com/office/powerpoint/2010/main" val="3520799707"/>
+        <p14:creationId xmlns:p14="http://schemas.microsoft.com/office/powerpoint/2010/main" xmlns:p="http://schemas.openxmlformats.org/presentationml/2006/main" xmlns:r="http://schemas.openxmlformats.org/officeDocument/2006/relationships" xmlns:a="http://schemas.openxmlformats.org/drawingml/2006/main" xmlns="" val="3520799707"/>
       </p:ext>
     </p:extLst>
   </p:cSld>
@@ -34186,7 +35076,7 @@
 </file>
 
 <file path=ppt/slideLayouts/slideLayout3.xml><?xml version="1.0" encoding="utf-8"?>
-<p:sldLayout xmlns:a="http://schemas.openxmlformats.org/drawingml/2006/main" xmlns:r="http://schemas.openxmlformats.org/officeDocument/2006/relationships" xmlns:p="http://schemas.openxmlformats.org/presentationml/2006/main" type="secHead" preserve="1">
+<p:sldLayout xmlns:a="http://schemas.openxmlformats.org/drawingml/2006/main" xmlns:r="http://schemas.openxmlformats.org/officeDocument/2006/relationships" xmlns:mc="http://schemas.openxmlformats.org/markup-compatibility/2006" xmlns:mv="urn:schemas-microsoft-com:mac:vml" xmlns:p="http://schemas.openxmlformats.org/presentationml/2006/main" mc:Ignorable="mv" mc:PreserveAttributes="mv:*" type="secHead" preserve="1">
   <p:cSld name="Section Header">
     <p:spTree>
       <p:nvGrpSpPr>
@@ -34370,7 +35260,8 @@
           <a:p>
             <a:fld id="{E8F935CF-B2A1-D54B-8AA8-7A5E51CD9288}" type="datetimeFigureOut">
               <a:rPr lang="en-US" smtClean="0"/>
-              <a:t>5/18/12</a:t>
+              <a:pPr/>
+              <a:t>6/4/12</a:t>
             </a:fld>
             <a:endParaRPr lang="en-US"/>
           </a:p>
@@ -34412,6 +35303,7 @@
           <a:p>
             <a:fld id="{6A53A906-045E-2243-8ADF-717C6EF980D2}" type="slidenum">
               <a:rPr lang="en-US" smtClean="0"/>
+              <a:pPr/>
               <a:t>‹#›</a:t>
             </a:fld>
             <a:endParaRPr lang="en-US"/>
@@ -34421,7 +35313,7 @@
     </p:spTree>
     <p:extLst>
       <p:ext uri="{BB962C8B-B14F-4D97-AF65-F5344CB8AC3E}">
-        <p14:creationId xmlns:p14="http://schemas.microsoft.com/office/powerpoint/2010/main" val="1990950623"/>
+        <p14:creationId xmlns:p14="http://schemas.microsoft.com/office/powerpoint/2010/main" xmlns:p="http://schemas.openxmlformats.org/presentationml/2006/main" xmlns:r="http://schemas.openxmlformats.org/officeDocument/2006/relationships" xmlns:a="http://schemas.openxmlformats.org/drawingml/2006/main" xmlns="" val="1990950623"/>
       </p:ext>
     </p:extLst>
   </p:cSld>
@@ -34432,7 +35324,7 @@
 </file>
 
 <file path=ppt/slideLayouts/slideLayout4.xml><?xml version="1.0" encoding="utf-8"?>
-<p:sldLayout xmlns:a="http://schemas.openxmlformats.org/drawingml/2006/main" xmlns:r="http://schemas.openxmlformats.org/officeDocument/2006/relationships" xmlns:p="http://schemas.openxmlformats.org/presentationml/2006/main" type="twoObj" preserve="1">
+<p:sldLayout xmlns:a="http://schemas.openxmlformats.org/drawingml/2006/main" xmlns:r="http://schemas.openxmlformats.org/officeDocument/2006/relationships" xmlns:mc="http://schemas.openxmlformats.org/markup-compatibility/2006" xmlns:mv="urn:schemas-microsoft-com:mac:vml" xmlns:p="http://schemas.openxmlformats.org/presentationml/2006/main" mc:Ignorable="mv" mc:PreserveAttributes="mv:*" type="twoObj" preserve="1">
   <p:cSld name="Two Content">
     <p:spTree>
       <p:nvGrpSpPr>
@@ -34658,7 +35550,8 @@
           <a:p>
             <a:fld id="{E8F935CF-B2A1-D54B-8AA8-7A5E51CD9288}" type="datetimeFigureOut">
               <a:rPr lang="en-US" smtClean="0"/>
-              <a:t>5/18/12</a:t>
+              <a:pPr/>
+              <a:t>6/4/12</a:t>
             </a:fld>
             <a:endParaRPr lang="en-US"/>
           </a:p>
@@ -34700,6 +35593,7 @@
           <a:p>
             <a:fld id="{6A53A906-045E-2243-8ADF-717C6EF980D2}" type="slidenum">
               <a:rPr lang="en-US" smtClean="0"/>
+              <a:pPr/>
               <a:t>‹#›</a:t>
             </a:fld>
             <a:endParaRPr lang="en-US"/>
@@ -34709,7 +35603,7 @@
     </p:spTree>
     <p:extLst>
       <p:ext uri="{BB962C8B-B14F-4D97-AF65-F5344CB8AC3E}">
-        <p14:creationId xmlns:p14="http://schemas.microsoft.com/office/powerpoint/2010/main" val="1658738061"/>
+        <p14:creationId xmlns:p14="http://schemas.microsoft.com/office/powerpoint/2010/main" xmlns:p="http://schemas.openxmlformats.org/presentationml/2006/main" xmlns:r="http://schemas.openxmlformats.org/officeDocument/2006/relationships" xmlns:a="http://schemas.openxmlformats.org/drawingml/2006/main" xmlns="" val="1658738061"/>
       </p:ext>
     </p:extLst>
   </p:cSld>
@@ -34720,7 +35614,7 @@
 </file>
 
 <file path=ppt/slideLayouts/slideLayout5.xml><?xml version="1.0" encoding="utf-8"?>
-<p:sldLayout xmlns:a="http://schemas.openxmlformats.org/drawingml/2006/main" xmlns:r="http://schemas.openxmlformats.org/officeDocument/2006/relationships" xmlns:p="http://schemas.openxmlformats.org/presentationml/2006/main" type="twoTxTwoObj" preserve="1">
+<p:sldLayout xmlns:a="http://schemas.openxmlformats.org/drawingml/2006/main" xmlns:r="http://schemas.openxmlformats.org/officeDocument/2006/relationships" xmlns:mc="http://schemas.openxmlformats.org/markup-compatibility/2006" xmlns:mv="urn:schemas-microsoft-com:mac:vml" xmlns:p="http://schemas.openxmlformats.org/presentationml/2006/main" mc:Ignorable="mv" mc:PreserveAttributes="mv:*" type="twoTxTwoObj" preserve="1">
   <p:cSld name="Comparison">
     <p:spTree>
       <p:nvGrpSpPr>
@@ -35080,7 +35974,8 @@
           <a:p>
             <a:fld id="{E8F935CF-B2A1-D54B-8AA8-7A5E51CD9288}" type="datetimeFigureOut">
               <a:rPr lang="en-US" smtClean="0"/>
-              <a:t>5/18/12</a:t>
+              <a:pPr/>
+              <a:t>6/4/12</a:t>
             </a:fld>
             <a:endParaRPr lang="en-US"/>
           </a:p>
@@ -35122,6 +36017,7 @@
           <a:p>
             <a:fld id="{6A53A906-045E-2243-8ADF-717C6EF980D2}" type="slidenum">
               <a:rPr lang="en-US" smtClean="0"/>
+              <a:pPr/>
               <a:t>‹#›</a:t>
             </a:fld>
             <a:endParaRPr lang="en-US"/>
@@ -35131,7 +36027,7 @@
     </p:spTree>
     <p:extLst>
       <p:ext uri="{BB962C8B-B14F-4D97-AF65-F5344CB8AC3E}">
-        <p14:creationId xmlns:p14="http://schemas.microsoft.com/office/powerpoint/2010/main" val="3996407076"/>
+        <p14:creationId xmlns:p14="http://schemas.microsoft.com/office/powerpoint/2010/main" xmlns:p="http://schemas.openxmlformats.org/presentationml/2006/main" xmlns:r="http://schemas.openxmlformats.org/officeDocument/2006/relationships" xmlns:a="http://schemas.openxmlformats.org/drawingml/2006/main" xmlns="" val="3996407076"/>
       </p:ext>
     </p:extLst>
   </p:cSld>
@@ -35142,7 +36038,7 @@
 </file>
 
 <file path=ppt/slideLayouts/slideLayout6.xml><?xml version="1.0" encoding="utf-8"?>
-<p:sldLayout xmlns:a="http://schemas.openxmlformats.org/drawingml/2006/main" xmlns:r="http://schemas.openxmlformats.org/officeDocument/2006/relationships" xmlns:p="http://schemas.openxmlformats.org/presentationml/2006/main" type="titleOnly" preserve="1">
+<p:sldLayout xmlns:a="http://schemas.openxmlformats.org/drawingml/2006/main" xmlns:r="http://schemas.openxmlformats.org/officeDocument/2006/relationships" xmlns:mc="http://schemas.openxmlformats.org/markup-compatibility/2006" xmlns:mv="urn:schemas-microsoft-com:mac:vml" xmlns:p="http://schemas.openxmlformats.org/presentationml/2006/main" mc:Ignorable="mv" mc:PreserveAttributes="mv:*" type="titleOnly" preserve="1">
   <p:cSld name="Title Only">
     <p:spTree>
       <p:nvGrpSpPr>
@@ -35198,7 +36094,8 @@
           <a:p>
             <a:fld id="{E8F935CF-B2A1-D54B-8AA8-7A5E51CD9288}" type="datetimeFigureOut">
               <a:rPr lang="en-US" smtClean="0"/>
-              <a:t>5/18/12</a:t>
+              <a:pPr/>
+              <a:t>6/4/12</a:t>
             </a:fld>
             <a:endParaRPr lang="en-US"/>
           </a:p>
@@ -35240,6 +36137,7 @@
           <a:p>
             <a:fld id="{6A53A906-045E-2243-8ADF-717C6EF980D2}" type="slidenum">
               <a:rPr lang="en-US" smtClean="0"/>
+              <a:pPr/>
               <a:t>‹#›</a:t>
             </a:fld>
             <a:endParaRPr lang="en-US"/>
@@ -35249,7 +36147,7 @@
     </p:spTree>
     <p:extLst>
       <p:ext uri="{BB962C8B-B14F-4D97-AF65-F5344CB8AC3E}">
-        <p14:creationId xmlns:p14="http://schemas.microsoft.com/office/powerpoint/2010/main" val="3515962712"/>
+        <p14:creationId xmlns:p14="http://schemas.microsoft.com/office/powerpoint/2010/main" xmlns:p="http://schemas.openxmlformats.org/presentationml/2006/main" xmlns:r="http://schemas.openxmlformats.org/officeDocument/2006/relationships" xmlns:a="http://schemas.openxmlformats.org/drawingml/2006/main" xmlns="" val="3515962712"/>
       </p:ext>
     </p:extLst>
   </p:cSld>
@@ -35260,7 +36158,7 @@
 </file>
 
 <file path=ppt/slideLayouts/slideLayout7.xml><?xml version="1.0" encoding="utf-8"?>
-<p:sldLayout xmlns:a="http://schemas.openxmlformats.org/drawingml/2006/main" xmlns:r="http://schemas.openxmlformats.org/officeDocument/2006/relationships" xmlns:p="http://schemas.openxmlformats.org/presentationml/2006/main" type="blank" preserve="1">
+<p:sldLayout xmlns:a="http://schemas.openxmlformats.org/drawingml/2006/main" xmlns:r="http://schemas.openxmlformats.org/officeDocument/2006/relationships" xmlns:mc="http://schemas.openxmlformats.org/markup-compatibility/2006" xmlns:mv="urn:schemas-microsoft-com:mac:vml" xmlns:p="http://schemas.openxmlformats.org/presentationml/2006/main" mc:Ignorable="mv" mc:PreserveAttributes="mv:*" type="blank" preserve="1">
   <p:cSld name="Blank">
     <p:spTree>
       <p:nvGrpSpPr>
@@ -35293,7 +36191,8 @@
           <a:p>
             <a:fld id="{E8F935CF-B2A1-D54B-8AA8-7A5E51CD9288}" type="datetimeFigureOut">
               <a:rPr lang="en-US" smtClean="0"/>
-              <a:t>5/18/12</a:t>
+              <a:pPr/>
+              <a:t>6/4/12</a:t>
             </a:fld>
             <a:endParaRPr lang="en-US"/>
           </a:p>
@@ -35335,6 +36234,7 @@
           <a:p>
             <a:fld id="{6A53A906-045E-2243-8ADF-717C6EF980D2}" type="slidenum">
               <a:rPr lang="en-US" smtClean="0"/>
+              <a:pPr/>
               <a:t>‹#›</a:t>
             </a:fld>
             <a:endParaRPr lang="en-US"/>
@@ -35344,7 +36244,7 @@
     </p:spTree>
     <p:extLst>
       <p:ext uri="{BB962C8B-B14F-4D97-AF65-F5344CB8AC3E}">
-        <p14:creationId xmlns:p14="http://schemas.microsoft.com/office/powerpoint/2010/main" val="397114697"/>
+        <p14:creationId xmlns:p14="http://schemas.microsoft.com/office/powerpoint/2010/main" xmlns:p="http://schemas.openxmlformats.org/presentationml/2006/main" xmlns:r="http://schemas.openxmlformats.org/officeDocument/2006/relationships" xmlns:a="http://schemas.openxmlformats.org/drawingml/2006/main" xmlns="" val="397114697"/>
       </p:ext>
     </p:extLst>
   </p:cSld>
@@ -35355,7 +36255,7 @@
 </file>
 
 <file path=ppt/slideLayouts/slideLayout8.xml><?xml version="1.0" encoding="utf-8"?>
-<p:sldLayout xmlns:a="http://schemas.openxmlformats.org/drawingml/2006/main" xmlns:r="http://schemas.openxmlformats.org/officeDocument/2006/relationships" xmlns:p="http://schemas.openxmlformats.org/presentationml/2006/main" type="objTx" preserve="1">
+<p:sldLayout xmlns:a="http://schemas.openxmlformats.org/drawingml/2006/main" xmlns:r="http://schemas.openxmlformats.org/officeDocument/2006/relationships" xmlns:mc="http://schemas.openxmlformats.org/markup-compatibility/2006" xmlns:mv="urn:schemas-microsoft-com:mac:vml" xmlns:p="http://schemas.openxmlformats.org/presentationml/2006/main" mc:Ignorable="mv" mc:PreserveAttributes="mv:*" type="objTx" preserve="1">
   <p:cSld name="Content with Caption">
     <p:spTree>
       <p:nvGrpSpPr>
@@ -35570,7 +36470,8 @@
           <a:p>
             <a:fld id="{E8F935CF-B2A1-D54B-8AA8-7A5E51CD9288}" type="datetimeFigureOut">
               <a:rPr lang="en-US" smtClean="0"/>
-              <a:t>5/18/12</a:t>
+              <a:pPr/>
+              <a:t>6/4/12</a:t>
             </a:fld>
             <a:endParaRPr lang="en-US"/>
           </a:p>
@@ -35612,6 +36513,7 @@
           <a:p>
             <a:fld id="{6A53A906-045E-2243-8ADF-717C6EF980D2}" type="slidenum">
               <a:rPr lang="en-US" smtClean="0"/>
+              <a:pPr/>
               <a:t>‹#›</a:t>
             </a:fld>
             <a:endParaRPr lang="en-US"/>
@@ -35621,7 +36523,7 @@
     </p:spTree>
     <p:extLst>
       <p:ext uri="{BB962C8B-B14F-4D97-AF65-F5344CB8AC3E}">
-        <p14:creationId xmlns:p14="http://schemas.microsoft.com/office/powerpoint/2010/main" val="1279296165"/>
+        <p14:creationId xmlns:p14="http://schemas.microsoft.com/office/powerpoint/2010/main" xmlns:p="http://schemas.openxmlformats.org/presentationml/2006/main" xmlns:r="http://schemas.openxmlformats.org/officeDocument/2006/relationships" xmlns:a="http://schemas.openxmlformats.org/drawingml/2006/main" xmlns="" val="1279296165"/>
       </p:ext>
     </p:extLst>
   </p:cSld>
@@ -35632,7 +36534,7 @@
 </file>
 
 <file path=ppt/slideLayouts/slideLayout9.xml><?xml version="1.0" encoding="utf-8"?>
-<p:sldLayout xmlns:a="http://schemas.openxmlformats.org/drawingml/2006/main" xmlns:r="http://schemas.openxmlformats.org/officeDocument/2006/relationships" xmlns:p="http://schemas.openxmlformats.org/presentationml/2006/main" type="picTx" preserve="1">
+<p:sldLayout xmlns:a="http://schemas.openxmlformats.org/drawingml/2006/main" xmlns:r="http://schemas.openxmlformats.org/officeDocument/2006/relationships" xmlns:mc="http://schemas.openxmlformats.org/markup-compatibility/2006" xmlns:mv="urn:schemas-microsoft-com:mac:vml" xmlns:p="http://schemas.openxmlformats.org/presentationml/2006/main" mc:Ignorable="mv" mc:PreserveAttributes="mv:*" type="picTx" preserve="1">
   <p:cSld name="Picture with Caption">
     <p:spTree>
       <p:nvGrpSpPr>
@@ -35823,7 +36725,8 @@
           <a:p>
             <a:fld id="{E8F935CF-B2A1-D54B-8AA8-7A5E51CD9288}" type="datetimeFigureOut">
               <a:rPr lang="en-US" smtClean="0"/>
-              <a:t>5/18/12</a:t>
+              <a:pPr/>
+              <a:t>6/4/12</a:t>
             </a:fld>
             <a:endParaRPr lang="en-US"/>
           </a:p>
@@ -35865,6 +36768,7 @@
           <a:p>
             <a:fld id="{6A53A906-045E-2243-8ADF-717C6EF980D2}" type="slidenum">
               <a:rPr lang="en-US" smtClean="0"/>
+              <a:pPr/>
               <a:t>‹#›</a:t>
             </a:fld>
             <a:endParaRPr lang="en-US"/>
@@ -35874,7 +36778,7 @@
     </p:spTree>
     <p:extLst>
       <p:ext uri="{BB962C8B-B14F-4D97-AF65-F5344CB8AC3E}">
-        <p14:creationId xmlns:p14="http://schemas.microsoft.com/office/powerpoint/2010/main" val="1212159100"/>
+        <p14:creationId xmlns:p14="http://schemas.microsoft.com/office/powerpoint/2010/main" xmlns:p="http://schemas.openxmlformats.org/presentationml/2006/main" xmlns:r="http://schemas.openxmlformats.org/officeDocument/2006/relationships" xmlns:a="http://schemas.openxmlformats.org/drawingml/2006/main" xmlns="" val="1212159100"/>
       </p:ext>
     </p:extLst>
   </p:cSld>
@@ -35885,7 +36789,7 @@
 </file>
 
 <file path=ppt/slideMasters/slideMaster1.xml><?xml version="1.0" encoding="utf-8"?>
-<p:sldMaster xmlns:a="http://schemas.openxmlformats.org/drawingml/2006/main" xmlns:r="http://schemas.openxmlformats.org/officeDocument/2006/relationships" xmlns:p="http://schemas.openxmlformats.org/presentationml/2006/main">
+<p:sldMaster xmlns:a="http://schemas.openxmlformats.org/drawingml/2006/main" xmlns:r="http://schemas.openxmlformats.org/officeDocument/2006/relationships" xmlns:mc="http://schemas.openxmlformats.org/markup-compatibility/2006" xmlns:mv="urn:schemas-microsoft-com:mac:vml" xmlns:p="http://schemas.openxmlformats.org/presentationml/2006/main" mc:Ignorable="mv" mc:PreserveAttributes="mv:*">
   <p:cSld>
     <p:bg>
       <p:bgRef idx="1001">
@@ -36036,7 +36940,8 @@
           <a:p>
             <a:fld id="{E8F935CF-B2A1-D54B-8AA8-7A5E51CD9288}" type="datetimeFigureOut">
               <a:rPr lang="en-US" smtClean="0"/>
-              <a:t>5/18/12</a:t>
+              <a:pPr/>
+              <a:t>6/4/12</a:t>
             </a:fld>
             <a:endParaRPr lang="en-US"/>
           </a:p>
@@ -36114,6 +37019,7 @@
           <a:p>
             <a:fld id="{6A53A906-045E-2243-8ADF-717C6EF980D2}" type="slidenum">
               <a:rPr lang="en-US" smtClean="0"/>
+              <a:pPr/>
               <a:t>‹#›</a:t>
             </a:fld>
             <a:endParaRPr lang="en-US"/>
@@ -36123,7 +37029,7 @@
     </p:spTree>
     <p:extLst>
       <p:ext uri="{BB962C8B-B14F-4D97-AF65-F5344CB8AC3E}">
-        <p14:creationId xmlns:p14="http://schemas.microsoft.com/office/powerpoint/2010/main" val="2320860158"/>
+        <p14:creationId xmlns:p14="http://schemas.microsoft.com/office/powerpoint/2010/main" xmlns:p="http://schemas.openxmlformats.org/presentationml/2006/main" xmlns:r="http://schemas.openxmlformats.org/officeDocument/2006/relationships" xmlns:a="http://schemas.openxmlformats.org/drawingml/2006/main" xmlns="" val="2320860158"/>
       </p:ext>
     </p:extLst>
   </p:cSld>
@@ -36395,7 +37301,7 @@
 </file>
 
 <file path=ppt/slides/slide1.xml><?xml version="1.0" encoding="utf-8"?>
-<p:sld xmlns:a="http://schemas.openxmlformats.org/drawingml/2006/main" xmlns:r="http://schemas.openxmlformats.org/officeDocument/2006/relationships" xmlns:p="http://schemas.openxmlformats.org/presentationml/2006/main">
+<p:sld xmlns:a="http://schemas.openxmlformats.org/drawingml/2006/main" xmlns:r="http://schemas.openxmlformats.org/officeDocument/2006/relationships" xmlns:mc="http://schemas.openxmlformats.org/markup-compatibility/2006" xmlns:mv="urn:schemas-microsoft-com:mac:vml" xmlns:p="http://schemas.openxmlformats.org/presentationml/2006/main" mc:Ignorable="mv" mc:PreserveAttributes="mv:*">
   <p:cSld>
     <p:spTree>
       <p:nvGrpSpPr>
@@ -36418,7 +37324,7 @@
           <p:nvPr>
             <p:extLst>
               <p:ext uri="{D42A27DB-BD31-4B8C-83A1-F6EECF244321}">
-                <p14:modId xmlns:p14="http://schemas.microsoft.com/office/powerpoint/2010/main" val="1487251362"/>
+                <p14:modId xmlns:p14="http://schemas.microsoft.com/office/powerpoint/2010/main" xmlns:p="http://schemas.openxmlformats.org/presentationml/2006/main" xmlns:r="http://schemas.openxmlformats.org/officeDocument/2006/relationships" xmlns:a="http://schemas.openxmlformats.org/drawingml/2006/main" xmlns="" val="1487251362"/>
               </p:ext>
             </p:extLst>
           </p:nvPr>
@@ -36429,14 +37335,14 @@
         </p:xfrm>
         <a:graphic>
           <a:graphicData uri="http://schemas.openxmlformats.org/drawingml/2006/diagram">
-            <dgm:relIds xmlns:dgm="http://schemas.openxmlformats.org/drawingml/2006/diagram" xmlns:r="http://schemas.openxmlformats.org/officeDocument/2006/relationships" r:dm="rId2" r:lo="rId3" r:qs="rId4" r:cs="rId5"/>
+            <a:relIds xmlns:dgm="http://schemas.openxmlformats.org/drawingml/2006/diagram" xmlns:r="http://schemas.openxmlformats.org/officeDocument/2006/relationships" r:dm="rId2" r:lo="rId3" r:qs="rId4" r:cs="rId5"/>
           </a:graphicData>
         </a:graphic>
       </p:graphicFrame>
     </p:spTree>
     <p:extLst>
       <p:ext uri="{BB962C8B-B14F-4D97-AF65-F5344CB8AC3E}">
-        <p14:creationId xmlns:p14="http://schemas.microsoft.com/office/powerpoint/2010/main" val="3500248670"/>
+        <p14:creationId xmlns:p14="http://schemas.microsoft.com/office/powerpoint/2010/main" xmlns:p="http://schemas.openxmlformats.org/presentationml/2006/main" xmlns:r="http://schemas.openxmlformats.org/officeDocument/2006/relationships" xmlns:a="http://schemas.openxmlformats.org/drawingml/2006/main" xmlns="" val="3500248670"/>
       </p:ext>
     </p:extLst>
   </p:cSld>
@@ -36446,7 +37352,7 @@
   <p:timing>
     <p:tnLst>
       <p:par>
-        <p:cTn xmlns:p14="http://schemas.microsoft.com/office/powerpoint/2010/main" id="1" dur="indefinite" restart="never" nodeType="tmRoot"/>
+        <p:cTn id="1" dur="indefinite" restart="never" nodeType="tmRoot"/>
       </p:par>
     </p:tnLst>
   </p:timing>
@@ -36454,7 +37360,7 @@
 </file>
 
 <file path=ppt/slides/slide2.xml><?xml version="1.0" encoding="utf-8"?>
-<p:sld xmlns:a="http://schemas.openxmlformats.org/drawingml/2006/main" xmlns:r="http://schemas.openxmlformats.org/officeDocument/2006/relationships" xmlns:p="http://schemas.openxmlformats.org/presentationml/2006/main">
+<p:sld xmlns:a="http://schemas.openxmlformats.org/drawingml/2006/main" xmlns:r="http://schemas.openxmlformats.org/officeDocument/2006/relationships" xmlns:mc="http://schemas.openxmlformats.org/markup-compatibility/2006" xmlns:mv="urn:schemas-microsoft-com:mac:vml" xmlns:p="http://schemas.openxmlformats.org/presentationml/2006/main" mc:Ignorable="mv" mc:PreserveAttributes="mv:*">
   <p:cSld>
     <p:spTree>
       <p:nvGrpSpPr>
@@ -36477,7 +37383,7 @@
           <p:nvPr>
             <p:extLst>
               <p:ext uri="{D42A27DB-BD31-4B8C-83A1-F6EECF244321}">
-                <p14:modId xmlns:p14="http://schemas.microsoft.com/office/powerpoint/2010/main" val="1873583051"/>
+                <p14:modId xmlns:p14="http://schemas.microsoft.com/office/powerpoint/2010/main" xmlns:p="http://schemas.openxmlformats.org/presentationml/2006/main" xmlns:r="http://schemas.openxmlformats.org/officeDocument/2006/relationships" xmlns:a="http://schemas.openxmlformats.org/drawingml/2006/main" xmlns="" val="1873583051"/>
               </p:ext>
             </p:extLst>
           </p:nvPr>
@@ -36488,14 +37394,14 @@
         </p:xfrm>
         <a:graphic>
           <a:graphicData uri="http://schemas.openxmlformats.org/drawingml/2006/diagram">
-            <dgm:relIds xmlns:dgm="http://schemas.openxmlformats.org/drawingml/2006/diagram" xmlns:r="http://schemas.openxmlformats.org/officeDocument/2006/relationships" r:dm="rId2" r:lo="rId3" r:qs="rId4" r:cs="rId5"/>
+            <a:relIds xmlns:dgm="http://schemas.openxmlformats.org/drawingml/2006/diagram" xmlns:r="http://schemas.openxmlformats.org/officeDocument/2006/relationships" r:dm="rId2" r:lo="rId3" r:qs="rId4" r:cs="rId5"/>
           </a:graphicData>
         </a:graphic>
       </p:graphicFrame>
     </p:spTree>
     <p:extLst>
       <p:ext uri="{BB962C8B-B14F-4D97-AF65-F5344CB8AC3E}">
-        <p14:creationId xmlns:p14="http://schemas.microsoft.com/office/powerpoint/2010/main" val="2655818437"/>
+        <p14:creationId xmlns:p14="http://schemas.microsoft.com/office/powerpoint/2010/main" xmlns:p="http://schemas.openxmlformats.org/presentationml/2006/main" xmlns:r="http://schemas.openxmlformats.org/officeDocument/2006/relationships" xmlns:a="http://schemas.openxmlformats.org/drawingml/2006/main" xmlns="" val="2655818437"/>
       </p:ext>
     </p:extLst>
   </p:cSld>
@@ -36505,7 +37411,7 @@
   <p:timing>
     <p:tnLst>
       <p:par>
-        <p:cTn xmlns:p14="http://schemas.microsoft.com/office/powerpoint/2010/main" id="1" dur="indefinite" restart="never" nodeType="tmRoot"/>
+        <p:cTn id="1" dur="indefinite" restart="never" nodeType="tmRoot"/>
       </p:par>
     </p:tnLst>
   </p:timing>
@@ -36513,7 +37419,7 @@
 </file>
 
 <file path=ppt/slides/slide3.xml><?xml version="1.0" encoding="utf-8"?>
-<p:sld xmlns:a="http://schemas.openxmlformats.org/drawingml/2006/main" xmlns:r="http://schemas.openxmlformats.org/officeDocument/2006/relationships" xmlns:p="http://schemas.openxmlformats.org/presentationml/2006/main">
+<p:sld xmlns:a="http://schemas.openxmlformats.org/drawingml/2006/main" xmlns:r="http://schemas.openxmlformats.org/officeDocument/2006/relationships" xmlns:mc="http://schemas.openxmlformats.org/markup-compatibility/2006" xmlns:mv="urn:schemas-microsoft-com:mac:vml" xmlns:p="http://schemas.openxmlformats.org/presentationml/2006/main" mc:Ignorable="mv" mc:PreserveAttributes="mv:*">
   <p:cSld>
     <p:spTree>
       <p:nvGrpSpPr>
@@ -36536,7 +37442,7 @@
           <p:nvPr>
             <p:extLst>
               <p:ext uri="{D42A27DB-BD31-4B8C-83A1-F6EECF244321}">
-                <p14:modId xmlns:p14="http://schemas.microsoft.com/office/powerpoint/2010/main" val="252599039"/>
+                <p14:modId xmlns:p14="http://schemas.microsoft.com/office/powerpoint/2010/main" xmlns:p="http://schemas.openxmlformats.org/presentationml/2006/main" xmlns:r="http://schemas.openxmlformats.org/officeDocument/2006/relationships" xmlns:a="http://schemas.openxmlformats.org/drawingml/2006/main" xmlns="" val="252599039"/>
               </p:ext>
             </p:extLst>
           </p:nvPr>
@@ -36547,14 +37453,14 @@
         </p:xfrm>
         <a:graphic>
           <a:graphicData uri="http://schemas.openxmlformats.org/drawingml/2006/diagram">
-            <dgm:relIds xmlns:dgm="http://schemas.openxmlformats.org/drawingml/2006/diagram" xmlns:r="http://schemas.openxmlformats.org/officeDocument/2006/relationships" r:dm="rId2" r:lo="rId3" r:qs="rId4" r:cs="rId5"/>
+            <a:relIds xmlns:dgm="http://schemas.openxmlformats.org/drawingml/2006/diagram" xmlns:r="http://schemas.openxmlformats.org/officeDocument/2006/relationships" r:dm="rId2" r:lo="rId3" r:qs="rId4" r:cs="rId5"/>
           </a:graphicData>
         </a:graphic>
       </p:graphicFrame>
     </p:spTree>
     <p:extLst>
       <p:ext uri="{BB962C8B-B14F-4D97-AF65-F5344CB8AC3E}">
-        <p14:creationId xmlns:p14="http://schemas.microsoft.com/office/powerpoint/2010/main" val="211986616"/>
+        <p14:creationId xmlns:p14="http://schemas.microsoft.com/office/powerpoint/2010/main" xmlns:p="http://schemas.openxmlformats.org/presentationml/2006/main" xmlns:r="http://schemas.openxmlformats.org/officeDocument/2006/relationships" xmlns:a="http://schemas.openxmlformats.org/drawingml/2006/main" xmlns="" val="211986616"/>
       </p:ext>
     </p:extLst>
   </p:cSld>
@@ -36564,7 +37470,7 @@
   <p:timing>
     <p:tnLst>
       <p:par>
-        <p:cTn xmlns:p14="http://schemas.microsoft.com/office/powerpoint/2010/main" id="1" dur="indefinite" restart="never" nodeType="tmRoot"/>
+        <p:cTn id="1" dur="indefinite" restart="never" nodeType="tmRoot"/>
       </p:par>
     </p:tnLst>
   </p:timing>
@@ -36572,7 +37478,7 @@
 </file>
 
 <file path=ppt/slides/slide4.xml><?xml version="1.0" encoding="utf-8"?>
-<p:sld xmlns:a="http://schemas.openxmlformats.org/drawingml/2006/main" xmlns:r="http://schemas.openxmlformats.org/officeDocument/2006/relationships" xmlns:p="http://schemas.openxmlformats.org/presentationml/2006/main">
+<p:sld xmlns:a="http://schemas.openxmlformats.org/drawingml/2006/main" xmlns:r="http://schemas.openxmlformats.org/officeDocument/2006/relationships" xmlns:mc="http://schemas.openxmlformats.org/markup-compatibility/2006" xmlns:mv="urn:schemas-microsoft-com:mac:vml" xmlns:p="http://schemas.openxmlformats.org/presentationml/2006/main" mc:Ignorable="mv" mc:PreserveAttributes="mv:*">
   <p:cSld>
     <p:spTree>
       <p:nvGrpSpPr>
@@ -36595,7 +37501,7 @@
           <p:nvPr>
             <p:extLst>
               <p:ext uri="{D42A27DB-BD31-4B8C-83A1-F6EECF244321}">
-                <p14:modId xmlns:p14="http://schemas.microsoft.com/office/powerpoint/2010/main" val="3530877517"/>
+                <p14:modId xmlns:p14="http://schemas.microsoft.com/office/powerpoint/2010/main" xmlns:p="http://schemas.openxmlformats.org/presentationml/2006/main" xmlns:r="http://schemas.openxmlformats.org/officeDocument/2006/relationships" xmlns:a="http://schemas.openxmlformats.org/drawingml/2006/main" xmlns="" val="3530877517"/>
               </p:ext>
             </p:extLst>
           </p:nvPr>
@@ -36606,14 +37512,14 @@
         </p:xfrm>
         <a:graphic>
           <a:graphicData uri="http://schemas.openxmlformats.org/drawingml/2006/diagram">
-            <dgm:relIds xmlns:dgm="http://schemas.openxmlformats.org/drawingml/2006/diagram" xmlns:r="http://schemas.openxmlformats.org/officeDocument/2006/relationships" r:dm="rId2" r:lo="rId3" r:qs="rId4" r:cs="rId5"/>
+            <a:relIds xmlns:dgm="http://schemas.openxmlformats.org/drawingml/2006/diagram" xmlns:r="http://schemas.openxmlformats.org/officeDocument/2006/relationships" r:dm="rId2" r:lo="rId3" r:qs="rId4" r:cs="rId5"/>
           </a:graphicData>
         </a:graphic>
       </p:graphicFrame>
     </p:spTree>
     <p:extLst>
       <p:ext uri="{BB962C8B-B14F-4D97-AF65-F5344CB8AC3E}">
-        <p14:creationId xmlns:p14="http://schemas.microsoft.com/office/powerpoint/2010/main" val="1516467677"/>
+        <p14:creationId xmlns:p14="http://schemas.microsoft.com/office/powerpoint/2010/main" xmlns:p="http://schemas.openxmlformats.org/presentationml/2006/main" xmlns:r="http://schemas.openxmlformats.org/officeDocument/2006/relationships" xmlns:a="http://schemas.openxmlformats.org/drawingml/2006/main" xmlns="" val="1516467677"/>
       </p:ext>
     </p:extLst>
   </p:cSld>
@@ -36623,7 +37529,7 @@
   <p:timing>
     <p:tnLst>
       <p:par>
-        <p:cTn xmlns:p14="http://schemas.microsoft.com/office/powerpoint/2010/main" id="1" dur="indefinite" restart="never" nodeType="tmRoot"/>
+        <p:cTn id="1" dur="indefinite" restart="never" nodeType="tmRoot"/>
       </p:par>
     </p:tnLst>
   </p:timing>
@@ -36631,7 +37537,7 @@
 </file>
 
 <file path=ppt/slides/slide5.xml><?xml version="1.0" encoding="utf-8"?>
-<p:sld xmlns:a="http://schemas.openxmlformats.org/drawingml/2006/main" xmlns:r="http://schemas.openxmlformats.org/officeDocument/2006/relationships" xmlns:p="http://schemas.openxmlformats.org/presentationml/2006/main">
+<p:sld xmlns:a="http://schemas.openxmlformats.org/drawingml/2006/main" xmlns:r="http://schemas.openxmlformats.org/officeDocument/2006/relationships" xmlns:mc="http://schemas.openxmlformats.org/markup-compatibility/2006" xmlns:mv="urn:schemas-microsoft-com:mac:vml" xmlns:p="http://schemas.openxmlformats.org/presentationml/2006/main" mc:Ignorable="mv" mc:PreserveAttributes="mv:*">
   <p:cSld>
     <p:spTree>
       <p:nvGrpSpPr>
@@ -36654,7 +37560,7 @@
           <p:nvPr>
             <p:extLst>
               <p:ext uri="{D42A27DB-BD31-4B8C-83A1-F6EECF244321}">
-                <p14:modId xmlns:p14="http://schemas.microsoft.com/office/powerpoint/2010/main" val="4271630713"/>
+                <p14:modId xmlns:p14="http://schemas.microsoft.com/office/powerpoint/2010/main" xmlns:p="http://schemas.openxmlformats.org/presentationml/2006/main" xmlns:r="http://schemas.openxmlformats.org/officeDocument/2006/relationships" xmlns:a="http://schemas.openxmlformats.org/drawingml/2006/main" xmlns="" val="4271630713"/>
               </p:ext>
             </p:extLst>
           </p:nvPr>
@@ -36665,14 +37571,14 @@
         </p:xfrm>
         <a:graphic>
           <a:graphicData uri="http://schemas.openxmlformats.org/drawingml/2006/diagram">
-            <dgm:relIds xmlns:dgm="http://schemas.openxmlformats.org/drawingml/2006/diagram" xmlns:r="http://schemas.openxmlformats.org/officeDocument/2006/relationships" r:dm="rId2" r:lo="rId3" r:qs="rId4" r:cs="rId5"/>
+            <a:relIds xmlns:dgm="http://schemas.openxmlformats.org/drawingml/2006/diagram" xmlns:r="http://schemas.openxmlformats.org/officeDocument/2006/relationships" r:dm="rId2" r:lo="rId3" r:qs="rId4" r:cs="rId5"/>
           </a:graphicData>
         </a:graphic>
       </p:graphicFrame>
     </p:spTree>
     <p:extLst>
       <p:ext uri="{BB962C8B-B14F-4D97-AF65-F5344CB8AC3E}">
-        <p14:creationId xmlns:p14="http://schemas.microsoft.com/office/powerpoint/2010/main" val="351851453"/>
+        <p14:creationId xmlns:p14="http://schemas.microsoft.com/office/powerpoint/2010/main" xmlns:p="http://schemas.openxmlformats.org/presentationml/2006/main" xmlns:r="http://schemas.openxmlformats.org/officeDocument/2006/relationships" xmlns:a="http://schemas.openxmlformats.org/drawingml/2006/main" xmlns="" val="351851453"/>
       </p:ext>
     </p:extLst>
   </p:cSld>
@@ -36682,7 +37588,7 @@
   <p:timing>
     <p:tnLst>
       <p:par>
-        <p:cTn xmlns:p14="http://schemas.microsoft.com/office/powerpoint/2010/main" id="1" dur="indefinite" restart="never" nodeType="tmRoot"/>
+        <p:cTn id="1" dur="indefinite" restart="never" nodeType="tmRoot"/>
       </p:par>
     </p:tnLst>
   </p:timing>
